--- a/presentation.pptx
+++ b/presentation.pptx
@@ -17,10 +17,10 @@
   </p:handoutMasterIdLst>
   <p:sldIdLst>
     <p:sldId id="256" r:id="rId7"/>
-    <p:sldId id="315" r:id="rId8"/>
-    <p:sldId id="325" r:id="rId9"/>
-    <p:sldId id="326" r:id="rId10"/>
-    <p:sldId id="324" r:id="rId11"/>
+    <p:sldId id="324" r:id="rId8"/>
+    <p:sldId id="315" r:id="rId9"/>
+    <p:sldId id="325" r:id="rId10"/>
+    <p:sldId id="326" r:id="rId11"/>
   </p:sldIdLst>
   <p:sldSz cx="9144000" cy="6858000" type="screen4x3"/>
   <p:notesSz cx="6985000" cy="9283700"/>
@@ -6897,20 +6897,8 @@
           <a:lstStyle/>
           <a:p>
             <a:r>
-              <a:rPr lang="en-US" dirty="0" err="1" smtClean="0"/>
-              <a:t>DockerCon</a:t>
-            </a:r>
-            <a:r>
               <a:rPr lang="en-US" dirty="0" smtClean="0"/>
-              <a:t> </a:t>
-            </a:r>
-            <a:r>
-              <a:rPr lang="en-US" dirty="0" err="1" smtClean="0"/>
-              <a:t>Hackathon</a:t>
-            </a:r>
-            <a:r>
-              <a:rPr lang="en-US" dirty="0" smtClean="0"/>
-              <a:t/>
+              <a:t>DockerCon Hackathon</a:t>
             </a:r>
             <a:br>
               <a:rPr lang="en-US" dirty="0" smtClean="0"/>
@@ -6948,21 +6936,7 @@
                 <a:latin typeface="Verdana"/>
                 <a:cs typeface="Verdana"/>
               </a:rPr>
-              <a:t>Nikhil </a:t>
-            </a:r>
-            <a:r>
-              <a:rPr lang="en-US" dirty="0" err="1" smtClean="0">
-                <a:latin typeface="Verdana"/>
-                <a:cs typeface="Verdana"/>
-              </a:rPr>
-              <a:t>Vaze</a:t>
-            </a:r>
-            <a:r>
-              <a:rPr lang="en-US" dirty="0" smtClean="0">
-                <a:latin typeface="Verdana"/>
-                <a:cs typeface="Verdana"/>
-              </a:rPr>
-              <a:t>, Siddhartha Gupta, Tanay Nagjee</a:t>
+              <a:t>Nikhil Vaze, Siddhartha Gupta, Tanay Nagjee</a:t>
             </a:r>
           </a:p>
           <a:p>
@@ -7021,6 +6995,469 @@
 </file>
 
 <file path=ppt/slides/slide2.xml><?xml version="1.0" encoding="utf-8"?>
+<p:sld xmlns:a="http://schemas.openxmlformats.org/drawingml/2006/main" xmlns:r="http://schemas.openxmlformats.org/officeDocument/2006/relationships" xmlns:p="http://schemas.openxmlformats.org/presentationml/2006/main">
+  <p:cSld>
+    <p:spTree>
+      <p:nvGrpSpPr>
+        <p:cNvPr id="1" name=""/>
+        <p:cNvGrpSpPr/>
+        <p:nvPr/>
+      </p:nvGrpSpPr>
+      <p:grpSpPr>
+        <a:xfrm>
+          <a:off x="0" y="0"/>
+          <a:ext cx="0" cy="0"/>
+          <a:chOff x="0" y="0"/>
+          <a:chExt cx="0" cy="0"/>
+        </a:xfrm>
+      </p:grpSpPr>
+      <p:sp>
+        <p:nvSpPr>
+          <p:cNvPr id="9" name="Rectangle 8"/>
+          <p:cNvSpPr/>
+          <p:nvPr/>
+        </p:nvSpPr>
+        <p:spPr>
+          <a:xfrm>
+            <a:off x="0" y="1086779"/>
+            <a:ext cx="9144000" cy="5771221"/>
+          </a:xfrm>
+          <a:prstGeom prst="rect">
+            <a:avLst/>
+          </a:prstGeom>
+          <a:solidFill>
+            <a:schemeClr val="bg1"/>
+          </a:solidFill>
+          <a:ln>
+            <a:solidFill>
+              <a:schemeClr val="bg1"/>
+            </a:solidFill>
+          </a:ln>
+          <a:effectLst/>
+        </p:spPr>
+        <p:style>
+          <a:lnRef idx="1">
+            <a:schemeClr val="accent1"/>
+          </a:lnRef>
+          <a:fillRef idx="3">
+            <a:schemeClr val="accent1"/>
+          </a:fillRef>
+          <a:effectRef idx="2">
+            <a:schemeClr val="accent1"/>
+          </a:effectRef>
+          <a:fontRef idx="minor">
+            <a:schemeClr val="lt1"/>
+          </a:fontRef>
+        </p:style>
+        <p:txBody>
+          <a:bodyPr rtlCol="0" anchor="ctr"/>
+          <a:lstStyle/>
+          <a:p>
+            <a:pPr algn="ctr"/>
+            <a:endParaRPr lang="en-US"/>
+          </a:p>
+        </p:txBody>
+      </p:sp>
+      <p:sp>
+        <p:nvSpPr>
+          <p:cNvPr id="2" name="Title 1"/>
+          <p:cNvSpPr>
+            <a:spLocks noGrp="1"/>
+          </p:cNvSpPr>
+          <p:nvPr>
+            <p:ph type="title"/>
+          </p:nvPr>
+        </p:nvSpPr>
+        <p:spPr>
+          <a:xfrm>
+            <a:off x="310891" y="167912"/>
+            <a:ext cx="8375909" cy="767329"/>
+          </a:xfrm>
+        </p:spPr>
+        <p:txBody>
+          <a:bodyPr/>
+          <a:lstStyle/>
+          <a:p>
+            <a:r>
+              <a:rPr lang="en-US" sz="3200" dirty="0" smtClean="0">
+                <a:latin typeface="Verdana"/>
+                <a:cs typeface="Verdana"/>
+              </a:rPr>
+              <a:t>Technologies used</a:t>
+            </a:r>
+            <a:endParaRPr lang="en-US" sz="3200" dirty="0">
+              <a:latin typeface="Verdana"/>
+              <a:cs typeface="Verdana"/>
+            </a:endParaRPr>
+          </a:p>
+        </p:txBody>
+      </p:sp>
+      <p:sp>
+        <p:nvSpPr>
+          <p:cNvPr id="3" name="Content Placeholder 2"/>
+          <p:cNvSpPr>
+            <a:spLocks noGrp="1"/>
+          </p:cNvSpPr>
+          <p:nvPr>
+            <p:ph idx="1"/>
+          </p:nvPr>
+        </p:nvSpPr>
+        <p:spPr>
+          <a:xfrm>
+            <a:off x="310891" y="1342569"/>
+            <a:ext cx="7904571" cy="4637810"/>
+          </a:xfrm>
+        </p:spPr>
+        <p:txBody>
+          <a:bodyPr/>
+          <a:lstStyle/>
+          <a:p>
+            <a:r>
+              <a:rPr lang="en-US" sz="2400" dirty="0" smtClean="0">
+                <a:solidFill>
+                  <a:schemeClr val="tx2"/>
+                </a:solidFill>
+                <a:latin typeface="Verdana"/>
+                <a:cs typeface="Verdana"/>
+              </a:rPr>
+              <a:t>Source </a:t>
+            </a:r>
+            <a:r>
+              <a:rPr lang="en-US" sz="2400" dirty="0">
+                <a:solidFill>
+                  <a:schemeClr val="tx2"/>
+                </a:solidFill>
+                <a:latin typeface="Verdana"/>
+                <a:cs typeface="Verdana"/>
+              </a:rPr>
+              <a:t>control: </a:t>
+            </a:r>
+            <a:r>
+              <a:rPr lang="en-US" sz="2400" dirty="0" err="1" smtClean="0">
+                <a:solidFill>
+                  <a:schemeClr val="tx2"/>
+                </a:solidFill>
+                <a:latin typeface="Verdana"/>
+                <a:cs typeface="Verdana"/>
+              </a:rPr>
+              <a:t>GitHub</a:t>
+            </a:r>
+            <a:endParaRPr lang="en-US" sz="2400" dirty="0">
+              <a:solidFill>
+                <a:schemeClr val="tx2"/>
+              </a:solidFill>
+              <a:latin typeface="Verdana"/>
+              <a:cs typeface="Verdana"/>
+            </a:endParaRPr>
+          </a:p>
+          <a:p>
+            <a:r>
+              <a:rPr lang="en-US" sz="2400" dirty="0" smtClean="0">
+                <a:solidFill>
+                  <a:schemeClr val="tx2"/>
+                </a:solidFill>
+                <a:latin typeface="Verdana"/>
+                <a:cs typeface="Verdana"/>
+              </a:rPr>
+              <a:t>Build</a:t>
+            </a:r>
+            <a:r>
+              <a:rPr lang="en-US" sz="2400" dirty="0">
+                <a:solidFill>
+                  <a:schemeClr val="tx2"/>
+                </a:solidFill>
+                <a:latin typeface="Verdana"/>
+                <a:cs typeface="Verdana"/>
+              </a:rPr>
+              <a:t>: </a:t>
+            </a:r>
+            <a:r>
+              <a:rPr lang="en-US" sz="2400" dirty="0" smtClean="0">
+                <a:solidFill>
+                  <a:schemeClr val="tx2"/>
+                </a:solidFill>
+                <a:latin typeface="Verdana"/>
+                <a:cs typeface="Verdana"/>
+              </a:rPr>
+              <a:t>Jenkins</a:t>
+            </a:r>
+            <a:endParaRPr lang="en-US" sz="2400" dirty="0">
+              <a:solidFill>
+                <a:schemeClr val="tx2"/>
+              </a:solidFill>
+              <a:latin typeface="Verdana"/>
+              <a:cs typeface="Verdana"/>
+            </a:endParaRPr>
+          </a:p>
+          <a:p>
+            <a:r>
+              <a:rPr lang="en-US" sz="2400" dirty="0" smtClean="0">
+                <a:solidFill>
+                  <a:schemeClr val="tx2"/>
+                </a:solidFill>
+                <a:latin typeface="Verdana"/>
+                <a:cs typeface="Verdana"/>
+              </a:rPr>
+              <a:t>Containers</a:t>
+            </a:r>
+            <a:r>
+              <a:rPr lang="en-US" sz="2400" dirty="0">
+                <a:solidFill>
+                  <a:schemeClr val="tx2"/>
+                </a:solidFill>
+                <a:latin typeface="Verdana"/>
+                <a:cs typeface="Verdana"/>
+              </a:rPr>
+              <a:t>: </a:t>
+            </a:r>
+            <a:r>
+              <a:rPr lang="en-US" sz="2400" dirty="0" smtClean="0">
+                <a:solidFill>
+                  <a:schemeClr val="tx2"/>
+                </a:solidFill>
+                <a:latin typeface="Verdana"/>
+                <a:cs typeface="Verdana"/>
+              </a:rPr>
+              <a:t>Docker</a:t>
+            </a:r>
+            <a:endParaRPr lang="en-US" sz="2400" dirty="0">
+              <a:solidFill>
+                <a:schemeClr val="tx2"/>
+              </a:solidFill>
+              <a:latin typeface="Verdana"/>
+              <a:cs typeface="Verdana"/>
+            </a:endParaRPr>
+          </a:p>
+          <a:p>
+            <a:r>
+              <a:rPr lang="en-US" sz="2400" dirty="0" smtClean="0">
+                <a:solidFill>
+                  <a:schemeClr val="tx2"/>
+                </a:solidFill>
+                <a:latin typeface="Verdana"/>
+                <a:cs typeface="Verdana"/>
+              </a:rPr>
+              <a:t>Code </a:t>
+            </a:r>
+            <a:r>
+              <a:rPr lang="en-US" sz="2400" dirty="0">
+                <a:solidFill>
+                  <a:schemeClr val="tx2"/>
+                </a:solidFill>
+                <a:latin typeface="Verdana"/>
+                <a:cs typeface="Verdana"/>
+              </a:rPr>
+              <a:t>review: </a:t>
+            </a:r>
+            <a:r>
+              <a:rPr lang="en-US" sz="2400" dirty="0" smtClean="0">
+                <a:solidFill>
+                  <a:schemeClr val="tx2"/>
+                </a:solidFill>
+                <a:latin typeface="Verdana"/>
+                <a:cs typeface="Verdana"/>
+              </a:rPr>
+              <a:t>ReviewBoard</a:t>
+            </a:r>
+            <a:endParaRPr lang="en-US" sz="2400" dirty="0">
+              <a:solidFill>
+                <a:schemeClr val="tx2"/>
+              </a:solidFill>
+              <a:latin typeface="Verdana"/>
+              <a:cs typeface="Verdana"/>
+            </a:endParaRPr>
+          </a:p>
+          <a:p>
+            <a:r>
+              <a:rPr lang="en-US" sz="2400" dirty="0" smtClean="0">
+                <a:solidFill>
+                  <a:schemeClr val="tx2"/>
+                </a:solidFill>
+                <a:latin typeface="Verdana"/>
+                <a:cs typeface="Verdana"/>
+              </a:rPr>
+              <a:t>Application </a:t>
+            </a:r>
+            <a:r>
+              <a:rPr lang="en-US" sz="2400" dirty="0">
+                <a:solidFill>
+                  <a:schemeClr val="tx2"/>
+                </a:solidFill>
+                <a:latin typeface="Verdana"/>
+                <a:cs typeface="Verdana"/>
+              </a:rPr>
+              <a:t>server: </a:t>
+            </a:r>
+            <a:r>
+              <a:rPr lang="en-US" sz="2400" dirty="0" smtClean="0">
+                <a:solidFill>
+                  <a:schemeClr val="tx2"/>
+                </a:solidFill>
+                <a:latin typeface="Verdana"/>
+                <a:cs typeface="Verdana"/>
+              </a:rPr>
+              <a:t>Jetty</a:t>
+            </a:r>
+            <a:endParaRPr lang="en-US" sz="2400" dirty="0">
+              <a:solidFill>
+                <a:schemeClr val="tx2"/>
+              </a:solidFill>
+              <a:latin typeface="Verdana"/>
+              <a:cs typeface="Verdana"/>
+            </a:endParaRPr>
+          </a:p>
+          <a:p>
+            <a:r>
+              <a:rPr lang="en-US" sz="2400" dirty="0" smtClean="0">
+                <a:solidFill>
+                  <a:schemeClr val="tx2"/>
+                </a:solidFill>
+                <a:latin typeface="Verdana"/>
+                <a:cs typeface="Verdana"/>
+              </a:rPr>
+              <a:t>High </a:t>
+            </a:r>
+            <a:r>
+              <a:rPr lang="en-US" sz="2400" dirty="0">
+                <a:solidFill>
+                  <a:schemeClr val="tx2"/>
+                </a:solidFill>
+                <a:latin typeface="Verdana"/>
+                <a:cs typeface="Verdana"/>
+              </a:rPr>
+              <a:t>availability: </a:t>
+            </a:r>
+            <a:r>
+              <a:rPr lang="en-US" sz="2400" dirty="0" err="1" smtClean="0">
+                <a:solidFill>
+                  <a:schemeClr val="tx2"/>
+                </a:solidFill>
+                <a:latin typeface="Verdana"/>
+                <a:cs typeface="Verdana"/>
+              </a:rPr>
+              <a:t>Nginx</a:t>
+            </a:r>
+            <a:r>
+              <a:rPr lang="en-US" sz="2400" dirty="0">
+                <a:solidFill>
+                  <a:schemeClr val="tx2"/>
+                </a:solidFill>
+                <a:latin typeface="Verdana"/>
+                <a:cs typeface="Verdana"/>
+              </a:rPr>
+              <a:t>, </a:t>
+            </a:r>
+            <a:r>
+              <a:rPr lang="en-US" sz="2400" dirty="0" err="1" smtClean="0">
+                <a:solidFill>
+                  <a:schemeClr val="tx2"/>
+                </a:solidFill>
+                <a:latin typeface="Verdana"/>
+                <a:cs typeface="Verdana"/>
+              </a:rPr>
+              <a:t>Etcd</a:t>
+            </a:r>
+            <a:r>
+              <a:rPr lang="en-US" sz="2400" dirty="0">
+                <a:solidFill>
+                  <a:schemeClr val="tx2"/>
+                </a:solidFill>
+                <a:latin typeface="Verdana"/>
+                <a:cs typeface="Verdana"/>
+              </a:rPr>
+              <a:t>, </a:t>
+            </a:r>
+            <a:r>
+              <a:rPr lang="en-US" sz="2400" dirty="0" err="1" smtClean="0">
+                <a:solidFill>
+                  <a:schemeClr val="tx2"/>
+                </a:solidFill>
+                <a:latin typeface="Verdana"/>
+                <a:cs typeface="Verdana"/>
+              </a:rPr>
+              <a:t>Etcdctl</a:t>
+            </a:r>
+            <a:r>
+              <a:rPr lang="en-US" sz="2400" dirty="0">
+                <a:solidFill>
+                  <a:schemeClr val="tx2"/>
+                </a:solidFill>
+                <a:latin typeface="Verdana"/>
+                <a:cs typeface="Verdana"/>
+              </a:rPr>
+              <a:t>, </a:t>
+            </a:r>
+            <a:r>
+              <a:rPr lang="en-US" sz="2400" dirty="0" err="1" smtClean="0">
+                <a:solidFill>
+                  <a:schemeClr val="tx2"/>
+                </a:solidFill>
+                <a:latin typeface="Verdana"/>
+                <a:cs typeface="Verdana"/>
+              </a:rPr>
+              <a:t>Confd</a:t>
+            </a:r>
+            <a:endParaRPr lang="en-US" sz="2400" dirty="0">
+              <a:solidFill>
+                <a:schemeClr val="tx2"/>
+              </a:solidFill>
+              <a:latin typeface="Verdana"/>
+              <a:cs typeface="Verdana"/>
+            </a:endParaRPr>
+          </a:p>
+          <a:p>
+            <a:r>
+              <a:rPr lang="en-US" sz="2400" dirty="0" smtClean="0">
+                <a:solidFill>
+                  <a:schemeClr val="tx2"/>
+                </a:solidFill>
+                <a:latin typeface="Verdana"/>
+                <a:cs typeface="Verdana"/>
+              </a:rPr>
+              <a:t>Orchestration: </a:t>
+            </a:r>
+            <a:r>
+              <a:rPr lang="en-US" sz="2400" dirty="0" smtClean="0">
+                <a:solidFill>
+                  <a:schemeClr val="tx2"/>
+                </a:solidFill>
+                <a:latin typeface="Verdana"/>
+                <a:cs typeface="Verdana"/>
+              </a:rPr>
+              <a:t>ElectricCommander</a:t>
+            </a:r>
+          </a:p>
+        </p:txBody>
+      </p:sp>
+    </p:spTree>
+    <p:extLst>
+      <p:ext uri="{BB962C8B-B14F-4D97-AF65-F5344CB8AC3E}">
+        <p14:creationId xmlns:p14="http://schemas.microsoft.com/office/powerpoint/2010/main" val="2697353015"/>
+      </p:ext>
+    </p:extLst>
+  </p:cSld>
+  <p:clrMapOvr>
+    <a:masterClrMapping/>
+  </p:clrMapOvr>
+  <mc:AlternateContent xmlns:mc="http://schemas.openxmlformats.org/markup-compatibility/2006">
+    <mc:Choice xmlns:p14="http://schemas.microsoft.com/office/powerpoint/2010/main" Requires="p14">
+      <p:transition spd="slow" p14:dur="2000"/>
+    </mc:Choice>
+    <mc:Fallback>
+      <p:transition xmlns:p14="http://schemas.microsoft.com/office/powerpoint/2010/main" spd="slow"/>
+    </mc:Fallback>
+  </mc:AlternateContent>
+  <p:timing>
+    <p:tnLst>
+      <p:par>
+        <p:cTn xmlns:p14="http://schemas.microsoft.com/office/powerpoint/2010/main" id="1" dur="indefinite" restart="never" nodeType="tmRoot"/>
+      </p:par>
+    </p:tnLst>
+  </p:timing>
+</p:sld>
+</file>
+
+<file path=ppt/slides/slide3.xml><?xml version="1.0" encoding="utf-8"?>
 <p:sld xmlns:a="http://schemas.openxmlformats.org/drawingml/2006/main" xmlns:r="http://schemas.openxmlformats.org/officeDocument/2006/relationships" xmlns:p="http://schemas.openxmlformats.org/presentationml/2006/main">
   <p:cSld>
     <p:spTree>
@@ -8091,126 +8528,6 @@
 </p:sld>
 </file>
 
-<file path=ppt/slides/slide3.xml><?xml version="1.0" encoding="utf-8"?>
-<p:sld xmlns:a="http://schemas.openxmlformats.org/drawingml/2006/main" xmlns:r="http://schemas.openxmlformats.org/officeDocument/2006/relationships" xmlns:p="http://schemas.openxmlformats.org/presentationml/2006/main">
-  <p:cSld>
-    <p:spTree>
-      <p:nvGrpSpPr>
-        <p:cNvPr id="1" name=""/>
-        <p:cNvGrpSpPr/>
-        <p:nvPr/>
-      </p:nvGrpSpPr>
-      <p:grpSpPr>
-        <a:xfrm>
-          <a:off x="0" y="0"/>
-          <a:ext cx="0" cy="0"/>
-          <a:chOff x="0" y="0"/>
-          <a:chExt cx="0" cy="0"/>
-        </a:xfrm>
-      </p:grpSpPr>
-      <p:sp>
-        <p:nvSpPr>
-          <p:cNvPr id="9" name="Rectangle 8"/>
-          <p:cNvSpPr/>
-          <p:nvPr/>
-        </p:nvSpPr>
-        <p:spPr>
-          <a:xfrm>
-            <a:off x="0" y="1086779"/>
-            <a:ext cx="9144000" cy="5771221"/>
-          </a:xfrm>
-          <a:prstGeom prst="rect">
-            <a:avLst/>
-          </a:prstGeom>
-          <a:solidFill>
-            <a:schemeClr val="bg1"/>
-          </a:solidFill>
-          <a:ln>
-            <a:solidFill>
-              <a:schemeClr val="bg1"/>
-            </a:solidFill>
-          </a:ln>
-          <a:effectLst/>
-        </p:spPr>
-        <p:style>
-          <a:lnRef idx="1">
-            <a:schemeClr val="accent1"/>
-          </a:lnRef>
-          <a:fillRef idx="3">
-            <a:schemeClr val="accent1"/>
-          </a:fillRef>
-          <a:effectRef idx="2">
-            <a:schemeClr val="accent1"/>
-          </a:effectRef>
-          <a:fontRef idx="minor">
-            <a:schemeClr val="lt1"/>
-          </a:fontRef>
-        </p:style>
-        <p:txBody>
-          <a:bodyPr rtlCol="0" anchor="ctr"/>
-          <a:lstStyle/>
-          <a:p>
-            <a:pPr algn="ctr"/>
-            <a:endParaRPr lang="en-US"/>
-          </a:p>
-        </p:txBody>
-      </p:sp>
-      <p:sp>
-        <p:nvSpPr>
-          <p:cNvPr id="3" name="Content Placeholder 2"/>
-          <p:cNvSpPr>
-            <a:spLocks noGrp="1"/>
-          </p:cNvSpPr>
-          <p:nvPr>
-            <p:ph idx="1"/>
-          </p:nvPr>
-        </p:nvSpPr>
-        <p:spPr>
-          <a:xfrm>
-            <a:off x="1849649" y="3223063"/>
-            <a:ext cx="5380066" cy="1429327"/>
-          </a:xfrm>
-        </p:spPr>
-        <p:txBody>
-          <a:bodyPr/>
-          <a:lstStyle/>
-          <a:p>
-            <a:pPr marL="0" indent="0">
-              <a:buNone/>
-            </a:pPr>
-            <a:r>
-              <a:rPr lang="en-US" sz="7200" dirty="0" smtClean="0">
-                <a:solidFill>
-                  <a:schemeClr val="tx2"/>
-                </a:solidFill>
-                <a:latin typeface="Verdana"/>
-                <a:cs typeface="Verdana"/>
-              </a:rPr>
-              <a:t>LIVE DEMO</a:t>
-            </a:r>
-          </a:p>
-        </p:txBody>
-      </p:sp>
-    </p:spTree>
-    <p:extLst>
-      <p:ext uri="{BB962C8B-B14F-4D97-AF65-F5344CB8AC3E}">
-        <p14:creationId xmlns:p14="http://schemas.microsoft.com/office/powerpoint/2010/main" val="2376373426"/>
-      </p:ext>
-    </p:extLst>
-  </p:cSld>
-  <p:clrMapOvr>
-    <a:masterClrMapping/>
-  </p:clrMapOvr>
-  <p:timing>
-    <p:tnLst>
-      <p:par>
-        <p:cTn xmlns:p14="http://schemas.microsoft.com/office/powerpoint/2010/main" id="1" dur="indefinite" restart="never" nodeType="tmRoot"/>
-      </p:par>
-    </p:tnLst>
-  </p:timing>
-</p:sld>
-</file>
-
 <file path=ppt/slides/slide4.xml><?xml version="1.0" encoding="utf-8"?>
 <p:sld xmlns:a="http://schemas.openxmlformats.org/drawingml/2006/main" xmlns:r="http://schemas.openxmlformats.org/officeDocument/2006/relationships" xmlns:p="http://schemas.openxmlformats.org/presentationml/2006/main">
   <p:cSld>
@@ -8277,40 +8594,6 @@
       </p:sp>
       <p:sp>
         <p:nvSpPr>
-          <p:cNvPr id="2" name="Title 1"/>
-          <p:cNvSpPr>
-            <a:spLocks noGrp="1"/>
-          </p:cNvSpPr>
-          <p:nvPr>
-            <p:ph type="title"/>
-          </p:nvPr>
-        </p:nvSpPr>
-        <p:spPr>
-          <a:xfrm>
-            <a:off x="310891" y="167912"/>
-            <a:ext cx="8375909" cy="767329"/>
-          </a:xfrm>
-        </p:spPr>
-        <p:txBody>
-          <a:bodyPr/>
-          <a:lstStyle/>
-          <a:p>
-            <a:r>
-              <a:rPr lang="en-US" sz="3200" dirty="0" smtClean="0">
-                <a:latin typeface="Verdana"/>
-                <a:cs typeface="Verdana"/>
-              </a:rPr>
-              <a:t>Conclusion</a:t>
-            </a:r>
-            <a:endParaRPr lang="en-US" sz="3200" dirty="0">
-              <a:latin typeface="Verdana"/>
-              <a:cs typeface="Verdana"/>
-            </a:endParaRPr>
-          </a:p>
-        </p:txBody>
-      </p:sp>
-      <p:sp>
-        <p:nvSpPr>
           <p:cNvPr id="3" name="Content Placeholder 2"/>
           <p:cNvSpPr>
             <a:spLocks noGrp="1"/>
@@ -8321,151 +8604,28 @@
         </p:nvSpPr>
         <p:spPr>
           <a:xfrm>
-            <a:off x="310891" y="1342569"/>
-            <a:ext cx="7904571" cy="4637810"/>
+            <a:off x="1849649" y="3223063"/>
+            <a:ext cx="5380066" cy="1429327"/>
           </a:xfrm>
         </p:spPr>
         <p:txBody>
           <a:bodyPr/>
           <a:lstStyle/>
           <a:p>
-            <a:r>
-              <a:rPr lang="en-US" sz="2400" b="1" dirty="0" smtClean="0">
+            <a:pPr marL="0" indent="0" algn="ctr">
+              <a:buNone/>
+            </a:pPr>
+            <a:r>
+              <a:rPr lang="en-US" sz="7200" dirty="0" smtClean="0">
                 <a:solidFill>
                   <a:schemeClr val="tx2"/>
                 </a:solidFill>
                 <a:latin typeface="Verdana"/>
                 <a:cs typeface="Verdana"/>
               </a:rPr>
-              <a:t>Novelty </a:t>
-            </a:r>
-            <a:r>
-              <a:rPr lang="en-US" sz="2400" dirty="0" smtClean="0">
-                <a:solidFill>
-                  <a:schemeClr val="tx2"/>
-                </a:solidFill>
-                <a:latin typeface="Verdana"/>
-                <a:cs typeface="Verdana"/>
-              </a:rPr>
-              <a:t>– orchestration is on the </a:t>
-            </a:r>
-            <a:r>
-              <a:rPr lang="en-US" sz="2400" dirty="0" err="1" smtClean="0">
-                <a:solidFill>
-                  <a:schemeClr val="tx2"/>
-                </a:solidFill>
-                <a:latin typeface="Verdana"/>
-                <a:cs typeface="Verdana"/>
-              </a:rPr>
-              <a:t>Docker</a:t>
-            </a:r>
-            <a:r>
-              <a:rPr lang="en-US" sz="2400" dirty="0" smtClean="0">
-                <a:solidFill>
-                  <a:schemeClr val="tx2"/>
-                </a:solidFill>
-                <a:latin typeface="Verdana"/>
-                <a:cs typeface="Verdana"/>
-              </a:rPr>
-              <a:t> roadmap</a:t>
-            </a:r>
-          </a:p>
-          <a:p>
-            <a:r>
-              <a:rPr lang="en-US" sz="2400" b="1" dirty="0" smtClean="0">
-                <a:solidFill>
-                  <a:schemeClr val="tx2"/>
-                </a:solidFill>
-                <a:latin typeface="Verdana"/>
-                <a:cs typeface="Verdana"/>
-              </a:rPr>
-              <a:t>Fit </a:t>
-            </a:r>
-            <a:r>
-              <a:rPr lang="en-US" sz="2400" dirty="0" smtClean="0">
-                <a:solidFill>
-                  <a:schemeClr val="tx2"/>
-                </a:solidFill>
-                <a:latin typeface="Verdana"/>
-                <a:cs typeface="Verdana"/>
-              </a:rPr>
-              <a:t>– consistent deploy throughout the SDLC means riskless deploy to production</a:t>
-            </a:r>
-          </a:p>
-          <a:p>
-            <a:r>
-              <a:rPr lang="en-US" sz="2400" b="1" dirty="0" smtClean="0">
-                <a:solidFill>
-                  <a:schemeClr val="tx2"/>
-                </a:solidFill>
-                <a:latin typeface="Verdana"/>
-                <a:cs typeface="Verdana"/>
-              </a:rPr>
-              <a:t>Efficiency </a:t>
-            </a:r>
-            <a:r>
-              <a:rPr lang="en-US" sz="2400" dirty="0" smtClean="0">
-                <a:solidFill>
-                  <a:schemeClr val="tx2"/>
-                </a:solidFill>
-                <a:latin typeface="Verdana"/>
-                <a:cs typeface="Verdana"/>
-              </a:rPr>
-              <a:t>– </a:t>
-            </a:r>
-            <a:r>
-              <a:rPr lang="en-US" sz="2400" dirty="0" err="1" smtClean="0">
-                <a:solidFill>
-                  <a:schemeClr val="tx2"/>
-                </a:solidFill>
-                <a:latin typeface="Verdana"/>
-                <a:cs typeface="Verdana"/>
-              </a:rPr>
-              <a:t>Docker</a:t>
-            </a:r>
-            <a:r>
-              <a:rPr lang="en-US" sz="2400" dirty="0" smtClean="0">
-                <a:solidFill>
-                  <a:schemeClr val="tx2"/>
-                </a:solidFill>
-                <a:latin typeface="Verdana"/>
-                <a:cs typeface="Verdana"/>
-              </a:rPr>
-              <a:t> is an order of magnitude faster than traditional VM deployments</a:t>
-            </a:r>
-          </a:p>
-          <a:p>
-            <a:r>
-              <a:rPr lang="en-US" sz="2400" b="1" dirty="0" smtClean="0">
-                <a:solidFill>
-                  <a:schemeClr val="tx2"/>
-                </a:solidFill>
-                <a:latin typeface="Verdana"/>
-                <a:cs typeface="Verdana"/>
-              </a:rPr>
-              <a:t>Integration </a:t>
-            </a:r>
-            <a:r>
-              <a:rPr lang="en-US" sz="2400" dirty="0" smtClean="0">
-                <a:solidFill>
-                  <a:schemeClr val="tx2"/>
-                </a:solidFill>
-                <a:latin typeface="Verdana"/>
-                <a:cs typeface="Verdana"/>
-              </a:rPr>
-              <a:t>– this is the primary focus of the </a:t>
-            </a:r>
-            <a:r>
-              <a:rPr lang="en-US" sz="2400" dirty="0" err="1" smtClean="0">
-                <a:solidFill>
-                  <a:schemeClr val="tx2"/>
-                </a:solidFill>
-                <a:latin typeface="Verdana"/>
-                <a:cs typeface="Verdana"/>
-              </a:rPr>
-              <a:t>hackathon</a:t>
-            </a:r>
-            <a:endParaRPr lang="en-US" sz="2400" dirty="0" smtClean="0">
+              <a:t>DEMO</a:t>
+            </a:r>
+            <a:endParaRPr lang="en-US" sz="7200" dirty="0" smtClean="0">
               <a:solidFill>
                 <a:schemeClr val="tx2"/>
               </a:solidFill>
@@ -8473,110 +8633,12 @@
               <a:cs typeface="Verdana"/>
             </a:endParaRPr>
           </a:p>
-          <a:p>
-            <a:r>
-              <a:rPr lang="en-US" sz="2400" b="1" dirty="0">
-                <a:solidFill>
-                  <a:schemeClr val="tx2"/>
-                </a:solidFill>
-                <a:latin typeface="Verdana"/>
-                <a:cs typeface="Verdana"/>
-              </a:rPr>
-              <a:t>Transparency</a:t>
-            </a:r>
-            <a:r>
-              <a:rPr lang="en-US" sz="2400" dirty="0">
-                <a:solidFill>
-                  <a:schemeClr val="tx2"/>
-                </a:solidFill>
-                <a:latin typeface="Verdana"/>
-                <a:cs typeface="Verdana"/>
-              </a:rPr>
-              <a:t> </a:t>
-            </a:r>
-            <a:r>
-              <a:rPr lang="en-US" sz="2400" dirty="0" smtClean="0">
-                <a:solidFill>
-                  <a:schemeClr val="tx2"/>
-                </a:solidFill>
-                <a:latin typeface="Verdana"/>
-                <a:cs typeface="Verdana"/>
-              </a:rPr>
-              <a:t>– </a:t>
-            </a:r>
-            <a:r>
-              <a:rPr lang="en-US" sz="2400" dirty="0" err="1" smtClean="0">
-                <a:solidFill>
-                  <a:schemeClr val="tx2"/>
-                </a:solidFill>
-                <a:latin typeface="Verdana"/>
-                <a:cs typeface="Verdana"/>
-              </a:rPr>
-              <a:t>github.com</a:t>
-            </a:r>
-            <a:r>
-              <a:rPr lang="en-US" sz="2400" dirty="0">
-                <a:solidFill>
-                  <a:schemeClr val="tx2"/>
-                </a:solidFill>
-                <a:latin typeface="Verdana"/>
-                <a:cs typeface="Verdana"/>
-              </a:rPr>
-              <a:t>/</a:t>
-            </a:r>
-            <a:r>
-              <a:rPr lang="en-US" sz="2400" dirty="0" err="1">
-                <a:solidFill>
-                  <a:schemeClr val="tx2"/>
-                </a:solidFill>
-                <a:latin typeface="Verdana"/>
-                <a:cs typeface="Verdana"/>
-              </a:rPr>
-              <a:t>electriccommunity</a:t>
-            </a:r>
-            <a:r>
-              <a:rPr lang="en-US" sz="2400" dirty="0">
-                <a:solidFill>
-                  <a:schemeClr val="tx2"/>
-                </a:solidFill>
-                <a:latin typeface="Verdana"/>
-                <a:cs typeface="Verdana"/>
-              </a:rPr>
-              <a:t>/</a:t>
-            </a:r>
-            <a:r>
-              <a:rPr lang="en-US" sz="2400" dirty="0" err="1" smtClean="0">
-                <a:solidFill>
-                  <a:schemeClr val="tx2"/>
-                </a:solidFill>
-                <a:latin typeface="Verdana"/>
-                <a:cs typeface="Verdana"/>
-              </a:rPr>
-              <a:t>dockercon</a:t>
-            </a:r>
-            <a:endParaRPr lang="en-US" sz="2400" dirty="0" smtClean="0">
-              <a:solidFill>
-                <a:schemeClr val="tx2"/>
-              </a:solidFill>
-              <a:latin typeface="Verdana"/>
-              <a:cs typeface="Verdana"/>
-            </a:endParaRPr>
-          </a:p>
-          <a:p>
-            <a:endParaRPr lang="en-US" sz="2400" dirty="0" smtClean="0">
-              <a:solidFill>
-                <a:schemeClr val="tx2"/>
-              </a:solidFill>
-              <a:latin typeface="Verdana"/>
-              <a:cs typeface="Verdana"/>
-            </a:endParaRPr>
-          </a:p>
         </p:txBody>
       </p:sp>
     </p:spTree>
     <p:extLst>
       <p:ext uri="{BB962C8B-B14F-4D97-AF65-F5344CB8AC3E}">
-        <p14:creationId xmlns:p14="http://schemas.microsoft.com/office/powerpoint/2010/main" val="1443910395"/>
+        <p14:creationId xmlns:p14="http://schemas.microsoft.com/office/powerpoint/2010/main" val="2376373426"/>
       </p:ext>
     </p:extLst>
   </p:cSld>
@@ -8682,7 +8744,7 @@
                 <a:latin typeface="Verdana"/>
                 <a:cs typeface="Verdana"/>
               </a:rPr>
-              <a:t>Technologies used</a:t>
+              <a:t>Conclusion</a:t>
             </a:r>
             <a:endParaRPr lang="en-US" sz="3200" dirty="0">
               <a:latin typeface="Verdana"/>
@@ -8719,29 +8781,75 @@
                 <a:latin typeface="Verdana"/>
                 <a:cs typeface="Verdana"/>
               </a:rPr>
-              <a:t>Source </a:t>
-            </a:r>
-            <a:r>
-              <a:rPr lang="en-US" sz="2400" dirty="0">
+              <a:t>Consistent </a:t>
+            </a:r>
+            <a:r>
+              <a:rPr lang="en-US" sz="2400" dirty="0" smtClean="0">
                 <a:solidFill>
                   <a:schemeClr val="tx2"/>
                 </a:solidFill>
                 <a:latin typeface="Verdana"/>
                 <a:cs typeface="Verdana"/>
               </a:rPr>
-              <a:t>control: </a:t>
-            </a:r>
-            <a:r>
-              <a:rPr lang="en-US" sz="2400" dirty="0" err="1" smtClean="0">
+              <a:t>deploy throughout the SDLC means riskless deploy to production</a:t>
+            </a:r>
+          </a:p>
+          <a:p>
+            <a:r>
+              <a:rPr lang="en-US" sz="2400" dirty="0" smtClean="0">
                 <a:solidFill>
                   <a:schemeClr val="tx2"/>
                 </a:solidFill>
                 <a:latin typeface="Verdana"/>
                 <a:cs typeface="Verdana"/>
               </a:rPr>
-              <a:t>GitHub</a:t>
-            </a:r>
-            <a:endParaRPr lang="en-US" sz="2400" dirty="0">
+              <a:t>Docker </a:t>
+            </a:r>
+            <a:r>
+              <a:rPr lang="en-US" sz="2400" dirty="0" smtClean="0">
+                <a:solidFill>
+                  <a:schemeClr val="tx2"/>
+                </a:solidFill>
+                <a:latin typeface="Verdana"/>
+                <a:cs typeface="Verdana"/>
+              </a:rPr>
+              <a:t>is an order of magnitude faster than traditional VM deployments</a:t>
+            </a:r>
+          </a:p>
+          <a:p>
+            <a:r>
+              <a:rPr lang="en-US" sz="2400" dirty="0" smtClean="0">
+                <a:solidFill>
+                  <a:schemeClr val="tx2"/>
+                </a:solidFill>
+                <a:latin typeface="Verdana"/>
+                <a:cs typeface="Verdana"/>
+              </a:rPr>
+              <a:t>github.com</a:t>
+            </a:r>
+            <a:r>
+              <a:rPr lang="en-US" sz="2400" dirty="0">
+                <a:solidFill>
+                  <a:schemeClr val="tx2"/>
+                </a:solidFill>
+                <a:latin typeface="Verdana"/>
+                <a:cs typeface="Verdana"/>
+              </a:rPr>
+              <a:t>/electriccommunity/</a:t>
+            </a:r>
+            <a:r>
+              <a:rPr lang="en-US" sz="2400" dirty="0" smtClean="0">
+                <a:solidFill>
+                  <a:schemeClr val="tx2"/>
+                </a:solidFill>
+                <a:latin typeface="Verdana"/>
+                <a:cs typeface="Verdana"/>
+              </a:rPr>
+              <a:t>dockercon</a:t>
+            </a:r>
+          </a:p>
+          <a:p>
+            <a:endParaRPr lang="en-US" sz="2400" dirty="0" smtClean="0">
               <a:solidFill>
                 <a:schemeClr val="tx2"/>
               </a:solidFill>
@@ -8749,335 +8857,18 @@
               <a:cs typeface="Verdana"/>
             </a:endParaRPr>
           </a:p>
-          <a:p>
-            <a:r>
-              <a:rPr lang="en-US" sz="2400" dirty="0" smtClean="0">
-                <a:solidFill>
-                  <a:schemeClr val="tx2"/>
-                </a:solidFill>
-                <a:latin typeface="Verdana"/>
-                <a:cs typeface="Verdana"/>
-              </a:rPr>
-              <a:t>Build</a:t>
-            </a:r>
-            <a:r>
-              <a:rPr lang="en-US" sz="2400" dirty="0">
-                <a:solidFill>
-                  <a:schemeClr val="tx2"/>
-                </a:solidFill>
-                <a:latin typeface="Verdana"/>
-                <a:cs typeface="Verdana"/>
-              </a:rPr>
-              <a:t>: </a:t>
-            </a:r>
-            <a:r>
-              <a:rPr lang="en-US" sz="2400" dirty="0" smtClean="0">
-                <a:solidFill>
-                  <a:schemeClr val="tx2"/>
-                </a:solidFill>
-                <a:latin typeface="Verdana"/>
-                <a:cs typeface="Verdana"/>
-              </a:rPr>
-              <a:t>Jenkins</a:t>
-            </a:r>
-            <a:endParaRPr lang="en-US" sz="2400" dirty="0">
-              <a:solidFill>
-                <a:schemeClr val="tx2"/>
-              </a:solidFill>
-              <a:latin typeface="Verdana"/>
-              <a:cs typeface="Verdana"/>
-            </a:endParaRPr>
-          </a:p>
-          <a:p>
-            <a:r>
-              <a:rPr lang="en-US" sz="2400" dirty="0" smtClean="0">
-                <a:solidFill>
-                  <a:schemeClr val="tx2"/>
-                </a:solidFill>
-                <a:latin typeface="Verdana"/>
-                <a:cs typeface="Verdana"/>
-              </a:rPr>
-              <a:t>Containers</a:t>
-            </a:r>
-            <a:r>
-              <a:rPr lang="en-US" sz="2400" dirty="0">
-                <a:solidFill>
-                  <a:schemeClr val="tx2"/>
-                </a:solidFill>
-                <a:latin typeface="Verdana"/>
-                <a:cs typeface="Verdana"/>
-              </a:rPr>
-              <a:t>: </a:t>
-            </a:r>
-            <a:r>
-              <a:rPr lang="en-US" sz="2400" dirty="0" err="1" smtClean="0">
-                <a:solidFill>
-                  <a:schemeClr val="tx2"/>
-                </a:solidFill>
-                <a:latin typeface="Verdana"/>
-                <a:cs typeface="Verdana"/>
-              </a:rPr>
-              <a:t>Docker</a:t>
-            </a:r>
-            <a:endParaRPr lang="en-US" sz="2400" dirty="0">
-              <a:solidFill>
-                <a:schemeClr val="tx2"/>
-              </a:solidFill>
-              <a:latin typeface="Verdana"/>
-              <a:cs typeface="Verdana"/>
-            </a:endParaRPr>
-          </a:p>
-          <a:p>
-            <a:r>
-              <a:rPr lang="en-US" sz="2400" dirty="0" smtClean="0">
-                <a:solidFill>
-                  <a:schemeClr val="tx2"/>
-                </a:solidFill>
-                <a:latin typeface="Verdana"/>
-                <a:cs typeface="Verdana"/>
-              </a:rPr>
-              <a:t>Code </a:t>
-            </a:r>
-            <a:r>
-              <a:rPr lang="en-US" sz="2400" dirty="0">
-                <a:solidFill>
-                  <a:schemeClr val="tx2"/>
-                </a:solidFill>
-                <a:latin typeface="Verdana"/>
-                <a:cs typeface="Verdana"/>
-              </a:rPr>
-              <a:t>review: </a:t>
-            </a:r>
-            <a:r>
-              <a:rPr lang="en-US" sz="2400" dirty="0" smtClean="0">
-                <a:solidFill>
-                  <a:schemeClr val="tx2"/>
-                </a:solidFill>
-                <a:latin typeface="Verdana"/>
-                <a:cs typeface="Verdana"/>
-              </a:rPr>
-              <a:t>ReviewBoard</a:t>
-            </a:r>
-            <a:endParaRPr lang="en-US" sz="2400" dirty="0">
-              <a:solidFill>
-                <a:schemeClr val="tx2"/>
-              </a:solidFill>
-              <a:latin typeface="Verdana"/>
-              <a:cs typeface="Verdana"/>
-            </a:endParaRPr>
-          </a:p>
-          <a:p>
-            <a:r>
-              <a:rPr lang="en-US" sz="2400" dirty="0" smtClean="0">
-                <a:solidFill>
-                  <a:schemeClr val="tx2"/>
-                </a:solidFill>
-                <a:latin typeface="Verdana"/>
-                <a:cs typeface="Verdana"/>
-              </a:rPr>
-              <a:t>Application </a:t>
-            </a:r>
-            <a:r>
-              <a:rPr lang="en-US" sz="2400" dirty="0">
-                <a:solidFill>
-                  <a:schemeClr val="tx2"/>
-                </a:solidFill>
-                <a:latin typeface="Verdana"/>
-                <a:cs typeface="Verdana"/>
-              </a:rPr>
-              <a:t>server: </a:t>
-            </a:r>
-            <a:r>
-              <a:rPr lang="en-US" sz="2400" dirty="0" smtClean="0">
-                <a:solidFill>
-                  <a:schemeClr val="tx2"/>
-                </a:solidFill>
-                <a:latin typeface="Verdana"/>
-                <a:cs typeface="Verdana"/>
-              </a:rPr>
-              <a:t>Jetty</a:t>
-            </a:r>
-            <a:endParaRPr lang="en-US" sz="2400" dirty="0">
-              <a:solidFill>
-                <a:schemeClr val="tx2"/>
-              </a:solidFill>
-              <a:latin typeface="Verdana"/>
-              <a:cs typeface="Verdana"/>
-            </a:endParaRPr>
-          </a:p>
-          <a:p>
-            <a:r>
-              <a:rPr lang="en-US" sz="2400" dirty="0" smtClean="0">
-                <a:solidFill>
-                  <a:schemeClr val="tx2"/>
-                </a:solidFill>
-                <a:latin typeface="Verdana"/>
-                <a:cs typeface="Verdana"/>
-              </a:rPr>
-              <a:t>High </a:t>
-            </a:r>
-            <a:r>
-              <a:rPr lang="en-US" sz="2400" dirty="0">
-                <a:solidFill>
-                  <a:schemeClr val="tx2"/>
-                </a:solidFill>
-                <a:latin typeface="Verdana"/>
-                <a:cs typeface="Verdana"/>
-              </a:rPr>
-              <a:t>availability: </a:t>
-            </a:r>
-            <a:r>
-              <a:rPr lang="en-US" sz="2400" dirty="0" err="1" smtClean="0">
-                <a:solidFill>
-                  <a:schemeClr val="tx2"/>
-                </a:solidFill>
-                <a:latin typeface="Verdana"/>
-                <a:cs typeface="Verdana"/>
-              </a:rPr>
-              <a:t>Nginx</a:t>
-            </a:r>
-            <a:r>
-              <a:rPr lang="en-US" sz="2400" dirty="0">
-                <a:solidFill>
-                  <a:schemeClr val="tx2"/>
-                </a:solidFill>
-                <a:latin typeface="Verdana"/>
-                <a:cs typeface="Verdana"/>
-              </a:rPr>
-              <a:t>, </a:t>
-            </a:r>
-            <a:r>
-              <a:rPr lang="en-US" sz="2400" dirty="0" err="1" smtClean="0">
-                <a:solidFill>
-                  <a:schemeClr val="tx2"/>
-                </a:solidFill>
-                <a:latin typeface="Verdana"/>
-                <a:cs typeface="Verdana"/>
-              </a:rPr>
-              <a:t>Etcd</a:t>
-            </a:r>
-            <a:r>
-              <a:rPr lang="en-US" sz="2400" dirty="0">
-                <a:solidFill>
-                  <a:schemeClr val="tx2"/>
-                </a:solidFill>
-                <a:latin typeface="Verdana"/>
-                <a:cs typeface="Verdana"/>
-              </a:rPr>
-              <a:t>, </a:t>
-            </a:r>
-            <a:r>
-              <a:rPr lang="en-US" sz="2400" dirty="0" err="1" smtClean="0">
-                <a:solidFill>
-                  <a:schemeClr val="tx2"/>
-                </a:solidFill>
-                <a:latin typeface="Verdana"/>
-                <a:cs typeface="Verdana"/>
-              </a:rPr>
-              <a:t>Etcdctl</a:t>
-            </a:r>
-            <a:r>
-              <a:rPr lang="en-US" sz="2400" dirty="0">
-                <a:solidFill>
-                  <a:schemeClr val="tx2"/>
-                </a:solidFill>
-                <a:latin typeface="Verdana"/>
-                <a:cs typeface="Verdana"/>
-              </a:rPr>
-              <a:t>, </a:t>
-            </a:r>
-            <a:r>
-              <a:rPr lang="en-US" sz="2400" dirty="0" err="1" smtClean="0">
-                <a:solidFill>
-                  <a:schemeClr val="tx2"/>
-                </a:solidFill>
-                <a:latin typeface="Verdana"/>
-                <a:cs typeface="Verdana"/>
-              </a:rPr>
-              <a:t>Confd</a:t>
-            </a:r>
-            <a:endParaRPr lang="en-US" sz="2400" dirty="0">
-              <a:solidFill>
-                <a:schemeClr val="tx2"/>
-              </a:solidFill>
-              <a:latin typeface="Verdana"/>
-              <a:cs typeface="Verdana"/>
-            </a:endParaRPr>
-          </a:p>
-          <a:p>
-            <a:r>
-              <a:rPr lang="en-US" sz="2400" dirty="0" smtClean="0">
-                <a:solidFill>
-                  <a:schemeClr val="tx2"/>
-                </a:solidFill>
-                <a:latin typeface="Verdana"/>
-                <a:cs typeface="Verdana"/>
-              </a:rPr>
-              <a:t>Artifact </a:t>
-            </a:r>
-            <a:r>
-              <a:rPr lang="en-US" sz="2400" dirty="0">
-                <a:solidFill>
-                  <a:schemeClr val="tx2"/>
-                </a:solidFill>
-                <a:latin typeface="Verdana"/>
-                <a:cs typeface="Verdana"/>
-              </a:rPr>
-              <a:t>repository: ElectricCommander</a:t>
-            </a:r>
-          </a:p>
-          <a:p>
-            <a:r>
-              <a:rPr lang="en-US" sz="2400" dirty="0" smtClean="0">
-                <a:solidFill>
-                  <a:schemeClr val="tx2"/>
-                </a:solidFill>
-                <a:latin typeface="Verdana"/>
-                <a:cs typeface="Verdana"/>
-              </a:rPr>
-              <a:t>Orchestration</a:t>
-            </a:r>
-            <a:r>
-              <a:rPr lang="en-US" sz="2400" dirty="0">
-                <a:solidFill>
-                  <a:schemeClr val="tx2"/>
-                </a:solidFill>
-                <a:latin typeface="Verdana"/>
-                <a:cs typeface="Verdana"/>
-              </a:rPr>
-              <a:t>: </a:t>
-            </a:r>
-            <a:r>
-              <a:rPr lang="en-US" sz="2400" dirty="0" smtClean="0">
-                <a:solidFill>
-                  <a:schemeClr val="tx2"/>
-                </a:solidFill>
-                <a:latin typeface="Verdana"/>
-                <a:cs typeface="Verdana"/>
-              </a:rPr>
-              <a:t>ElectricCommander</a:t>
-            </a:r>
-          </a:p>
         </p:txBody>
       </p:sp>
     </p:spTree>
     <p:extLst>
       <p:ext uri="{BB962C8B-B14F-4D97-AF65-F5344CB8AC3E}">
-        <p14:creationId xmlns:p14="http://schemas.microsoft.com/office/powerpoint/2010/main" val="2697353015"/>
+        <p14:creationId xmlns:p14="http://schemas.microsoft.com/office/powerpoint/2010/main" val="1443910395"/>
       </p:ext>
     </p:extLst>
   </p:cSld>
   <p:clrMapOvr>
     <a:masterClrMapping/>
   </p:clrMapOvr>
-  <mc:AlternateContent xmlns:mc="http://schemas.openxmlformats.org/markup-compatibility/2006">
-    <mc:Choice xmlns:p14="http://schemas.microsoft.com/office/powerpoint/2010/main" Requires="p14">
-      <p:transition spd="slow" p14:dur="2000"/>
-    </mc:Choice>
-    <mc:Fallback>
-      <p:transition xmlns:p14="http://schemas.microsoft.com/office/powerpoint/2010/main" spd="slow"/>
-    </mc:Fallback>
-  </mc:AlternateContent>
   <p:timing>
     <p:tnLst>
       <p:par>

--- a/presentation.pptx
+++ b/presentation.pptx
@@ -17,8 +17,8 @@
   </p:handoutMasterIdLst>
   <p:sldIdLst>
     <p:sldId id="256" r:id="rId7"/>
-    <p:sldId id="324" r:id="rId8"/>
-    <p:sldId id="315" r:id="rId9"/>
+    <p:sldId id="328" r:id="rId8"/>
+    <p:sldId id="327" r:id="rId9"/>
     <p:sldId id="325" r:id="rId10"/>
     <p:sldId id="326" r:id="rId11"/>
   </p:sldIdLst>
@@ -226,7 +226,7 @@
             <a:fld id="{1B3A96B1-43FA-FE4C-8AA0-8A469A2EAE1D}" type="datetimeFigureOut">
               <a:rPr lang="en-US" smtClean="0"/>
               <a:pPr/>
-              <a:t>6/8/14</a:t>
+              <a:t>6/10/14</a:t>
             </a:fld>
             <a:endParaRPr lang="en-US"/>
           </a:p>
@@ -394,7 +394,7 @@
             <a:fld id="{4954AEC7-4A7B-4741-ABA6-7CE3B9F21640}" type="datetimeFigureOut">
               <a:rPr lang="en-US" smtClean="0"/>
               <a:pPr/>
-              <a:t>6/8/14</a:t>
+              <a:t>6/10/14</a:t>
             </a:fld>
             <a:endParaRPr lang="en-US"/>
           </a:p>
@@ -7092,365 +7092,1574 @@
           </a:p>
         </p:txBody>
       </p:sp>
-      <p:sp>
-        <p:nvSpPr>
-          <p:cNvPr id="3" name="Content Placeholder 2"/>
-          <p:cNvSpPr>
-            <a:spLocks noGrp="1"/>
-          </p:cNvSpPr>
-          <p:nvPr>
-            <p:ph idx="1"/>
-          </p:nvPr>
-        </p:nvSpPr>
-        <p:spPr>
+      <p:grpSp>
+        <p:nvGrpSpPr>
+          <p:cNvPr id="29" name="Group 28"/>
+          <p:cNvGrpSpPr/>
+          <p:nvPr/>
+        </p:nvGrpSpPr>
+        <p:grpSpPr>
           <a:xfrm>
-            <a:off x="310891" y="1342569"/>
-            <a:ext cx="7904571" cy="4637810"/>
+            <a:off x="96966" y="1153969"/>
+            <a:ext cx="3108568" cy="1587430"/>
+            <a:chOff x="506290" y="1440897"/>
+            <a:chExt cx="3108568" cy="1587430"/>
           </a:xfrm>
-        </p:spPr>
-        <p:txBody>
-          <a:bodyPr/>
-          <a:lstStyle/>
-          <a:p>
-            <a:r>
-              <a:rPr lang="en-US" sz="2400" dirty="0" smtClean="0">
-                <a:solidFill>
-                  <a:schemeClr val="tx2"/>
-                </a:solidFill>
-                <a:latin typeface="Verdana"/>
-                <a:cs typeface="Verdana"/>
-              </a:rPr>
-              <a:t>Source </a:t>
-            </a:r>
-            <a:r>
-              <a:rPr lang="en-US" sz="2400" dirty="0">
-                <a:solidFill>
-                  <a:schemeClr val="tx2"/>
-                </a:solidFill>
-                <a:latin typeface="Verdana"/>
-                <a:cs typeface="Verdana"/>
-              </a:rPr>
-              <a:t>control: </a:t>
-            </a:r>
-            <a:r>
-              <a:rPr lang="en-US" sz="2400" dirty="0" err="1" smtClean="0">
-                <a:solidFill>
-                  <a:schemeClr val="tx2"/>
-                </a:solidFill>
-                <a:latin typeface="Verdana"/>
-                <a:cs typeface="Verdana"/>
-              </a:rPr>
-              <a:t>GitHub</a:t>
-            </a:r>
-            <a:endParaRPr lang="en-US" sz="2400" dirty="0">
+        </p:grpSpPr>
+        <p:pic>
+          <p:nvPicPr>
+            <p:cNvPr id="6" name="Picture 5"/>
+            <p:cNvPicPr>
+              <a:picLocks noChangeAspect="1"/>
+            </p:cNvPicPr>
+            <p:nvPr/>
+          </p:nvPicPr>
+          <p:blipFill>
+            <a:blip r:embed="rId2"/>
+            <a:stretch>
+              <a:fillRect/>
+            </a:stretch>
+          </p:blipFill>
+          <p:spPr>
+            <a:xfrm>
+              <a:off x="506290" y="1440897"/>
+              <a:ext cx="3108568" cy="1587430"/>
+            </a:xfrm>
+            <a:prstGeom prst="rect">
+              <a:avLst/>
+            </a:prstGeom>
+          </p:spPr>
+        </p:pic>
+        <p:pic>
+          <p:nvPicPr>
+            <p:cNvPr id="8" name="Picture 7" descr="Screen Shot 2014-06-08 at 3.38.05 PM.png"/>
+            <p:cNvPicPr>
+              <a:picLocks noChangeAspect="1"/>
+            </p:cNvPicPr>
+            <p:nvPr/>
+          </p:nvPicPr>
+          <p:blipFill>
+            <a:blip r:embed="rId3">
+              <a:extLst>
+                <a:ext uri="{28A0092B-C50C-407E-A947-70E740481C1C}">
+                  <a14:useLocalDpi xmlns:a14="http://schemas.microsoft.com/office/drawing/2010/main" val="0"/>
+                </a:ext>
+              </a:extLst>
+            </a:blip>
+            <a:stretch>
+              <a:fillRect/>
+            </a:stretch>
+          </p:blipFill>
+          <p:spPr>
+            <a:xfrm>
+              <a:off x="1208970" y="1869205"/>
+              <a:ext cx="1697569" cy="656276"/>
+            </a:xfrm>
+            <a:prstGeom prst="rect">
+              <a:avLst/>
+            </a:prstGeom>
+          </p:spPr>
+        </p:pic>
+      </p:grpSp>
+      <p:grpSp>
+        <p:nvGrpSpPr>
+          <p:cNvPr id="28" name="Group 27"/>
+          <p:cNvGrpSpPr/>
+          <p:nvPr/>
+        </p:nvGrpSpPr>
+        <p:grpSpPr>
+          <a:xfrm>
+            <a:off x="5929633" y="1153969"/>
+            <a:ext cx="3108568" cy="1587430"/>
+            <a:chOff x="4395670" y="1440897"/>
+            <a:chExt cx="3108568" cy="1587430"/>
+          </a:xfrm>
+        </p:grpSpPr>
+        <p:pic>
+          <p:nvPicPr>
+            <p:cNvPr id="10" name="Picture 9"/>
+            <p:cNvPicPr>
+              <a:picLocks noChangeAspect="1"/>
+            </p:cNvPicPr>
+            <p:nvPr/>
+          </p:nvPicPr>
+          <p:blipFill>
+            <a:blip r:embed="rId2"/>
+            <a:stretch>
+              <a:fillRect/>
+            </a:stretch>
+          </p:blipFill>
+          <p:spPr>
+            <a:xfrm>
+              <a:off x="4395670" y="1440897"/>
+              <a:ext cx="3108568" cy="1587430"/>
+            </a:xfrm>
+            <a:prstGeom prst="rect">
+              <a:avLst/>
+            </a:prstGeom>
+          </p:spPr>
+        </p:pic>
+        <p:sp>
+          <p:nvSpPr>
+            <p:cNvPr id="13" name="TextBox 12"/>
+            <p:cNvSpPr txBox="1"/>
+            <p:nvPr/>
+          </p:nvSpPr>
+          <p:spPr>
+            <a:xfrm>
+              <a:off x="4884907" y="2045372"/>
+              <a:ext cx="1599857" cy="400110"/>
+            </a:xfrm>
+            <a:prstGeom prst="rect">
+              <a:avLst/>
+            </a:prstGeom>
+            <a:noFill/>
+          </p:spPr>
+          <p:txBody>
+            <a:bodyPr wrap="square" rtlCol="0">
+              <a:spAutoFit/>
+            </a:bodyPr>
+            <a:lstStyle/>
+            <a:p>
+              <a:r>
+                <a:rPr lang="en-US" sz="2000" b="1" dirty="0" smtClean="0">
+                  <a:latin typeface="Calibri"/>
+                  <a:cs typeface="Calibri"/>
+                </a:rPr>
+                <a:t>ReviewBoard</a:t>
+              </a:r>
+              <a:endParaRPr lang="en-US" sz="2000" b="1" dirty="0">
+                <a:latin typeface="Calibri"/>
+                <a:cs typeface="Calibri"/>
+              </a:endParaRPr>
+            </a:p>
+          </p:txBody>
+        </p:sp>
+        <p:pic>
+          <p:nvPicPr>
+            <p:cNvPr id="14" name="Picture 13"/>
+            <p:cNvPicPr>
+              <a:picLocks noChangeAspect="1"/>
+            </p:cNvPicPr>
+            <p:nvPr/>
+          </p:nvPicPr>
+          <p:blipFill>
+            <a:blip r:embed="rId4"/>
+            <a:stretch>
+              <a:fillRect/>
+            </a:stretch>
+          </p:blipFill>
+          <p:spPr>
+            <a:xfrm>
+              <a:off x="6405325" y="1966893"/>
+              <a:ext cx="569921" cy="569921"/>
+            </a:xfrm>
+            <a:prstGeom prst="rect">
+              <a:avLst/>
+            </a:prstGeom>
+          </p:spPr>
+        </p:pic>
+      </p:grpSp>
+      <p:grpSp>
+        <p:nvGrpSpPr>
+          <p:cNvPr id="21" name="Group 20"/>
+          <p:cNvGrpSpPr/>
+          <p:nvPr/>
+        </p:nvGrpSpPr>
+        <p:grpSpPr>
+          <a:xfrm>
+            <a:off x="96966" y="4622222"/>
+            <a:ext cx="2699665" cy="2154880"/>
+            <a:chOff x="3614858" y="3217958"/>
+            <a:chExt cx="2699665" cy="2154880"/>
+          </a:xfrm>
+        </p:grpSpPr>
+        <p:sp>
+          <p:nvSpPr>
+            <p:cNvPr id="17" name="Rectangle 16"/>
+            <p:cNvSpPr/>
+            <p:nvPr/>
+          </p:nvSpPr>
+          <p:spPr>
+            <a:xfrm>
+              <a:off x="3614858" y="3217958"/>
+              <a:ext cx="2699665" cy="2154880"/>
+            </a:xfrm>
+            <a:prstGeom prst="rect">
+              <a:avLst/>
+            </a:prstGeom>
+            <a:solidFill>
+              <a:schemeClr val="bg1">
+                <a:alpha val="0"/>
+              </a:schemeClr>
+            </a:solidFill>
+            <a:ln w="57150" cmpd="sng">
               <a:solidFill>
-                <a:schemeClr val="tx2"/>
+                <a:schemeClr val="tx1"/>
               </a:solidFill>
-              <a:latin typeface="Verdana"/>
-              <a:cs typeface="Verdana"/>
-            </a:endParaRPr>
-          </a:p>
-          <a:p>
-            <a:r>
-              <a:rPr lang="en-US" sz="2400" dirty="0" smtClean="0">
-                <a:solidFill>
-                  <a:schemeClr val="tx2"/>
-                </a:solidFill>
-                <a:latin typeface="Verdana"/>
-                <a:cs typeface="Verdana"/>
-              </a:rPr>
-              <a:t>Build</a:t>
-            </a:r>
-            <a:r>
-              <a:rPr lang="en-US" sz="2400" dirty="0">
-                <a:solidFill>
-                  <a:schemeClr val="tx2"/>
-                </a:solidFill>
-                <a:latin typeface="Verdana"/>
-                <a:cs typeface="Verdana"/>
-              </a:rPr>
-              <a:t>: </a:t>
-            </a:r>
-            <a:r>
-              <a:rPr lang="en-US" sz="2400" dirty="0" smtClean="0">
-                <a:solidFill>
-                  <a:schemeClr val="tx2"/>
-                </a:solidFill>
-                <a:latin typeface="Verdana"/>
-                <a:cs typeface="Verdana"/>
-              </a:rPr>
-              <a:t>Jenkins</a:t>
-            </a:r>
-            <a:endParaRPr lang="en-US" sz="2400" dirty="0">
+              <a:prstDash val="sysDot"/>
+            </a:ln>
+          </p:spPr>
+          <p:style>
+            <a:lnRef idx="2">
+              <a:schemeClr val="accent1">
+                <a:shade val="50000"/>
+              </a:schemeClr>
+            </a:lnRef>
+            <a:fillRef idx="1">
+              <a:schemeClr val="accent1"/>
+            </a:fillRef>
+            <a:effectRef idx="0">
+              <a:schemeClr val="accent1"/>
+            </a:effectRef>
+            <a:fontRef idx="minor">
+              <a:schemeClr val="lt1"/>
+            </a:fontRef>
+          </p:style>
+          <p:txBody>
+            <a:bodyPr rtlCol="0" anchor="t" anchorCtr="0"/>
+            <a:lstStyle/>
+            <a:p>
+              <a:pPr algn="ctr"/>
+              <a:r>
+                <a:rPr lang="en-US" sz="2400" b="1" dirty="0" smtClean="0">
+                  <a:solidFill>
+                    <a:schemeClr val="tx1"/>
+                  </a:solidFill>
+                  <a:latin typeface="Calibri" pitchFamily="34" charset="0"/>
+                  <a:cs typeface="Calibri" pitchFamily="34" charset="0"/>
+                </a:rPr>
+                <a:t>DEV</a:t>
+              </a:r>
+            </a:p>
+            <a:p>
+              <a:pPr>
+                <a:buFont typeface="Arial" pitchFamily="34" charset="0"/>
+                <a:buChar char="•"/>
+              </a:pPr>
+              <a:endParaRPr lang="en-US" sz="1600" dirty="0" smtClean="0">
+                <a:solidFill>
+                  <a:schemeClr val="tx1"/>
+                </a:solidFill>
+                <a:latin typeface="Calibri" pitchFamily="34" charset="0"/>
+                <a:cs typeface="Calibri" pitchFamily="34" charset="0"/>
+              </a:endParaRPr>
+            </a:p>
+            <a:p>
+              <a:pPr>
+                <a:buFont typeface="Arial" pitchFamily="34" charset="0"/>
+                <a:buChar char="•"/>
+              </a:pPr>
+              <a:endParaRPr lang="en-US" sz="1600" dirty="0" smtClean="0">
+                <a:solidFill>
+                  <a:schemeClr val="tx1"/>
+                </a:solidFill>
+                <a:latin typeface="Calibri" pitchFamily="34" charset="0"/>
+                <a:cs typeface="Calibri" pitchFamily="34" charset="0"/>
+              </a:endParaRPr>
+            </a:p>
+            <a:p>
+              <a:pPr>
+                <a:buFont typeface="Arial" pitchFamily="34" charset="0"/>
+                <a:buChar char="•"/>
+              </a:pPr>
+              <a:endParaRPr lang="en-US" sz="1600" dirty="0" smtClean="0">
+                <a:solidFill>
+                  <a:schemeClr val="tx1"/>
+                </a:solidFill>
+                <a:latin typeface="Calibri" pitchFamily="34" charset="0"/>
+                <a:cs typeface="Calibri" pitchFamily="34" charset="0"/>
+              </a:endParaRPr>
+            </a:p>
+            <a:p>
+              <a:pPr>
+                <a:buFont typeface="Arial" pitchFamily="34" charset="0"/>
+                <a:buChar char="•"/>
+              </a:pPr>
+              <a:endParaRPr lang="en-US" sz="1600" dirty="0" smtClean="0">
+                <a:solidFill>
+                  <a:schemeClr val="tx1"/>
+                </a:solidFill>
+                <a:latin typeface="Calibri" pitchFamily="34" charset="0"/>
+                <a:cs typeface="Calibri" pitchFamily="34" charset="0"/>
+              </a:endParaRPr>
+            </a:p>
+            <a:p>
+              <a:pPr>
+                <a:buFont typeface="Arial" pitchFamily="34" charset="0"/>
+                <a:buChar char="•"/>
+              </a:pPr>
+              <a:endParaRPr lang="en-US" sz="1600" dirty="0" smtClean="0">
+                <a:solidFill>
+                  <a:schemeClr val="tx1"/>
+                </a:solidFill>
+                <a:latin typeface="Calibri" pitchFamily="34" charset="0"/>
+                <a:cs typeface="Calibri" pitchFamily="34" charset="0"/>
+              </a:endParaRPr>
+            </a:p>
+            <a:p>
+              <a:pPr>
+                <a:buFont typeface="Arial" pitchFamily="34" charset="0"/>
+                <a:buChar char="•"/>
+              </a:pPr>
+              <a:endParaRPr lang="en-US" sz="1600" dirty="0" smtClean="0">
+                <a:solidFill>
+                  <a:schemeClr val="tx1"/>
+                </a:solidFill>
+                <a:latin typeface="Calibri" pitchFamily="34" charset="0"/>
+                <a:cs typeface="Calibri" pitchFamily="34" charset="0"/>
+              </a:endParaRPr>
+            </a:p>
+            <a:p>
+              <a:pPr>
+                <a:buFont typeface="Arial" pitchFamily="34" charset="0"/>
+                <a:buChar char="•"/>
+              </a:pPr>
+              <a:endParaRPr lang="en-US" sz="1600" dirty="0" smtClean="0">
+                <a:solidFill>
+                  <a:schemeClr val="tx1"/>
+                </a:solidFill>
+                <a:latin typeface="Calibri" pitchFamily="34" charset="0"/>
+                <a:cs typeface="Calibri" pitchFamily="34" charset="0"/>
+              </a:endParaRPr>
+            </a:p>
+            <a:p>
+              <a:pPr>
+                <a:buFont typeface="Arial" pitchFamily="34" charset="0"/>
+                <a:buChar char="•"/>
+              </a:pPr>
+              <a:endParaRPr lang="en-US" sz="1600" dirty="0" smtClean="0">
+                <a:solidFill>
+                  <a:schemeClr val="tx1"/>
+                </a:solidFill>
+                <a:latin typeface="Calibri" pitchFamily="34" charset="0"/>
+                <a:cs typeface="Calibri" pitchFamily="34" charset="0"/>
+              </a:endParaRPr>
+            </a:p>
+            <a:p>
+              <a:pPr>
+                <a:buFont typeface="Arial" pitchFamily="34" charset="0"/>
+                <a:buChar char="•"/>
+              </a:pPr>
+              <a:endParaRPr lang="en-US" sz="1600" dirty="0" smtClean="0">
+                <a:solidFill>
+                  <a:schemeClr val="tx1"/>
+                </a:solidFill>
+                <a:latin typeface="Calibri" pitchFamily="34" charset="0"/>
+                <a:cs typeface="Calibri" pitchFamily="34" charset="0"/>
+              </a:endParaRPr>
+            </a:p>
+            <a:p>
+              <a:endParaRPr lang="en-US" sz="1600" dirty="0" smtClean="0">
+                <a:solidFill>
+                  <a:schemeClr val="tx1"/>
+                </a:solidFill>
+                <a:latin typeface="Calibri" pitchFamily="34" charset="0"/>
+                <a:cs typeface="Calibri" pitchFamily="34" charset="0"/>
+              </a:endParaRPr>
+            </a:p>
+            <a:p>
+              <a:endParaRPr lang="en-US" sz="1600" dirty="0" smtClean="0">
+                <a:solidFill>
+                  <a:schemeClr val="tx1"/>
+                </a:solidFill>
+                <a:latin typeface="Calibri" pitchFamily="34" charset="0"/>
+                <a:cs typeface="Calibri" pitchFamily="34" charset="0"/>
+              </a:endParaRPr>
+            </a:p>
+            <a:p>
+              <a:pPr algn="ctr"/>
+              <a:endParaRPr lang="en-US" dirty="0">
+                <a:solidFill>
+                  <a:schemeClr val="tx1"/>
+                </a:solidFill>
+                <a:latin typeface="Calibri" pitchFamily="34" charset="0"/>
+                <a:cs typeface="Calibri" pitchFamily="34" charset="0"/>
+              </a:endParaRPr>
+            </a:p>
+          </p:txBody>
+        </p:sp>
+        <p:pic>
+          <p:nvPicPr>
+            <p:cNvPr id="18" name="Picture 17"/>
+            <p:cNvPicPr>
+              <a:picLocks noChangeAspect="1"/>
+            </p:cNvPicPr>
+            <p:nvPr/>
+          </p:nvPicPr>
+          <p:blipFill>
+            <a:blip r:embed="rId5"/>
+            <a:stretch>
+              <a:fillRect/>
+            </a:stretch>
+          </p:blipFill>
+          <p:spPr>
+            <a:xfrm>
+              <a:off x="3898990" y="3651433"/>
+              <a:ext cx="2118377" cy="1660350"/>
+            </a:xfrm>
+            <a:prstGeom prst="rect">
+              <a:avLst/>
+            </a:prstGeom>
+          </p:spPr>
+        </p:pic>
+      </p:grpSp>
+      <p:grpSp>
+        <p:nvGrpSpPr>
+          <p:cNvPr id="24" name="Group 23"/>
+          <p:cNvGrpSpPr/>
+          <p:nvPr/>
+        </p:nvGrpSpPr>
+        <p:grpSpPr>
+          <a:xfrm>
+            <a:off x="3255172" y="4622222"/>
+            <a:ext cx="2699665" cy="2154880"/>
+            <a:chOff x="6017367" y="4447798"/>
+            <a:chExt cx="2699665" cy="2154880"/>
+          </a:xfrm>
+        </p:grpSpPr>
+        <p:sp>
+          <p:nvSpPr>
+            <p:cNvPr id="22" name="Rectangle 21"/>
+            <p:cNvSpPr/>
+            <p:nvPr/>
+          </p:nvSpPr>
+          <p:spPr>
+            <a:xfrm>
+              <a:off x="6017367" y="4447798"/>
+              <a:ext cx="2699665" cy="2154880"/>
+            </a:xfrm>
+            <a:prstGeom prst="rect">
+              <a:avLst/>
+            </a:prstGeom>
+            <a:solidFill>
+              <a:schemeClr val="bg1">
+                <a:alpha val="0"/>
+              </a:schemeClr>
+            </a:solidFill>
+            <a:ln w="57150" cmpd="sng">
               <a:solidFill>
-                <a:schemeClr val="tx2"/>
+                <a:schemeClr val="tx1"/>
               </a:solidFill>
-              <a:latin typeface="Verdana"/>
-              <a:cs typeface="Verdana"/>
-            </a:endParaRPr>
-          </a:p>
-          <a:p>
-            <a:r>
-              <a:rPr lang="en-US" sz="2400" dirty="0" smtClean="0">
-                <a:solidFill>
-                  <a:schemeClr val="tx2"/>
-                </a:solidFill>
-                <a:latin typeface="Verdana"/>
-                <a:cs typeface="Verdana"/>
-              </a:rPr>
-              <a:t>Containers</a:t>
-            </a:r>
-            <a:r>
-              <a:rPr lang="en-US" sz="2400" dirty="0">
-                <a:solidFill>
-                  <a:schemeClr val="tx2"/>
-                </a:solidFill>
-                <a:latin typeface="Verdana"/>
-                <a:cs typeface="Verdana"/>
-              </a:rPr>
-              <a:t>: </a:t>
-            </a:r>
-            <a:r>
-              <a:rPr lang="en-US" sz="2400" dirty="0" smtClean="0">
-                <a:solidFill>
-                  <a:schemeClr val="tx2"/>
-                </a:solidFill>
-                <a:latin typeface="Verdana"/>
-                <a:cs typeface="Verdana"/>
-              </a:rPr>
-              <a:t>Docker</a:t>
-            </a:r>
-            <a:endParaRPr lang="en-US" sz="2400" dirty="0">
+              <a:prstDash val="sysDot"/>
+            </a:ln>
+          </p:spPr>
+          <p:style>
+            <a:lnRef idx="2">
+              <a:schemeClr val="accent1">
+                <a:shade val="50000"/>
+              </a:schemeClr>
+            </a:lnRef>
+            <a:fillRef idx="1">
+              <a:schemeClr val="accent1"/>
+            </a:fillRef>
+            <a:effectRef idx="0">
+              <a:schemeClr val="accent1"/>
+            </a:effectRef>
+            <a:fontRef idx="minor">
+              <a:schemeClr val="lt1"/>
+            </a:fontRef>
+          </p:style>
+          <p:txBody>
+            <a:bodyPr rtlCol="0" anchor="t" anchorCtr="0"/>
+            <a:lstStyle/>
+            <a:p>
+              <a:pPr algn="ctr"/>
+              <a:r>
+                <a:rPr lang="en-US" sz="2400" b="1" dirty="0" smtClean="0">
+                  <a:solidFill>
+                    <a:schemeClr val="tx1"/>
+                  </a:solidFill>
+                  <a:latin typeface="Calibri" pitchFamily="34" charset="0"/>
+                  <a:cs typeface="Calibri" pitchFamily="34" charset="0"/>
+                </a:rPr>
+                <a:t>TEST</a:t>
+              </a:r>
+            </a:p>
+            <a:p>
+              <a:pPr>
+                <a:buFont typeface="Arial" pitchFamily="34" charset="0"/>
+                <a:buChar char="•"/>
+              </a:pPr>
+              <a:endParaRPr lang="en-US" sz="1600" dirty="0" smtClean="0">
+                <a:solidFill>
+                  <a:schemeClr val="tx1"/>
+                </a:solidFill>
+                <a:latin typeface="Calibri" pitchFamily="34" charset="0"/>
+                <a:cs typeface="Calibri" pitchFamily="34" charset="0"/>
+              </a:endParaRPr>
+            </a:p>
+            <a:p>
+              <a:pPr>
+                <a:buFont typeface="Arial" pitchFamily="34" charset="0"/>
+                <a:buChar char="•"/>
+              </a:pPr>
+              <a:endParaRPr lang="en-US" sz="1600" dirty="0" smtClean="0">
+                <a:solidFill>
+                  <a:schemeClr val="tx1"/>
+                </a:solidFill>
+                <a:latin typeface="Calibri" pitchFamily="34" charset="0"/>
+                <a:cs typeface="Calibri" pitchFamily="34" charset="0"/>
+              </a:endParaRPr>
+            </a:p>
+            <a:p>
+              <a:pPr>
+                <a:buFont typeface="Arial" pitchFamily="34" charset="0"/>
+                <a:buChar char="•"/>
+              </a:pPr>
+              <a:endParaRPr lang="en-US" sz="1600" dirty="0" smtClean="0">
+                <a:solidFill>
+                  <a:schemeClr val="tx1"/>
+                </a:solidFill>
+                <a:latin typeface="Calibri" pitchFamily="34" charset="0"/>
+                <a:cs typeface="Calibri" pitchFamily="34" charset="0"/>
+              </a:endParaRPr>
+            </a:p>
+            <a:p>
+              <a:pPr>
+                <a:buFont typeface="Arial" pitchFamily="34" charset="0"/>
+                <a:buChar char="•"/>
+              </a:pPr>
+              <a:endParaRPr lang="en-US" sz="1600" dirty="0" smtClean="0">
+                <a:solidFill>
+                  <a:schemeClr val="tx1"/>
+                </a:solidFill>
+                <a:latin typeface="Calibri" pitchFamily="34" charset="0"/>
+                <a:cs typeface="Calibri" pitchFamily="34" charset="0"/>
+              </a:endParaRPr>
+            </a:p>
+            <a:p>
+              <a:pPr>
+                <a:buFont typeface="Arial" pitchFamily="34" charset="0"/>
+                <a:buChar char="•"/>
+              </a:pPr>
+              <a:endParaRPr lang="en-US" sz="1600" dirty="0" smtClean="0">
+                <a:solidFill>
+                  <a:schemeClr val="tx1"/>
+                </a:solidFill>
+                <a:latin typeface="Calibri" pitchFamily="34" charset="0"/>
+                <a:cs typeface="Calibri" pitchFamily="34" charset="0"/>
+              </a:endParaRPr>
+            </a:p>
+            <a:p>
+              <a:pPr>
+                <a:buFont typeface="Arial" pitchFamily="34" charset="0"/>
+                <a:buChar char="•"/>
+              </a:pPr>
+              <a:endParaRPr lang="en-US" sz="1600" dirty="0" smtClean="0">
+                <a:solidFill>
+                  <a:schemeClr val="tx1"/>
+                </a:solidFill>
+                <a:latin typeface="Calibri" pitchFamily="34" charset="0"/>
+                <a:cs typeface="Calibri" pitchFamily="34" charset="0"/>
+              </a:endParaRPr>
+            </a:p>
+            <a:p>
+              <a:pPr>
+                <a:buFont typeface="Arial" pitchFamily="34" charset="0"/>
+                <a:buChar char="•"/>
+              </a:pPr>
+              <a:endParaRPr lang="en-US" sz="1600" dirty="0" smtClean="0">
+                <a:solidFill>
+                  <a:schemeClr val="tx1"/>
+                </a:solidFill>
+                <a:latin typeface="Calibri" pitchFamily="34" charset="0"/>
+                <a:cs typeface="Calibri" pitchFamily="34" charset="0"/>
+              </a:endParaRPr>
+            </a:p>
+            <a:p>
+              <a:pPr>
+                <a:buFont typeface="Arial" pitchFamily="34" charset="0"/>
+                <a:buChar char="•"/>
+              </a:pPr>
+              <a:endParaRPr lang="en-US" sz="1600" dirty="0" smtClean="0">
+                <a:solidFill>
+                  <a:schemeClr val="tx1"/>
+                </a:solidFill>
+                <a:latin typeface="Calibri" pitchFamily="34" charset="0"/>
+                <a:cs typeface="Calibri" pitchFamily="34" charset="0"/>
+              </a:endParaRPr>
+            </a:p>
+            <a:p>
+              <a:pPr>
+                <a:buFont typeface="Arial" pitchFamily="34" charset="0"/>
+                <a:buChar char="•"/>
+              </a:pPr>
+              <a:endParaRPr lang="en-US" sz="1600" dirty="0" smtClean="0">
+                <a:solidFill>
+                  <a:schemeClr val="tx1"/>
+                </a:solidFill>
+                <a:latin typeface="Calibri" pitchFamily="34" charset="0"/>
+                <a:cs typeface="Calibri" pitchFamily="34" charset="0"/>
+              </a:endParaRPr>
+            </a:p>
+            <a:p>
+              <a:endParaRPr lang="en-US" sz="1600" dirty="0" smtClean="0">
+                <a:solidFill>
+                  <a:schemeClr val="tx1"/>
+                </a:solidFill>
+                <a:latin typeface="Calibri" pitchFamily="34" charset="0"/>
+                <a:cs typeface="Calibri" pitchFamily="34" charset="0"/>
+              </a:endParaRPr>
+            </a:p>
+            <a:p>
+              <a:endParaRPr lang="en-US" sz="1600" dirty="0" smtClean="0">
+                <a:solidFill>
+                  <a:schemeClr val="tx1"/>
+                </a:solidFill>
+                <a:latin typeface="Calibri" pitchFamily="34" charset="0"/>
+                <a:cs typeface="Calibri" pitchFamily="34" charset="0"/>
+              </a:endParaRPr>
+            </a:p>
+            <a:p>
+              <a:pPr algn="ctr"/>
+              <a:endParaRPr lang="en-US" dirty="0">
+                <a:solidFill>
+                  <a:schemeClr val="tx1"/>
+                </a:solidFill>
+                <a:latin typeface="Calibri" pitchFamily="34" charset="0"/>
+                <a:cs typeface="Calibri" pitchFamily="34" charset="0"/>
+              </a:endParaRPr>
+            </a:p>
+          </p:txBody>
+        </p:sp>
+        <p:pic>
+          <p:nvPicPr>
+            <p:cNvPr id="23" name="Picture 22"/>
+            <p:cNvPicPr>
+              <a:picLocks noChangeAspect="1"/>
+            </p:cNvPicPr>
+            <p:nvPr/>
+          </p:nvPicPr>
+          <p:blipFill>
+            <a:blip r:embed="rId5"/>
+            <a:stretch>
+              <a:fillRect/>
+            </a:stretch>
+          </p:blipFill>
+          <p:spPr>
+            <a:xfrm>
+              <a:off x="6301499" y="4881273"/>
+              <a:ext cx="2118377" cy="1660350"/>
+            </a:xfrm>
+            <a:prstGeom prst="rect">
+              <a:avLst/>
+            </a:prstGeom>
+          </p:spPr>
+        </p:pic>
+      </p:grpSp>
+      <p:grpSp>
+        <p:nvGrpSpPr>
+          <p:cNvPr id="25" name="Group 24"/>
+          <p:cNvGrpSpPr/>
+          <p:nvPr/>
+        </p:nvGrpSpPr>
+        <p:grpSpPr>
+          <a:xfrm>
+            <a:off x="6338536" y="4622345"/>
+            <a:ext cx="2699665" cy="2154880"/>
+            <a:chOff x="6017367" y="4447798"/>
+            <a:chExt cx="2699665" cy="2154880"/>
+          </a:xfrm>
+        </p:grpSpPr>
+        <p:sp>
+          <p:nvSpPr>
+            <p:cNvPr id="26" name="Rectangle 25"/>
+            <p:cNvSpPr/>
+            <p:nvPr/>
+          </p:nvSpPr>
+          <p:spPr>
+            <a:xfrm>
+              <a:off x="6017367" y="4447798"/>
+              <a:ext cx="2699665" cy="2154880"/>
+            </a:xfrm>
+            <a:prstGeom prst="rect">
+              <a:avLst/>
+            </a:prstGeom>
+            <a:solidFill>
+              <a:schemeClr val="bg1">
+                <a:alpha val="0"/>
+              </a:schemeClr>
+            </a:solidFill>
+            <a:ln w="57150" cmpd="sng">
               <a:solidFill>
-                <a:schemeClr val="tx2"/>
+                <a:schemeClr val="tx1"/>
               </a:solidFill>
-              <a:latin typeface="Verdana"/>
-              <a:cs typeface="Verdana"/>
-            </a:endParaRPr>
-          </a:p>
-          <a:p>
-            <a:r>
-              <a:rPr lang="en-US" sz="2400" dirty="0" smtClean="0">
-                <a:solidFill>
-                  <a:schemeClr val="tx2"/>
-                </a:solidFill>
-                <a:latin typeface="Verdana"/>
-                <a:cs typeface="Verdana"/>
-              </a:rPr>
-              <a:t>Code </a:t>
-            </a:r>
-            <a:r>
-              <a:rPr lang="en-US" sz="2400" dirty="0">
-                <a:solidFill>
-                  <a:schemeClr val="tx2"/>
-                </a:solidFill>
-                <a:latin typeface="Verdana"/>
-                <a:cs typeface="Verdana"/>
-              </a:rPr>
-              <a:t>review: </a:t>
-            </a:r>
-            <a:r>
-              <a:rPr lang="en-US" sz="2400" dirty="0" smtClean="0">
-                <a:solidFill>
-                  <a:schemeClr val="tx2"/>
-                </a:solidFill>
-                <a:latin typeface="Verdana"/>
-                <a:cs typeface="Verdana"/>
-              </a:rPr>
-              <a:t>ReviewBoard</a:t>
-            </a:r>
-            <a:endParaRPr lang="en-US" sz="2400" dirty="0">
+              <a:prstDash val="sysDot"/>
+            </a:ln>
+          </p:spPr>
+          <p:style>
+            <a:lnRef idx="2">
+              <a:schemeClr val="accent1">
+                <a:shade val="50000"/>
+              </a:schemeClr>
+            </a:lnRef>
+            <a:fillRef idx="1">
+              <a:schemeClr val="accent1"/>
+            </a:fillRef>
+            <a:effectRef idx="0">
+              <a:schemeClr val="accent1"/>
+            </a:effectRef>
+            <a:fontRef idx="minor">
+              <a:schemeClr val="lt1"/>
+            </a:fontRef>
+          </p:style>
+          <p:txBody>
+            <a:bodyPr rtlCol="0" anchor="t" anchorCtr="0"/>
+            <a:lstStyle/>
+            <a:p>
+              <a:pPr algn="ctr"/>
+              <a:r>
+                <a:rPr lang="en-US" sz="2400" b="1" dirty="0" smtClean="0">
+                  <a:solidFill>
+                    <a:schemeClr val="tx1"/>
+                  </a:solidFill>
+                  <a:latin typeface="Calibri" pitchFamily="34" charset="0"/>
+                  <a:cs typeface="Calibri" pitchFamily="34" charset="0"/>
+                </a:rPr>
+                <a:t>PROD</a:t>
+              </a:r>
+            </a:p>
+            <a:p>
+              <a:pPr>
+                <a:buFont typeface="Arial" pitchFamily="34" charset="0"/>
+                <a:buChar char="•"/>
+              </a:pPr>
+              <a:endParaRPr lang="en-US" sz="1600" dirty="0" smtClean="0">
+                <a:solidFill>
+                  <a:schemeClr val="tx1"/>
+                </a:solidFill>
+                <a:latin typeface="Calibri" pitchFamily="34" charset="0"/>
+                <a:cs typeface="Calibri" pitchFamily="34" charset="0"/>
+              </a:endParaRPr>
+            </a:p>
+            <a:p>
+              <a:pPr>
+                <a:buFont typeface="Arial" pitchFamily="34" charset="0"/>
+                <a:buChar char="•"/>
+              </a:pPr>
+              <a:endParaRPr lang="en-US" sz="1600" dirty="0" smtClean="0">
+                <a:solidFill>
+                  <a:schemeClr val="tx1"/>
+                </a:solidFill>
+                <a:latin typeface="Calibri" pitchFamily="34" charset="0"/>
+                <a:cs typeface="Calibri" pitchFamily="34" charset="0"/>
+              </a:endParaRPr>
+            </a:p>
+            <a:p>
+              <a:pPr>
+                <a:buFont typeface="Arial" pitchFamily="34" charset="0"/>
+                <a:buChar char="•"/>
+              </a:pPr>
+              <a:endParaRPr lang="en-US" sz="1600" dirty="0" smtClean="0">
+                <a:solidFill>
+                  <a:schemeClr val="tx1"/>
+                </a:solidFill>
+                <a:latin typeface="Calibri" pitchFamily="34" charset="0"/>
+                <a:cs typeface="Calibri" pitchFamily="34" charset="0"/>
+              </a:endParaRPr>
+            </a:p>
+            <a:p>
+              <a:pPr>
+                <a:buFont typeface="Arial" pitchFamily="34" charset="0"/>
+                <a:buChar char="•"/>
+              </a:pPr>
+              <a:endParaRPr lang="en-US" sz="1600" dirty="0" smtClean="0">
+                <a:solidFill>
+                  <a:schemeClr val="tx1"/>
+                </a:solidFill>
+                <a:latin typeface="Calibri" pitchFamily="34" charset="0"/>
+                <a:cs typeface="Calibri" pitchFamily="34" charset="0"/>
+              </a:endParaRPr>
+            </a:p>
+            <a:p>
+              <a:pPr>
+                <a:buFont typeface="Arial" pitchFamily="34" charset="0"/>
+                <a:buChar char="•"/>
+              </a:pPr>
+              <a:endParaRPr lang="en-US" sz="1600" dirty="0" smtClean="0">
+                <a:solidFill>
+                  <a:schemeClr val="tx1"/>
+                </a:solidFill>
+                <a:latin typeface="Calibri" pitchFamily="34" charset="0"/>
+                <a:cs typeface="Calibri" pitchFamily="34" charset="0"/>
+              </a:endParaRPr>
+            </a:p>
+            <a:p>
+              <a:pPr>
+                <a:buFont typeface="Arial" pitchFamily="34" charset="0"/>
+                <a:buChar char="•"/>
+              </a:pPr>
+              <a:endParaRPr lang="en-US" sz="1600" dirty="0" smtClean="0">
+                <a:solidFill>
+                  <a:schemeClr val="tx1"/>
+                </a:solidFill>
+                <a:latin typeface="Calibri" pitchFamily="34" charset="0"/>
+                <a:cs typeface="Calibri" pitchFamily="34" charset="0"/>
+              </a:endParaRPr>
+            </a:p>
+            <a:p>
+              <a:pPr>
+                <a:buFont typeface="Arial" pitchFamily="34" charset="0"/>
+                <a:buChar char="•"/>
+              </a:pPr>
+              <a:endParaRPr lang="en-US" sz="1600" dirty="0" smtClean="0">
+                <a:solidFill>
+                  <a:schemeClr val="tx1"/>
+                </a:solidFill>
+                <a:latin typeface="Calibri" pitchFamily="34" charset="0"/>
+                <a:cs typeface="Calibri" pitchFamily="34" charset="0"/>
+              </a:endParaRPr>
+            </a:p>
+            <a:p>
+              <a:pPr>
+                <a:buFont typeface="Arial" pitchFamily="34" charset="0"/>
+                <a:buChar char="•"/>
+              </a:pPr>
+              <a:endParaRPr lang="en-US" sz="1600" dirty="0" smtClean="0">
+                <a:solidFill>
+                  <a:schemeClr val="tx1"/>
+                </a:solidFill>
+                <a:latin typeface="Calibri" pitchFamily="34" charset="0"/>
+                <a:cs typeface="Calibri" pitchFamily="34" charset="0"/>
+              </a:endParaRPr>
+            </a:p>
+            <a:p>
+              <a:pPr>
+                <a:buFont typeface="Arial" pitchFamily="34" charset="0"/>
+                <a:buChar char="•"/>
+              </a:pPr>
+              <a:endParaRPr lang="en-US" sz="1600" dirty="0" smtClean="0">
+                <a:solidFill>
+                  <a:schemeClr val="tx1"/>
+                </a:solidFill>
+                <a:latin typeface="Calibri" pitchFamily="34" charset="0"/>
+                <a:cs typeface="Calibri" pitchFamily="34" charset="0"/>
+              </a:endParaRPr>
+            </a:p>
+            <a:p>
+              <a:endParaRPr lang="en-US" sz="1600" dirty="0" smtClean="0">
+                <a:solidFill>
+                  <a:schemeClr val="tx1"/>
+                </a:solidFill>
+                <a:latin typeface="Calibri" pitchFamily="34" charset="0"/>
+                <a:cs typeface="Calibri" pitchFamily="34" charset="0"/>
+              </a:endParaRPr>
+            </a:p>
+            <a:p>
+              <a:endParaRPr lang="en-US" sz="1600" dirty="0" smtClean="0">
+                <a:solidFill>
+                  <a:schemeClr val="tx1"/>
+                </a:solidFill>
+                <a:latin typeface="Calibri" pitchFamily="34" charset="0"/>
+                <a:cs typeface="Calibri" pitchFamily="34" charset="0"/>
+              </a:endParaRPr>
+            </a:p>
+            <a:p>
+              <a:pPr algn="ctr"/>
+              <a:endParaRPr lang="en-US" dirty="0">
+                <a:solidFill>
+                  <a:schemeClr val="tx1"/>
+                </a:solidFill>
+                <a:latin typeface="Calibri" pitchFamily="34" charset="0"/>
+                <a:cs typeface="Calibri" pitchFamily="34" charset="0"/>
+              </a:endParaRPr>
+            </a:p>
+          </p:txBody>
+        </p:sp>
+        <p:pic>
+          <p:nvPicPr>
+            <p:cNvPr id="27" name="Picture 26"/>
+            <p:cNvPicPr>
+              <a:picLocks noChangeAspect="1"/>
+            </p:cNvPicPr>
+            <p:nvPr/>
+          </p:nvPicPr>
+          <p:blipFill>
+            <a:blip r:embed="rId5"/>
+            <a:stretch>
+              <a:fillRect/>
+            </a:stretch>
+          </p:blipFill>
+          <p:spPr>
+            <a:xfrm>
+              <a:off x="6301499" y="4881273"/>
+              <a:ext cx="2118377" cy="1660350"/>
+            </a:xfrm>
+            <a:prstGeom prst="rect">
+              <a:avLst/>
+            </a:prstGeom>
+          </p:spPr>
+        </p:pic>
+      </p:grpSp>
+      <p:grpSp>
+        <p:nvGrpSpPr>
+          <p:cNvPr id="33" name="Group 32"/>
+          <p:cNvGrpSpPr/>
+          <p:nvPr/>
+        </p:nvGrpSpPr>
+        <p:grpSpPr>
+          <a:xfrm>
+            <a:off x="3539304" y="1323063"/>
+            <a:ext cx="2097065" cy="695692"/>
+            <a:chOff x="3539304" y="1579494"/>
+            <a:chExt cx="2097065" cy="695692"/>
+          </a:xfrm>
+        </p:grpSpPr>
+        <p:sp>
+          <p:nvSpPr>
+            <p:cNvPr id="31" name="Rectangle 30"/>
+            <p:cNvSpPr/>
+            <p:nvPr/>
+          </p:nvSpPr>
+          <p:spPr>
+            <a:xfrm>
+              <a:off x="3539304" y="1579494"/>
+              <a:ext cx="2097065" cy="695692"/>
+            </a:xfrm>
+            <a:prstGeom prst="rect">
+              <a:avLst/>
+            </a:prstGeom>
+            <a:solidFill>
+              <a:schemeClr val="bg1">
+                <a:alpha val="0"/>
+              </a:schemeClr>
+            </a:solidFill>
+            <a:ln w="57150" cmpd="sng">
               <a:solidFill>
-                <a:schemeClr val="tx2"/>
+                <a:schemeClr val="tx1"/>
               </a:solidFill>
-              <a:latin typeface="Verdana"/>
-              <a:cs typeface="Verdana"/>
-            </a:endParaRPr>
-          </a:p>
-          <a:p>
-            <a:r>
-              <a:rPr lang="en-US" sz="2400" dirty="0" smtClean="0">
-                <a:solidFill>
-                  <a:schemeClr val="tx2"/>
-                </a:solidFill>
-                <a:latin typeface="Verdana"/>
-                <a:cs typeface="Verdana"/>
-              </a:rPr>
-              <a:t>Application </a:t>
-            </a:r>
-            <a:r>
-              <a:rPr lang="en-US" sz="2400" dirty="0">
-                <a:solidFill>
-                  <a:schemeClr val="tx2"/>
-                </a:solidFill>
-                <a:latin typeface="Verdana"/>
-                <a:cs typeface="Verdana"/>
-              </a:rPr>
-              <a:t>server: </a:t>
-            </a:r>
-            <a:r>
-              <a:rPr lang="en-US" sz="2400" dirty="0" smtClean="0">
-                <a:solidFill>
-                  <a:schemeClr val="tx2"/>
-                </a:solidFill>
-                <a:latin typeface="Verdana"/>
-                <a:cs typeface="Verdana"/>
-              </a:rPr>
-              <a:t>Jetty</a:t>
-            </a:r>
-            <a:endParaRPr lang="en-US" sz="2400" dirty="0">
+              <a:prstDash val="sysDot"/>
+            </a:ln>
+          </p:spPr>
+          <p:style>
+            <a:lnRef idx="2">
+              <a:schemeClr val="accent1">
+                <a:shade val="50000"/>
+              </a:schemeClr>
+            </a:lnRef>
+            <a:fillRef idx="1">
+              <a:schemeClr val="accent1"/>
+            </a:fillRef>
+            <a:effectRef idx="0">
+              <a:schemeClr val="accent1"/>
+            </a:effectRef>
+            <a:fontRef idx="minor">
+              <a:schemeClr val="lt1"/>
+            </a:fontRef>
+          </p:style>
+          <p:txBody>
+            <a:bodyPr rtlCol="0" anchor="t" anchorCtr="0"/>
+            <a:lstStyle/>
+            <a:p>
+              <a:pPr algn="ctr"/>
+              <a:endParaRPr lang="en-US" sz="2400" b="1" dirty="0" smtClean="0">
+                <a:solidFill>
+                  <a:schemeClr val="tx1"/>
+                </a:solidFill>
+                <a:latin typeface="Calibri" pitchFamily="34" charset="0"/>
+                <a:cs typeface="Calibri" pitchFamily="34" charset="0"/>
+              </a:endParaRPr>
+            </a:p>
+            <a:p>
+              <a:pPr>
+                <a:buFont typeface="Arial" pitchFamily="34" charset="0"/>
+                <a:buChar char="•"/>
+              </a:pPr>
+              <a:endParaRPr lang="en-US" sz="1600" dirty="0" smtClean="0">
+                <a:solidFill>
+                  <a:schemeClr val="tx1"/>
+                </a:solidFill>
+                <a:latin typeface="Calibri" pitchFamily="34" charset="0"/>
+                <a:cs typeface="Calibri" pitchFamily="34" charset="0"/>
+              </a:endParaRPr>
+            </a:p>
+            <a:p>
+              <a:pPr>
+                <a:buFont typeface="Arial" pitchFamily="34" charset="0"/>
+                <a:buChar char="•"/>
+              </a:pPr>
+              <a:endParaRPr lang="en-US" sz="1600" dirty="0" smtClean="0">
+                <a:solidFill>
+                  <a:schemeClr val="tx1"/>
+                </a:solidFill>
+                <a:latin typeface="Calibri" pitchFamily="34" charset="0"/>
+                <a:cs typeface="Calibri" pitchFamily="34" charset="0"/>
+              </a:endParaRPr>
+            </a:p>
+            <a:p>
+              <a:pPr>
+                <a:buFont typeface="Arial" pitchFamily="34" charset="0"/>
+                <a:buChar char="•"/>
+              </a:pPr>
+              <a:endParaRPr lang="en-US" sz="1600" dirty="0" smtClean="0">
+                <a:solidFill>
+                  <a:schemeClr val="tx1"/>
+                </a:solidFill>
+                <a:latin typeface="Calibri" pitchFamily="34" charset="0"/>
+                <a:cs typeface="Calibri" pitchFamily="34" charset="0"/>
+              </a:endParaRPr>
+            </a:p>
+            <a:p>
+              <a:pPr>
+                <a:buFont typeface="Arial" pitchFamily="34" charset="0"/>
+                <a:buChar char="•"/>
+              </a:pPr>
+              <a:endParaRPr lang="en-US" sz="1600" dirty="0" smtClean="0">
+                <a:solidFill>
+                  <a:schemeClr val="tx1"/>
+                </a:solidFill>
+                <a:latin typeface="Calibri" pitchFamily="34" charset="0"/>
+                <a:cs typeface="Calibri" pitchFamily="34" charset="0"/>
+              </a:endParaRPr>
+            </a:p>
+            <a:p>
+              <a:pPr>
+                <a:buFont typeface="Arial" pitchFamily="34" charset="0"/>
+                <a:buChar char="•"/>
+              </a:pPr>
+              <a:endParaRPr lang="en-US" sz="1600" dirty="0" smtClean="0">
+                <a:solidFill>
+                  <a:schemeClr val="tx1"/>
+                </a:solidFill>
+                <a:latin typeface="Calibri" pitchFamily="34" charset="0"/>
+                <a:cs typeface="Calibri" pitchFamily="34" charset="0"/>
+              </a:endParaRPr>
+            </a:p>
+            <a:p>
+              <a:pPr>
+                <a:buFont typeface="Arial" pitchFamily="34" charset="0"/>
+                <a:buChar char="•"/>
+              </a:pPr>
+              <a:endParaRPr lang="en-US" sz="1600" dirty="0" smtClean="0">
+                <a:solidFill>
+                  <a:schemeClr val="tx1"/>
+                </a:solidFill>
+                <a:latin typeface="Calibri" pitchFamily="34" charset="0"/>
+                <a:cs typeface="Calibri" pitchFamily="34" charset="0"/>
+              </a:endParaRPr>
+            </a:p>
+            <a:p>
+              <a:pPr>
+                <a:buFont typeface="Arial" pitchFamily="34" charset="0"/>
+                <a:buChar char="•"/>
+              </a:pPr>
+              <a:endParaRPr lang="en-US" sz="1600" dirty="0" smtClean="0">
+                <a:solidFill>
+                  <a:schemeClr val="tx1"/>
+                </a:solidFill>
+                <a:latin typeface="Calibri" pitchFamily="34" charset="0"/>
+                <a:cs typeface="Calibri" pitchFamily="34" charset="0"/>
+              </a:endParaRPr>
+            </a:p>
+            <a:p>
+              <a:pPr>
+                <a:buFont typeface="Arial" pitchFamily="34" charset="0"/>
+                <a:buChar char="•"/>
+              </a:pPr>
+              <a:endParaRPr lang="en-US" sz="1600" dirty="0" smtClean="0">
+                <a:solidFill>
+                  <a:schemeClr val="tx1"/>
+                </a:solidFill>
+                <a:latin typeface="Calibri" pitchFamily="34" charset="0"/>
+                <a:cs typeface="Calibri" pitchFamily="34" charset="0"/>
+              </a:endParaRPr>
+            </a:p>
+            <a:p>
+              <a:pPr>
+                <a:buFont typeface="Arial" pitchFamily="34" charset="0"/>
+                <a:buChar char="•"/>
+              </a:pPr>
+              <a:endParaRPr lang="en-US" sz="1600" dirty="0" smtClean="0">
+                <a:solidFill>
+                  <a:schemeClr val="tx1"/>
+                </a:solidFill>
+                <a:latin typeface="Calibri" pitchFamily="34" charset="0"/>
+                <a:cs typeface="Calibri" pitchFamily="34" charset="0"/>
+              </a:endParaRPr>
+            </a:p>
+            <a:p>
+              <a:endParaRPr lang="en-US" sz="1600" dirty="0" smtClean="0">
+                <a:solidFill>
+                  <a:schemeClr val="tx1"/>
+                </a:solidFill>
+                <a:latin typeface="Calibri" pitchFamily="34" charset="0"/>
+                <a:cs typeface="Calibri" pitchFamily="34" charset="0"/>
+              </a:endParaRPr>
+            </a:p>
+            <a:p>
+              <a:endParaRPr lang="en-US" sz="1600" dirty="0" smtClean="0">
+                <a:solidFill>
+                  <a:schemeClr val="tx1"/>
+                </a:solidFill>
+                <a:latin typeface="Calibri" pitchFamily="34" charset="0"/>
+                <a:cs typeface="Calibri" pitchFamily="34" charset="0"/>
+              </a:endParaRPr>
+            </a:p>
+            <a:p>
+              <a:pPr algn="ctr"/>
+              <a:endParaRPr lang="en-US" dirty="0">
+                <a:solidFill>
+                  <a:schemeClr val="tx1"/>
+                </a:solidFill>
+                <a:latin typeface="Calibri" pitchFamily="34" charset="0"/>
+                <a:cs typeface="Calibri" pitchFamily="34" charset="0"/>
+              </a:endParaRPr>
+            </a:p>
+          </p:txBody>
+        </p:sp>
+        <p:pic>
+          <p:nvPicPr>
+            <p:cNvPr id="32" name="Picture 31"/>
+            <p:cNvPicPr>
+              <a:picLocks noChangeAspect="1"/>
+            </p:cNvPicPr>
+            <p:nvPr/>
+          </p:nvPicPr>
+          <p:blipFill>
+            <a:blip r:embed="rId6"/>
+            <a:stretch>
+              <a:fillRect/>
+            </a:stretch>
+          </p:blipFill>
+          <p:spPr>
+            <a:xfrm>
+              <a:off x="3637000" y="1631121"/>
+              <a:ext cx="1898441" cy="610555"/>
+            </a:xfrm>
+            <a:prstGeom prst="rect">
+              <a:avLst/>
+            </a:prstGeom>
+          </p:spPr>
+        </p:pic>
+      </p:grpSp>
+      <p:grpSp>
+        <p:nvGrpSpPr>
+          <p:cNvPr id="37" name="Group 36"/>
+          <p:cNvGrpSpPr/>
+          <p:nvPr/>
+        </p:nvGrpSpPr>
+        <p:grpSpPr>
+          <a:xfrm>
+            <a:off x="3242180" y="2747536"/>
+            <a:ext cx="2699665" cy="1275164"/>
+            <a:chOff x="3849307" y="2985619"/>
+            <a:chExt cx="2699665" cy="1275164"/>
+          </a:xfrm>
+        </p:grpSpPr>
+        <p:sp>
+          <p:nvSpPr>
+            <p:cNvPr id="35" name="Rectangle 34"/>
+            <p:cNvSpPr/>
+            <p:nvPr/>
+          </p:nvSpPr>
+          <p:spPr>
+            <a:xfrm>
+              <a:off x="3849307" y="2985619"/>
+              <a:ext cx="2699665" cy="1275164"/>
+            </a:xfrm>
+            <a:prstGeom prst="rect">
+              <a:avLst/>
+            </a:prstGeom>
+            <a:solidFill>
+              <a:schemeClr val="bg1">
+                <a:alpha val="0"/>
+              </a:schemeClr>
+            </a:solidFill>
+            <a:ln w="57150" cmpd="sng">
               <a:solidFill>
-                <a:schemeClr val="tx2"/>
+                <a:schemeClr val="tx1"/>
               </a:solidFill>
-              <a:latin typeface="Verdana"/>
-              <a:cs typeface="Verdana"/>
-            </a:endParaRPr>
-          </a:p>
-          <a:p>
-            <a:r>
-              <a:rPr lang="en-US" sz="2400" dirty="0" smtClean="0">
-                <a:solidFill>
-                  <a:schemeClr val="tx2"/>
-                </a:solidFill>
-                <a:latin typeface="Verdana"/>
-                <a:cs typeface="Verdana"/>
-              </a:rPr>
-              <a:t>High </a:t>
-            </a:r>
-            <a:r>
-              <a:rPr lang="en-US" sz="2400" dirty="0">
-                <a:solidFill>
-                  <a:schemeClr val="tx2"/>
-                </a:solidFill>
-                <a:latin typeface="Verdana"/>
-                <a:cs typeface="Verdana"/>
-              </a:rPr>
-              <a:t>availability: </a:t>
-            </a:r>
-            <a:r>
-              <a:rPr lang="en-US" sz="2400" dirty="0" err="1" smtClean="0">
-                <a:solidFill>
-                  <a:schemeClr val="tx2"/>
-                </a:solidFill>
-                <a:latin typeface="Verdana"/>
-                <a:cs typeface="Verdana"/>
-              </a:rPr>
-              <a:t>Nginx</a:t>
-            </a:r>
-            <a:r>
-              <a:rPr lang="en-US" sz="2400" dirty="0">
-                <a:solidFill>
-                  <a:schemeClr val="tx2"/>
-                </a:solidFill>
-                <a:latin typeface="Verdana"/>
-                <a:cs typeface="Verdana"/>
-              </a:rPr>
-              <a:t>, </a:t>
-            </a:r>
-            <a:r>
-              <a:rPr lang="en-US" sz="2400" dirty="0" err="1" smtClean="0">
-                <a:solidFill>
-                  <a:schemeClr val="tx2"/>
-                </a:solidFill>
-                <a:latin typeface="Verdana"/>
-                <a:cs typeface="Verdana"/>
-              </a:rPr>
-              <a:t>Etcd</a:t>
-            </a:r>
-            <a:r>
-              <a:rPr lang="en-US" sz="2400" dirty="0">
-                <a:solidFill>
-                  <a:schemeClr val="tx2"/>
-                </a:solidFill>
-                <a:latin typeface="Verdana"/>
-                <a:cs typeface="Verdana"/>
-              </a:rPr>
-              <a:t>, </a:t>
-            </a:r>
-            <a:r>
-              <a:rPr lang="en-US" sz="2400" dirty="0" err="1" smtClean="0">
-                <a:solidFill>
-                  <a:schemeClr val="tx2"/>
-                </a:solidFill>
-                <a:latin typeface="Verdana"/>
-                <a:cs typeface="Verdana"/>
-              </a:rPr>
-              <a:t>Etcdctl</a:t>
-            </a:r>
-            <a:r>
-              <a:rPr lang="en-US" sz="2400" dirty="0">
-                <a:solidFill>
-                  <a:schemeClr val="tx2"/>
-                </a:solidFill>
-                <a:latin typeface="Verdana"/>
-                <a:cs typeface="Verdana"/>
-              </a:rPr>
-              <a:t>, </a:t>
-            </a:r>
-            <a:r>
-              <a:rPr lang="en-US" sz="2400" dirty="0" err="1" smtClean="0">
-                <a:solidFill>
-                  <a:schemeClr val="tx2"/>
-                </a:solidFill>
-                <a:latin typeface="Verdana"/>
-                <a:cs typeface="Verdana"/>
-              </a:rPr>
-              <a:t>Confd</a:t>
-            </a:r>
-            <a:endParaRPr lang="en-US" sz="2400" dirty="0">
+              <a:prstDash val="sysDot"/>
+            </a:ln>
+          </p:spPr>
+          <p:style>
+            <a:lnRef idx="2">
+              <a:schemeClr val="accent1">
+                <a:shade val="50000"/>
+              </a:schemeClr>
+            </a:lnRef>
+            <a:fillRef idx="1">
+              <a:schemeClr val="accent1"/>
+            </a:fillRef>
+            <a:effectRef idx="0">
+              <a:schemeClr val="accent1"/>
+            </a:effectRef>
+            <a:fontRef idx="minor">
+              <a:schemeClr val="lt1"/>
+            </a:fontRef>
+          </p:style>
+          <p:txBody>
+            <a:bodyPr rtlCol="0" anchor="t" anchorCtr="0"/>
+            <a:lstStyle/>
+            <a:p>
+              <a:pPr algn="ctr"/>
+              <a:endParaRPr lang="en-US" dirty="0">
+                <a:solidFill>
+                  <a:schemeClr val="tx1"/>
+                </a:solidFill>
+                <a:latin typeface="Calibri" pitchFamily="34" charset="0"/>
+                <a:cs typeface="Calibri" pitchFamily="34" charset="0"/>
+              </a:endParaRPr>
+            </a:p>
+          </p:txBody>
+        </p:sp>
+        <p:pic>
+          <p:nvPicPr>
+            <p:cNvPr id="36" name="Picture 35"/>
+            <p:cNvPicPr>
+              <a:picLocks noChangeAspect="1"/>
+            </p:cNvPicPr>
+            <p:nvPr/>
+          </p:nvPicPr>
+          <p:blipFill>
+            <a:blip r:embed="rId7"/>
+            <a:stretch>
+              <a:fillRect/>
+            </a:stretch>
+          </p:blipFill>
+          <p:spPr>
+            <a:xfrm>
+              <a:off x="3910367" y="3022252"/>
+              <a:ext cx="2584731" cy="1201899"/>
+            </a:xfrm>
+            <a:prstGeom prst="rect">
+              <a:avLst/>
+            </a:prstGeom>
+          </p:spPr>
+        </p:pic>
+      </p:grpSp>
+      <p:grpSp>
+        <p:nvGrpSpPr>
+          <p:cNvPr id="3" name="Group 2"/>
+          <p:cNvGrpSpPr/>
+          <p:nvPr/>
+        </p:nvGrpSpPr>
+        <p:grpSpPr>
+          <a:xfrm>
+            <a:off x="6772034" y="2888852"/>
+            <a:ext cx="1841493" cy="2263291"/>
+            <a:chOff x="6772034" y="2888852"/>
+            <a:chExt cx="1841493" cy="2263291"/>
+          </a:xfrm>
+        </p:grpSpPr>
+        <p:sp>
+          <p:nvSpPr>
+            <p:cNvPr id="30" name="Rectangle 29"/>
+            <p:cNvSpPr/>
+            <p:nvPr/>
+          </p:nvSpPr>
+          <p:spPr>
+            <a:xfrm>
+              <a:off x="6772034" y="2888852"/>
+              <a:ext cx="1841493" cy="1733494"/>
+            </a:xfrm>
+            <a:prstGeom prst="rect">
+              <a:avLst/>
+            </a:prstGeom>
+            <a:solidFill>
+              <a:schemeClr val="bg1">
+                <a:alpha val="0"/>
+              </a:schemeClr>
+            </a:solidFill>
+            <a:ln w="57150" cmpd="sng">
               <a:solidFill>
-                <a:schemeClr val="tx2"/>
+                <a:schemeClr val="tx1"/>
               </a:solidFill>
-              <a:latin typeface="Verdana"/>
-              <a:cs typeface="Verdana"/>
-            </a:endParaRPr>
-          </a:p>
-          <a:p>
-            <a:r>
-              <a:rPr lang="en-US" sz="2400" dirty="0" smtClean="0">
-                <a:solidFill>
-                  <a:schemeClr val="tx2"/>
-                </a:solidFill>
-                <a:latin typeface="Verdana"/>
-                <a:cs typeface="Verdana"/>
-              </a:rPr>
-              <a:t>Orchestration: </a:t>
-            </a:r>
-            <a:r>
-              <a:rPr lang="en-US" sz="2400" dirty="0" smtClean="0">
-                <a:solidFill>
-                  <a:schemeClr val="tx2"/>
-                </a:solidFill>
-                <a:latin typeface="Verdana"/>
-                <a:cs typeface="Verdana"/>
-              </a:rPr>
-              <a:t>ElectricCommander</a:t>
-            </a:r>
-          </a:p>
-        </p:txBody>
-      </p:sp>
+              <a:prstDash val="sysDot"/>
+            </a:ln>
+          </p:spPr>
+          <p:style>
+            <a:lnRef idx="2">
+              <a:schemeClr val="accent1">
+                <a:shade val="50000"/>
+              </a:schemeClr>
+            </a:lnRef>
+            <a:fillRef idx="1">
+              <a:schemeClr val="accent1"/>
+            </a:fillRef>
+            <a:effectRef idx="0">
+              <a:schemeClr val="accent1"/>
+            </a:effectRef>
+            <a:fontRef idx="minor">
+              <a:schemeClr val="lt1"/>
+            </a:fontRef>
+          </p:style>
+          <p:txBody>
+            <a:bodyPr rtlCol="0" anchor="t" anchorCtr="0"/>
+            <a:lstStyle/>
+            <a:p>
+              <a:pPr algn="ctr"/>
+              <a:endParaRPr lang="en-US" sz="2400" b="1" dirty="0" smtClean="0">
+                <a:solidFill>
+                  <a:schemeClr val="tx1"/>
+                </a:solidFill>
+                <a:latin typeface="Calibri" pitchFamily="34" charset="0"/>
+                <a:cs typeface="Calibri" pitchFamily="34" charset="0"/>
+              </a:endParaRPr>
+            </a:p>
+            <a:p>
+              <a:pPr>
+                <a:buFont typeface="Arial" pitchFamily="34" charset="0"/>
+                <a:buChar char="•"/>
+              </a:pPr>
+              <a:endParaRPr lang="en-US" sz="1600" dirty="0" smtClean="0">
+                <a:solidFill>
+                  <a:schemeClr val="tx1"/>
+                </a:solidFill>
+                <a:latin typeface="Calibri" pitchFamily="34" charset="0"/>
+                <a:cs typeface="Calibri" pitchFamily="34" charset="0"/>
+              </a:endParaRPr>
+            </a:p>
+            <a:p>
+              <a:pPr>
+                <a:buFont typeface="Arial" pitchFamily="34" charset="0"/>
+                <a:buChar char="•"/>
+              </a:pPr>
+              <a:endParaRPr lang="en-US" sz="1600" dirty="0" smtClean="0">
+                <a:solidFill>
+                  <a:schemeClr val="tx1"/>
+                </a:solidFill>
+                <a:latin typeface="Calibri" pitchFamily="34" charset="0"/>
+                <a:cs typeface="Calibri" pitchFamily="34" charset="0"/>
+              </a:endParaRPr>
+            </a:p>
+            <a:p>
+              <a:pPr>
+                <a:buFont typeface="Arial" pitchFamily="34" charset="0"/>
+                <a:buChar char="•"/>
+              </a:pPr>
+              <a:endParaRPr lang="en-US" sz="1600" dirty="0" smtClean="0">
+                <a:solidFill>
+                  <a:schemeClr val="tx1"/>
+                </a:solidFill>
+                <a:latin typeface="Calibri" pitchFamily="34" charset="0"/>
+                <a:cs typeface="Calibri" pitchFamily="34" charset="0"/>
+              </a:endParaRPr>
+            </a:p>
+            <a:p>
+              <a:pPr>
+                <a:buFont typeface="Arial" pitchFamily="34" charset="0"/>
+                <a:buChar char="•"/>
+              </a:pPr>
+              <a:endParaRPr lang="en-US" sz="1600" dirty="0" smtClean="0">
+                <a:solidFill>
+                  <a:schemeClr val="tx1"/>
+                </a:solidFill>
+                <a:latin typeface="Calibri" pitchFamily="34" charset="0"/>
+                <a:cs typeface="Calibri" pitchFamily="34" charset="0"/>
+              </a:endParaRPr>
+            </a:p>
+            <a:p>
+              <a:pPr>
+                <a:buFont typeface="Arial" pitchFamily="34" charset="0"/>
+                <a:buChar char="•"/>
+              </a:pPr>
+              <a:endParaRPr lang="en-US" sz="1600" dirty="0" smtClean="0">
+                <a:solidFill>
+                  <a:schemeClr val="tx1"/>
+                </a:solidFill>
+                <a:latin typeface="Calibri" pitchFamily="34" charset="0"/>
+                <a:cs typeface="Calibri" pitchFamily="34" charset="0"/>
+              </a:endParaRPr>
+            </a:p>
+            <a:p>
+              <a:pPr>
+                <a:buFont typeface="Arial" pitchFamily="34" charset="0"/>
+                <a:buChar char="•"/>
+              </a:pPr>
+              <a:endParaRPr lang="en-US" sz="1600" dirty="0" smtClean="0">
+                <a:solidFill>
+                  <a:schemeClr val="tx1"/>
+                </a:solidFill>
+                <a:latin typeface="Calibri" pitchFamily="34" charset="0"/>
+                <a:cs typeface="Calibri" pitchFamily="34" charset="0"/>
+              </a:endParaRPr>
+            </a:p>
+            <a:p>
+              <a:pPr>
+                <a:buFont typeface="Arial" pitchFamily="34" charset="0"/>
+                <a:buChar char="•"/>
+              </a:pPr>
+              <a:endParaRPr lang="en-US" sz="1600" dirty="0" smtClean="0">
+                <a:solidFill>
+                  <a:schemeClr val="tx1"/>
+                </a:solidFill>
+                <a:latin typeface="Calibri" pitchFamily="34" charset="0"/>
+                <a:cs typeface="Calibri" pitchFamily="34" charset="0"/>
+              </a:endParaRPr>
+            </a:p>
+            <a:p>
+              <a:pPr>
+                <a:buFont typeface="Arial" pitchFamily="34" charset="0"/>
+                <a:buChar char="•"/>
+              </a:pPr>
+              <a:endParaRPr lang="en-US" sz="1600" dirty="0" smtClean="0">
+                <a:solidFill>
+                  <a:schemeClr val="tx1"/>
+                </a:solidFill>
+                <a:latin typeface="Calibri" pitchFamily="34" charset="0"/>
+                <a:cs typeface="Calibri" pitchFamily="34" charset="0"/>
+              </a:endParaRPr>
+            </a:p>
+            <a:p>
+              <a:pPr>
+                <a:buFont typeface="Arial" pitchFamily="34" charset="0"/>
+                <a:buChar char="•"/>
+              </a:pPr>
+              <a:endParaRPr lang="en-US" sz="1600" dirty="0" smtClean="0">
+                <a:solidFill>
+                  <a:schemeClr val="tx1"/>
+                </a:solidFill>
+                <a:latin typeface="Calibri" pitchFamily="34" charset="0"/>
+                <a:cs typeface="Calibri" pitchFamily="34" charset="0"/>
+              </a:endParaRPr>
+            </a:p>
+            <a:p>
+              <a:endParaRPr lang="en-US" sz="1600" dirty="0" smtClean="0">
+                <a:solidFill>
+                  <a:schemeClr val="tx1"/>
+                </a:solidFill>
+                <a:latin typeface="Calibri" pitchFamily="34" charset="0"/>
+                <a:cs typeface="Calibri" pitchFamily="34" charset="0"/>
+              </a:endParaRPr>
+            </a:p>
+            <a:p>
+              <a:endParaRPr lang="en-US" sz="1600" dirty="0" smtClean="0">
+                <a:solidFill>
+                  <a:schemeClr val="tx1"/>
+                </a:solidFill>
+                <a:latin typeface="Calibri" pitchFamily="34" charset="0"/>
+                <a:cs typeface="Calibri" pitchFamily="34" charset="0"/>
+              </a:endParaRPr>
+            </a:p>
+            <a:p>
+              <a:pPr algn="ctr"/>
+              <a:endParaRPr lang="en-US" dirty="0">
+                <a:solidFill>
+                  <a:schemeClr val="tx1"/>
+                </a:solidFill>
+                <a:latin typeface="Calibri" pitchFamily="34" charset="0"/>
+                <a:cs typeface="Calibri" pitchFamily="34" charset="0"/>
+              </a:endParaRPr>
+            </a:p>
+          </p:txBody>
+        </p:sp>
+        <p:pic>
+          <p:nvPicPr>
+            <p:cNvPr id="38" name="Picture 37"/>
+            <p:cNvPicPr>
+              <a:picLocks noChangeAspect="1"/>
+            </p:cNvPicPr>
+            <p:nvPr/>
+          </p:nvPicPr>
+          <p:blipFill>
+            <a:blip r:embed="rId8"/>
+            <a:stretch>
+              <a:fillRect/>
+            </a:stretch>
+          </p:blipFill>
+          <p:spPr>
+            <a:xfrm>
+              <a:off x="6802156" y="2909525"/>
+              <a:ext cx="1786947" cy="2242618"/>
+            </a:xfrm>
+            <a:prstGeom prst="rect">
+              <a:avLst/>
+            </a:prstGeom>
+          </p:spPr>
+        </p:pic>
+      </p:grpSp>
     </p:spTree>
     <p:extLst>
       <p:ext uri="{BB962C8B-B14F-4D97-AF65-F5344CB8AC3E}">
-        <p14:creationId xmlns:p14="http://schemas.microsoft.com/office/powerpoint/2010/main" val="2697353015"/>
+        <p14:creationId xmlns:p14="http://schemas.microsoft.com/office/powerpoint/2010/main" val="2823287887"/>
       </p:ext>
     </p:extLst>
   </p:cSld>
   <p:clrMapOvr>
     <a:masterClrMapping/>
   </p:clrMapOvr>
-  <mc:AlternateContent xmlns:mc="http://schemas.openxmlformats.org/markup-compatibility/2006">
-    <mc:Choice xmlns:p14="http://schemas.microsoft.com/office/powerpoint/2010/main" Requires="p14">
+  <mc:AlternateContent xmlns:mc="http://schemas.openxmlformats.org/markup-compatibility/2006" xmlns:p14="http://schemas.microsoft.com/office/powerpoint/2010/main">
+    <mc:Choice Requires="p14">
       <p:transition spd="slow" p14:dur="2000"/>
     </mc:Choice>
-    <mc:Fallback>
+    <mc:Fallback xmlns="">
       <p:transition xmlns:p14="http://schemas.microsoft.com/office/powerpoint/2010/main" spd="slow"/>
     </mc:Fallback>
   </mc:AlternateContent>
   <p:timing>
     <p:tnLst>
       <p:par>
-        <p:cTn xmlns:p14="http://schemas.microsoft.com/office/powerpoint/2010/main" id="1" dur="indefinite" restart="never" nodeType="tmRoot"/>
+        <p:cTn xmlns:p14="http://schemas.microsoft.com/office/powerpoint/2010/main" id="1" dur="indefinite" restart="never" nodeType="tmRoot">
+          <p:childTnLst>
+            <p:seq concurrent="1" nextAc="seek">
+              <p:cTn id="2" dur="indefinite" nodeType="mainSeq">
+                <p:childTnLst>
+                  <p:par>
+                    <p:cTn id="3" fill="hold">
+                      <p:stCondLst>
+                        <p:cond delay="indefinite"/>
+                      </p:stCondLst>
+                      <p:childTnLst>
+                        <p:par>
+                          <p:cTn id="4" fill="hold">
+                            <p:stCondLst>
+                              <p:cond delay="0"/>
+                            </p:stCondLst>
+                            <p:childTnLst>
+                              <p:par>
+                                <p:cTn id="5" presetID="1" presetClass="entr" presetSubtype="0" fill="hold" nodeType="clickEffect">
+                                  <p:stCondLst>
+                                    <p:cond delay="0"/>
+                                  </p:stCondLst>
+                                  <p:childTnLst>
+                                    <p:set>
+                                      <p:cBhvr>
+                                        <p:cTn id="6" dur="1" fill="hold">
+                                          <p:stCondLst>
+                                            <p:cond delay="0"/>
+                                          </p:stCondLst>
+                                        </p:cTn>
+                                        <p:tgtEl>
+                                          <p:spTgt spid="3"/>
+                                        </p:tgtEl>
+                                        <p:attrNameLst>
+                                          <p:attrName>style.visibility</p:attrName>
+                                        </p:attrNameLst>
+                                      </p:cBhvr>
+                                      <p:to>
+                                        <p:strVal val="visible"/>
+                                      </p:to>
+                                    </p:set>
+                                  </p:childTnLst>
+                                </p:cTn>
+                              </p:par>
+                            </p:childTnLst>
+                          </p:cTn>
+                        </p:par>
+                      </p:childTnLst>
+                    </p:cTn>
+                  </p:par>
+                </p:childTnLst>
+              </p:cTn>
+              <p:prevCondLst>
+                <p:cond evt="onPrev" delay="0">
+                  <p:tgtEl>
+                    <p:sldTgt/>
+                  </p:tgtEl>
+                </p:cond>
+              </p:prevCondLst>
+              <p:nextCondLst>
+                <p:cond evt="onNext" delay="0">
+                  <p:tgtEl>
+                    <p:sldTgt/>
+                  </p:tgtEl>
+                </p:cond>
+              </p:nextCondLst>
+            </p:seq>
+          </p:childTnLst>
+        </p:cTn>
       </p:par>
     </p:tnLst>
   </p:timing>
@@ -7533,7 +8742,7 @@
         </p:nvSpPr>
         <p:spPr>
           <a:xfrm>
-            <a:off x="310891" y="155701"/>
+            <a:off x="225407" y="155701"/>
             <a:ext cx="8375909" cy="767329"/>
           </a:xfrm>
         </p:spPr>
@@ -7546,7 +8755,7 @@
                 <a:latin typeface="Verdana"/>
                 <a:cs typeface="Verdana"/>
               </a:rPr>
-              <a:t>Developer pipeline</a:t>
+              <a:t>Development pipeline</a:t>
             </a:r>
             <a:endParaRPr lang="en-US" sz="3200" dirty="0">
               <a:latin typeface="Verdana"/>
@@ -7555,184 +8764,190 @@
           </a:p>
         </p:txBody>
       </p:sp>
-      <p:pic>
-        <p:nvPicPr>
-          <p:cNvPr id="4" name="Picture 3" descr="Screen Shot 2014-06-08 at 3.35.16 PM.png"/>
-          <p:cNvPicPr>
-            <a:picLocks noChangeAspect="1"/>
-          </p:cNvPicPr>
+      <p:sp>
+        <p:nvSpPr>
+          <p:cNvPr id="9" name="Rectangle 8"/>
+          <p:cNvSpPr/>
           <p:nvPr/>
-        </p:nvPicPr>
-        <p:blipFill>
-          <a:blip r:embed="rId2">
-            <a:extLst>
-              <a:ext uri="{28A0092B-C50C-407E-A947-70E740481C1C}">
-                <a14:useLocalDpi xmlns:a14="http://schemas.microsoft.com/office/drawing/2010/main" val="0"/>
-              </a:ext>
-            </a:extLst>
-          </a:blip>
-          <a:stretch>
-            <a:fillRect/>
-          </a:stretch>
-        </p:blipFill>
+        </p:nvSpPr>
         <p:spPr>
           <a:xfrm>
-            <a:off x="3700313" y="1062356"/>
-            <a:ext cx="3812287" cy="5225014"/>
+            <a:off x="2796629" y="1162021"/>
+            <a:ext cx="3456096" cy="5545615"/>
           </a:xfrm>
           <a:prstGeom prst="rect">
             <a:avLst/>
           </a:prstGeom>
+          <a:solidFill>
+            <a:schemeClr val="bg1">
+              <a:alpha val="0"/>
+            </a:schemeClr>
+          </a:solidFill>
+          <a:ln>
+            <a:prstDash val="dash"/>
+          </a:ln>
         </p:spPr>
-      </p:pic>
-      <p:pic>
-        <p:nvPicPr>
-          <p:cNvPr id="39" name="Picture 38"/>
-          <p:cNvPicPr>
-            <a:picLocks noChangeAspect="1"/>
-          </p:cNvPicPr>
-          <p:nvPr/>
-        </p:nvPicPr>
-        <p:blipFill>
-          <a:blip r:embed="rId3"/>
-          <a:stretch>
-            <a:fillRect/>
-          </a:stretch>
-        </p:blipFill>
-        <p:spPr>
-          <a:xfrm>
-            <a:off x="5556570" y="3383409"/>
-            <a:ext cx="1477695" cy="475239"/>
-          </a:xfrm>
-          <a:prstGeom prst="rect">
-            <a:avLst/>
-          </a:prstGeom>
-        </p:spPr>
-      </p:pic>
-      <p:pic>
-        <p:nvPicPr>
-          <p:cNvPr id="53" name="Picture 52" descr="Screen Shot 2014-06-08 at 3.38.05 PM.png"/>
-          <p:cNvPicPr>
-            <a:picLocks noChangeAspect="1"/>
-          </p:cNvPicPr>
-          <p:nvPr/>
-        </p:nvPicPr>
-        <p:blipFill>
-          <a:blip r:embed="rId4">
-            <a:extLst>
-              <a:ext uri="{28A0092B-C50C-407E-A947-70E740481C1C}">
-                <a14:useLocalDpi xmlns:a14="http://schemas.microsoft.com/office/drawing/2010/main" val="0"/>
-              </a:ext>
-            </a:extLst>
-          </a:blip>
-          <a:stretch>
-            <a:fillRect/>
-          </a:stretch>
-        </p:blipFill>
-        <p:spPr>
-          <a:xfrm>
-            <a:off x="5556570" y="2162269"/>
-            <a:ext cx="1367784" cy="528782"/>
-          </a:xfrm>
-          <a:prstGeom prst="rect">
-            <a:avLst/>
-          </a:prstGeom>
-        </p:spPr>
-      </p:pic>
-      <p:pic>
-        <p:nvPicPr>
-          <p:cNvPr id="60" name="Picture 59"/>
-          <p:cNvPicPr>
-            <a:picLocks noChangeAspect="1"/>
-          </p:cNvPicPr>
-          <p:nvPr/>
-        </p:nvPicPr>
-        <p:blipFill>
-          <a:blip r:embed="rId5"/>
-          <a:stretch>
-            <a:fillRect/>
-          </a:stretch>
-        </p:blipFill>
-        <p:spPr>
-          <a:xfrm>
-            <a:off x="5580994" y="4514485"/>
-            <a:ext cx="1575393" cy="535848"/>
-          </a:xfrm>
-          <a:prstGeom prst="rect">
-            <a:avLst/>
-          </a:prstGeom>
-        </p:spPr>
-      </p:pic>
-      <p:pic>
-        <p:nvPicPr>
-          <p:cNvPr id="61" name="Picture 60"/>
-          <p:cNvPicPr>
-            <a:picLocks noChangeAspect="1"/>
-          </p:cNvPicPr>
-          <p:nvPr/>
-        </p:nvPicPr>
-        <p:blipFill>
-          <a:blip r:embed="rId6"/>
-          <a:stretch>
-            <a:fillRect/>
-          </a:stretch>
-        </p:blipFill>
-        <p:spPr>
-          <a:xfrm>
-            <a:off x="6930458" y="5687236"/>
-            <a:ext cx="427433" cy="427433"/>
-          </a:xfrm>
-          <a:prstGeom prst="rect">
-            <a:avLst/>
-          </a:prstGeom>
-        </p:spPr>
-      </p:pic>
-      <p:sp>
-        <p:nvSpPr>
-          <p:cNvPr id="62" name="TextBox 61"/>
-          <p:cNvSpPr txBox="1"/>
-          <p:nvPr/>
-        </p:nvSpPr>
-        <p:spPr>
-          <a:xfrm>
-            <a:off x="5568795" y="5699447"/>
-            <a:ext cx="1833886" cy="369332"/>
-          </a:xfrm>
-          <a:prstGeom prst="rect">
-            <a:avLst/>
-          </a:prstGeom>
-          <a:noFill/>
-        </p:spPr>
+        <p:style>
+          <a:lnRef idx="2">
+            <a:schemeClr val="accent1">
+              <a:shade val="50000"/>
+            </a:schemeClr>
+          </a:lnRef>
+          <a:fillRef idx="1">
+            <a:schemeClr val="accent1"/>
+          </a:fillRef>
+          <a:effectRef idx="0">
+            <a:schemeClr val="accent1"/>
+          </a:effectRef>
+          <a:fontRef idx="minor">
+            <a:schemeClr val="lt1"/>
+          </a:fontRef>
+        </p:style>
         <p:txBody>
-          <a:bodyPr wrap="square" rtlCol="0">
-            <a:spAutoFit/>
-          </a:bodyPr>
+          <a:bodyPr rtlCol="0" anchor="t" anchorCtr="0"/>
           <a:lstStyle/>
           <a:p>
-            <a:r>
-              <a:rPr lang="en-US" dirty="0" smtClean="0">
-                <a:latin typeface="Calibri"/>
-                <a:cs typeface="Calibri"/>
-              </a:rPr>
-              <a:t>ReviewBoard</a:t>
-            </a:r>
+            <a:pPr algn="ctr"/>
             <a:endParaRPr lang="en-US" dirty="0">
-              <a:latin typeface="Calibri"/>
-              <a:cs typeface="Calibri"/>
+              <a:solidFill>
+                <a:schemeClr val="tx1"/>
+              </a:solidFill>
+              <a:latin typeface="Calibri" pitchFamily="34" charset="0"/>
+              <a:cs typeface="Calibri" pitchFamily="34" charset="0"/>
             </a:endParaRPr>
           </a:p>
         </p:txBody>
       </p:sp>
       <p:sp>
         <p:nvSpPr>
-          <p:cNvPr id="101" name="Rectangle 100"/>
+          <p:cNvPr id="5" name="Footer Placeholder 4"/>
+          <p:cNvSpPr>
+            <a:spLocks noGrp="1"/>
+          </p:cNvSpPr>
+          <p:nvPr>
+            <p:ph type="ftr" sz="quarter" idx="11"/>
+          </p:nvPr>
+        </p:nvSpPr>
+        <p:spPr/>
+        <p:txBody>
+          <a:bodyPr/>
+          <a:lstStyle/>
+          <a:p>
+            <a:pPr>
+              <a:defRPr/>
+            </a:pPr>
+            <a:r>
+              <a:rPr lang="en-US" smtClean="0"/>
+              <a:t>Electric Cloud Proprietary &amp; Confidential.</a:t>
+            </a:r>
+            <a:endParaRPr lang="en-US" dirty="0"/>
+          </a:p>
+        </p:txBody>
+      </p:sp>
+      <p:sp>
+        <p:nvSpPr>
+          <p:cNvPr id="6" name="Slide Number Placeholder 5"/>
+          <p:cNvSpPr>
+            <a:spLocks noGrp="1"/>
+          </p:cNvSpPr>
+          <p:nvPr>
+            <p:ph type="sldNum" sz="quarter" idx="12"/>
+          </p:nvPr>
+        </p:nvSpPr>
+        <p:spPr>
+          <a:xfrm>
+            <a:off x="4411189" y="6391392"/>
+            <a:ext cx="2133600" cy="365125"/>
+          </a:xfrm>
+        </p:spPr>
+        <p:txBody>
+          <a:bodyPr/>
+          <a:lstStyle/>
+          <a:p>
+            <a:pPr>
+              <a:defRPr/>
+            </a:pPr>
+            <a:fld id="{0D894B3F-36D5-4FF0-B589-69A3591E9365}" type="slidenum">
+              <a:rPr lang="en-US" smtClean="0"/>
+              <a:pPr>
+                <a:defRPr/>
+              </a:pPr>
+              <a:t>3</a:t>
+            </a:fld>
+            <a:endParaRPr lang="en-US" dirty="0"/>
+          </a:p>
+        </p:txBody>
+      </p:sp>
+      <p:sp>
+        <p:nvSpPr>
+          <p:cNvPr id="8" name="Rectangle 7"/>
           <p:cNvSpPr/>
           <p:nvPr/>
         </p:nvSpPr>
         <p:spPr>
           <a:xfrm>
-            <a:off x="1226429" y="1435029"/>
-            <a:ext cx="1727101" cy="5095591"/>
+            <a:off x="6346099" y="1162021"/>
+            <a:ext cx="1822633" cy="5535757"/>
+          </a:xfrm>
+          <a:prstGeom prst="rect">
+            <a:avLst/>
+          </a:prstGeom>
+          <a:solidFill>
+            <a:schemeClr val="bg1">
+              <a:alpha val="0"/>
+            </a:schemeClr>
+          </a:solidFill>
+          <a:ln>
+            <a:solidFill>
+              <a:schemeClr val="accent2"/>
+            </a:solidFill>
+            <a:prstDash val="dash"/>
+          </a:ln>
+        </p:spPr>
+        <p:style>
+          <a:lnRef idx="2">
+            <a:schemeClr val="accent1">
+              <a:shade val="50000"/>
+            </a:schemeClr>
+          </a:lnRef>
+          <a:fillRef idx="1">
+            <a:schemeClr val="accent1"/>
+          </a:fillRef>
+          <a:effectRef idx="0">
+            <a:schemeClr val="accent1"/>
+          </a:effectRef>
+          <a:fontRef idx="minor">
+            <a:schemeClr val="lt1"/>
+          </a:fontRef>
+        </p:style>
+        <p:txBody>
+          <a:bodyPr rtlCol="0" anchor="t" anchorCtr="0"/>
+          <a:lstStyle/>
+          <a:p>
+            <a:pPr algn="ctr"/>
+            <a:r>
+              <a:rPr lang="en-US" sz="2000" dirty="0" smtClean="0">
+                <a:solidFill>
+                  <a:schemeClr val="tx1"/>
+                </a:solidFill>
+                <a:latin typeface="Calibri" pitchFamily="34" charset="0"/>
+                <a:cs typeface="Calibri" pitchFamily="34" charset="0"/>
+              </a:rPr>
+              <a:t>Reviewer</a:t>
+            </a:r>
+          </a:p>
+        </p:txBody>
+      </p:sp>
+      <p:sp>
+        <p:nvSpPr>
+          <p:cNvPr id="10" name="Rectangle 9"/>
+          <p:cNvSpPr/>
+          <p:nvPr/>
+        </p:nvSpPr>
+        <p:spPr>
+          <a:xfrm>
+            <a:off x="981685" y="1171636"/>
+            <a:ext cx="1727101" cy="5536000"/>
           </a:xfrm>
           <a:prstGeom prst="rect">
             <a:avLst/>
@@ -7794,13 +9009,13 @@
       </p:sp>
       <p:sp>
         <p:nvSpPr>
-          <p:cNvPr id="104" name="Rounded Rectangle 103"/>
+          <p:cNvPr id="12" name="Rounded Rectangle 11"/>
           <p:cNvSpPr/>
           <p:nvPr/>
         </p:nvSpPr>
         <p:spPr>
           <a:xfrm>
-            <a:off x="1368117" y="2085142"/>
+            <a:off x="1123373" y="1724874"/>
             <a:ext cx="1382766" cy="838200"/>
           </a:xfrm>
           <a:prstGeom prst="roundRect">
@@ -7846,7 +9061,7 @@
                 <a:latin typeface="Calibri" pitchFamily="34" charset="0"/>
                 <a:cs typeface="Calibri" pitchFamily="34" charset="0"/>
               </a:rPr>
-              <a:t>Terminal/IDE</a:t>
+              <a:t>Shell/IDE</a:t>
             </a:r>
           </a:p>
           <a:p>
@@ -7871,15 +9086,513 @@
           </a:p>
         </p:txBody>
       </p:sp>
+      <p:grpSp>
+        <p:nvGrpSpPr>
+          <p:cNvPr id="20" name="Group 19"/>
+          <p:cNvGrpSpPr/>
+          <p:nvPr/>
+        </p:nvGrpSpPr>
+        <p:grpSpPr>
+          <a:xfrm>
+            <a:off x="4688770" y="1724874"/>
+            <a:ext cx="1383774" cy="838200"/>
+            <a:chOff x="4637365" y="3163692"/>
+            <a:chExt cx="1643886" cy="838200"/>
+          </a:xfrm>
+        </p:grpSpPr>
+        <p:sp>
+          <p:nvSpPr>
+            <p:cNvPr id="21" name="Rounded Rectangle 20"/>
+            <p:cNvSpPr/>
+            <p:nvPr/>
+          </p:nvSpPr>
+          <p:spPr>
+            <a:xfrm>
+              <a:off x="4637365" y="3163692"/>
+              <a:ext cx="1643886" cy="838200"/>
+            </a:xfrm>
+            <a:prstGeom prst="roundRect">
+              <a:avLst/>
+            </a:prstGeom>
+            <a:solidFill>
+              <a:schemeClr val="bg1"/>
+            </a:solidFill>
+            <a:ln>
+              <a:solidFill>
+                <a:schemeClr val="tx2">
+                  <a:lumMod val="75000"/>
+                </a:schemeClr>
+              </a:solidFill>
+            </a:ln>
+          </p:spPr>
+          <p:style>
+            <a:lnRef idx="2">
+              <a:schemeClr val="accent1">
+                <a:shade val="50000"/>
+              </a:schemeClr>
+            </a:lnRef>
+            <a:fillRef idx="1">
+              <a:schemeClr val="accent1"/>
+            </a:fillRef>
+            <a:effectRef idx="0">
+              <a:schemeClr val="accent1"/>
+            </a:effectRef>
+            <a:fontRef idx="minor">
+              <a:schemeClr val="lt1"/>
+            </a:fontRef>
+          </p:style>
+          <p:txBody>
+            <a:bodyPr rtlCol="0" anchor="t" anchorCtr="0"/>
+            <a:lstStyle/>
+            <a:p>
+              <a:pPr algn="ctr"/>
+              <a:r>
+                <a:rPr lang="en-US" sz="1400" dirty="0" smtClean="0">
+                  <a:solidFill>
+                    <a:srgbClr val="C00000"/>
+                  </a:solidFill>
+                  <a:latin typeface="Calibri" pitchFamily="34" charset="0"/>
+                  <a:cs typeface="Calibri" pitchFamily="34" charset="0"/>
+                </a:rPr>
+                <a:t>Jenkins</a:t>
+              </a:r>
+            </a:p>
+            <a:p>
+              <a:pPr algn="ctr"/>
+              <a:r>
+                <a:rPr lang="en-US" sz="1200" dirty="0" smtClean="0">
+                  <a:solidFill>
+                    <a:schemeClr val="tx1"/>
+                  </a:solidFill>
+                  <a:latin typeface="Calibri" pitchFamily="34" charset="0"/>
+                  <a:cs typeface="Calibri" pitchFamily="34" charset="0"/>
+                </a:rPr>
+                <a:t>Launch build + test w/ sources</a:t>
+              </a:r>
+              <a:endParaRPr lang="en-US" sz="1200" dirty="0">
+                <a:solidFill>
+                  <a:srgbClr val="C00000"/>
+                </a:solidFill>
+                <a:latin typeface="Calibri" pitchFamily="34" charset="0"/>
+                <a:cs typeface="Calibri" pitchFamily="34" charset="0"/>
+              </a:endParaRPr>
+            </a:p>
+          </p:txBody>
+        </p:sp>
+        <p:pic>
+          <p:nvPicPr>
+            <p:cNvPr id="22" name="Picture 3" descr="D:\My Documents\ppt\jenkins_logo.png"/>
+            <p:cNvPicPr>
+              <a:picLocks noChangeAspect="1" noChangeArrowheads="1"/>
+            </p:cNvPicPr>
+            <p:nvPr/>
+          </p:nvPicPr>
+          <p:blipFill>
+            <a:blip r:embed="rId2" cstate="screen">
+              <a:extLst>
+                <a:ext uri="{28A0092B-C50C-407E-A947-70E740481C1C}">
+                  <a14:useLocalDpi xmlns:a14="http://schemas.microsoft.com/office/drawing/2010/main"/>
+                </a:ext>
+              </a:extLst>
+            </a:blip>
+            <a:srcRect/>
+            <a:stretch>
+              <a:fillRect/>
+            </a:stretch>
+          </p:blipFill>
+          <p:spPr bwMode="auto">
+            <a:xfrm>
+              <a:off x="4642327" y="3218122"/>
+              <a:ext cx="365856" cy="274320"/>
+            </a:xfrm>
+            <a:prstGeom prst="rect">
+              <a:avLst/>
+            </a:prstGeom>
+            <a:noFill/>
+          </p:spPr>
+        </p:pic>
+      </p:grpSp>
+      <p:grpSp>
+        <p:nvGrpSpPr>
+          <p:cNvPr id="26" name="Group 25"/>
+          <p:cNvGrpSpPr/>
+          <p:nvPr/>
+        </p:nvGrpSpPr>
+        <p:grpSpPr>
+          <a:xfrm>
+            <a:off x="3788817" y="4424237"/>
+            <a:ext cx="1386993" cy="838200"/>
+            <a:chOff x="4656011" y="4599814"/>
+            <a:chExt cx="1643886" cy="838200"/>
+          </a:xfrm>
+        </p:grpSpPr>
+        <p:sp>
+          <p:nvSpPr>
+            <p:cNvPr id="27" name="Rounded Rectangle 26"/>
+            <p:cNvSpPr/>
+            <p:nvPr/>
+          </p:nvSpPr>
+          <p:spPr>
+            <a:xfrm>
+              <a:off x="4656011" y="4599814"/>
+              <a:ext cx="1643886" cy="838200"/>
+            </a:xfrm>
+            <a:prstGeom prst="roundRect">
+              <a:avLst/>
+            </a:prstGeom>
+            <a:solidFill>
+              <a:schemeClr val="bg1"/>
+            </a:solidFill>
+            <a:ln>
+              <a:solidFill>
+                <a:schemeClr val="tx2">
+                  <a:lumMod val="75000"/>
+                </a:schemeClr>
+              </a:solidFill>
+            </a:ln>
+          </p:spPr>
+          <p:style>
+            <a:lnRef idx="2">
+              <a:schemeClr val="accent1">
+                <a:shade val="50000"/>
+              </a:schemeClr>
+            </a:lnRef>
+            <a:fillRef idx="1">
+              <a:schemeClr val="accent1"/>
+            </a:fillRef>
+            <a:effectRef idx="0">
+              <a:schemeClr val="accent1"/>
+            </a:effectRef>
+            <a:fontRef idx="minor">
+              <a:schemeClr val="lt1"/>
+            </a:fontRef>
+          </p:style>
+          <p:txBody>
+            <a:bodyPr rtlCol="0" anchor="t" anchorCtr="0"/>
+            <a:lstStyle/>
+            <a:p>
+              <a:pPr algn="ctr"/>
+              <a:r>
+                <a:rPr lang="en-US" sz="1400" dirty="0" smtClean="0">
+                  <a:solidFill>
+                    <a:srgbClr val="C00000"/>
+                  </a:solidFill>
+                  <a:latin typeface="Calibri" pitchFamily="34" charset="0"/>
+                  <a:cs typeface="Calibri" pitchFamily="34" charset="0"/>
+                </a:rPr>
+                <a:t>ReviewBoard</a:t>
+              </a:r>
+            </a:p>
+            <a:p>
+              <a:pPr algn="ctr"/>
+              <a:r>
+                <a:rPr lang="en-US" sz="1200" dirty="0" smtClean="0">
+                  <a:solidFill>
+                    <a:schemeClr val="tx1"/>
+                  </a:solidFill>
+                  <a:latin typeface="Calibri" pitchFamily="34" charset="0"/>
+                  <a:cs typeface="Calibri" pitchFamily="34" charset="0"/>
+                </a:rPr>
+                <a:t>Create review</a:t>
+              </a:r>
+            </a:p>
+            <a:p>
+              <a:pPr algn="ctr"/>
+              <a:r>
+                <a:rPr lang="en-US" sz="1200" dirty="0" smtClean="0">
+                  <a:solidFill>
+                    <a:schemeClr val="tx1"/>
+                  </a:solidFill>
+                  <a:latin typeface="Calibri" pitchFamily="34" charset="0"/>
+                  <a:cs typeface="Calibri" pitchFamily="34" charset="0"/>
+                </a:rPr>
+                <a:t>request</a:t>
+              </a:r>
+              <a:endParaRPr lang="en-US" sz="1200" dirty="0">
+                <a:solidFill>
+                  <a:srgbClr val="C00000"/>
+                </a:solidFill>
+                <a:latin typeface="Calibri" pitchFamily="34" charset="0"/>
+                <a:cs typeface="Calibri" pitchFamily="34" charset="0"/>
+              </a:endParaRPr>
+            </a:p>
+          </p:txBody>
+        </p:sp>
+        <p:pic>
+          <p:nvPicPr>
+            <p:cNvPr id="28" name="Picture 2" descr="D:\My Documents\ppt\logo_large.png"/>
+            <p:cNvPicPr>
+              <a:picLocks noChangeAspect="1" noChangeArrowheads="1"/>
+            </p:cNvPicPr>
+            <p:nvPr/>
+          </p:nvPicPr>
+          <p:blipFill>
+            <a:blip r:embed="rId3" cstate="screen">
+              <a:extLst>
+                <a:ext uri="{28A0092B-C50C-407E-A947-70E740481C1C}">
+                  <a14:useLocalDpi xmlns:a14="http://schemas.microsoft.com/office/drawing/2010/main"/>
+                </a:ext>
+              </a:extLst>
+            </a:blip>
+            <a:srcRect/>
+            <a:stretch>
+              <a:fillRect/>
+            </a:stretch>
+          </p:blipFill>
+          <p:spPr bwMode="auto">
+            <a:xfrm>
+              <a:off x="4684367" y="5140390"/>
+              <a:ext cx="365856" cy="274321"/>
+            </a:xfrm>
+            <a:prstGeom prst="rect">
+              <a:avLst/>
+            </a:prstGeom>
+            <a:noFill/>
+          </p:spPr>
+        </p:pic>
+      </p:grpSp>
+      <p:cxnSp>
+        <p:nvCxnSpPr>
+          <p:cNvPr id="35" name="Straight Arrow Connector 34"/>
+          <p:cNvCxnSpPr>
+            <a:stCxn id="12" idx="3"/>
+            <a:endCxn id="15" idx="1"/>
+          </p:cNvCxnSpPr>
+          <p:nvPr/>
+        </p:nvCxnSpPr>
+        <p:spPr>
+          <a:xfrm>
+            <a:off x="2506139" y="2143974"/>
+            <a:ext cx="469456" cy="0"/>
+          </a:xfrm>
+          <a:prstGeom prst="straightConnector1">
+            <a:avLst/>
+          </a:prstGeom>
+          <a:ln>
+            <a:solidFill>
+              <a:srgbClr val="FF0000"/>
+            </a:solidFill>
+            <a:tailEnd type="arrow"/>
+          </a:ln>
+        </p:spPr>
+        <p:style>
+          <a:lnRef idx="2">
+            <a:schemeClr val="accent1"/>
+          </a:lnRef>
+          <a:fillRef idx="0">
+            <a:schemeClr val="accent1"/>
+          </a:fillRef>
+          <a:effectRef idx="1">
+            <a:schemeClr val="accent1"/>
+          </a:effectRef>
+          <a:fontRef idx="minor">
+            <a:schemeClr val="tx1"/>
+          </a:fontRef>
+        </p:style>
+      </p:cxnSp>
+      <p:cxnSp>
+        <p:nvCxnSpPr>
+          <p:cNvPr id="37" name="Straight Arrow Connector 36"/>
+          <p:cNvCxnSpPr>
+            <a:endCxn id="21" idx="1"/>
+          </p:cNvCxnSpPr>
+          <p:nvPr/>
+        </p:nvCxnSpPr>
+        <p:spPr>
+          <a:xfrm flipV="1">
+            <a:off x="4359404" y="2143974"/>
+            <a:ext cx="329366" cy="2530"/>
+          </a:xfrm>
+          <a:prstGeom prst="straightConnector1">
+            <a:avLst/>
+          </a:prstGeom>
+          <a:ln>
+            <a:solidFill>
+              <a:srgbClr val="FF0000"/>
+            </a:solidFill>
+            <a:tailEnd type="arrow"/>
+          </a:ln>
+        </p:spPr>
+        <p:style>
+          <a:lnRef idx="2">
+            <a:schemeClr val="accent1"/>
+          </a:lnRef>
+          <a:fillRef idx="0">
+            <a:schemeClr val="accent1"/>
+          </a:fillRef>
+          <a:effectRef idx="1">
+            <a:schemeClr val="accent1"/>
+          </a:effectRef>
+          <a:fontRef idx="minor">
+            <a:schemeClr val="tx1"/>
+          </a:fontRef>
+        </p:style>
+      </p:cxnSp>
+      <p:cxnSp>
+        <p:nvCxnSpPr>
+          <p:cNvPr id="38" name="Straight Arrow Connector 37"/>
+          <p:cNvCxnSpPr>
+            <a:stCxn id="21" idx="2"/>
+            <a:endCxn id="46" idx="0"/>
+          </p:cNvCxnSpPr>
+          <p:nvPr/>
+        </p:nvCxnSpPr>
+        <p:spPr>
+          <a:xfrm flipH="1">
+            <a:off x="5377106" y="2563074"/>
+            <a:ext cx="3551" cy="356706"/>
+          </a:xfrm>
+          <a:prstGeom prst="straightConnector1">
+            <a:avLst/>
+          </a:prstGeom>
+          <a:ln>
+            <a:solidFill>
+              <a:srgbClr val="FF0000"/>
+            </a:solidFill>
+            <a:tailEnd type="arrow"/>
+          </a:ln>
+        </p:spPr>
+        <p:style>
+          <a:lnRef idx="2">
+            <a:schemeClr val="accent1"/>
+          </a:lnRef>
+          <a:fillRef idx="0">
+            <a:schemeClr val="accent1"/>
+          </a:fillRef>
+          <a:effectRef idx="1">
+            <a:schemeClr val="accent1"/>
+          </a:effectRef>
+          <a:fontRef idx="minor">
+            <a:schemeClr val="tx1"/>
+          </a:fontRef>
+        </p:style>
+      </p:cxnSp>
+      <p:cxnSp>
+        <p:nvCxnSpPr>
+          <p:cNvPr id="41" name="Straight Arrow Connector 40"/>
+          <p:cNvCxnSpPr>
+            <a:stCxn id="33" idx="2"/>
+            <a:endCxn id="49" idx="3"/>
+          </p:cNvCxnSpPr>
+          <p:nvPr/>
+        </p:nvCxnSpPr>
+        <p:spPr>
+          <a:xfrm rot="5400000">
+            <a:off x="6180213" y="4911280"/>
+            <a:ext cx="137226" cy="2075132"/>
+          </a:xfrm>
+          <a:prstGeom prst="bentConnector2">
+            <a:avLst/>
+          </a:prstGeom>
+          <a:ln>
+            <a:solidFill>
+              <a:srgbClr val="FF0000"/>
+            </a:solidFill>
+            <a:tailEnd type="arrow"/>
+          </a:ln>
+        </p:spPr>
+        <p:style>
+          <a:lnRef idx="2">
+            <a:schemeClr val="accent1"/>
+          </a:lnRef>
+          <a:fillRef idx="0">
+            <a:schemeClr val="accent1"/>
+          </a:fillRef>
+          <a:effectRef idx="1">
+            <a:schemeClr val="accent1"/>
+          </a:effectRef>
+          <a:fontRef idx="minor">
+            <a:schemeClr val="tx1"/>
+          </a:fontRef>
+        </p:style>
+      </p:cxnSp>
+      <p:cxnSp>
+        <p:nvCxnSpPr>
+          <p:cNvPr id="42" name="Straight Arrow Connector 41"/>
+          <p:cNvCxnSpPr>
+            <a:stCxn id="49" idx="1"/>
+            <a:endCxn id="55" idx="3"/>
+          </p:cNvCxnSpPr>
+          <p:nvPr/>
+        </p:nvCxnSpPr>
+        <p:spPr>
+          <a:xfrm flipH="1">
+            <a:off x="2506139" y="6017459"/>
+            <a:ext cx="1328515" cy="8935"/>
+          </a:xfrm>
+          <a:prstGeom prst="straightConnector1">
+            <a:avLst/>
+          </a:prstGeom>
+          <a:ln>
+            <a:solidFill>
+              <a:srgbClr val="FF0000"/>
+            </a:solidFill>
+            <a:tailEnd type="arrow"/>
+          </a:ln>
+        </p:spPr>
+        <p:style>
+          <a:lnRef idx="2">
+            <a:schemeClr val="accent1"/>
+          </a:lnRef>
+          <a:fillRef idx="0">
+            <a:schemeClr val="accent1"/>
+          </a:fillRef>
+          <a:effectRef idx="1">
+            <a:schemeClr val="accent1"/>
+          </a:effectRef>
+          <a:fontRef idx="minor">
+            <a:schemeClr val="tx1"/>
+          </a:fontRef>
+        </p:style>
+      </p:cxnSp>
+      <p:cxnSp>
+        <p:nvCxnSpPr>
+          <p:cNvPr id="44" name="Straight Arrow Connector 43"/>
+          <p:cNvCxnSpPr>
+            <a:stCxn id="27" idx="3"/>
+            <a:endCxn id="33" idx="0"/>
+          </p:cNvCxnSpPr>
+          <p:nvPr/>
+        </p:nvCxnSpPr>
+        <p:spPr>
+          <a:xfrm>
+            <a:off x="5175810" y="4843337"/>
+            <a:ext cx="2110582" cy="198696"/>
+          </a:xfrm>
+          <a:prstGeom prst="bentConnector2">
+            <a:avLst/>
+          </a:prstGeom>
+          <a:ln>
+            <a:solidFill>
+              <a:srgbClr val="FF0000"/>
+            </a:solidFill>
+            <a:tailEnd type="arrow"/>
+          </a:ln>
+        </p:spPr>
+        <p:style>
+          <a:lnRef idx="2">
+            <a:schemeClr val="accent1"/>
+          </a:lnRef>
+          <a:fillRef idx="0">
+            <a:schemeClr val="accent1"/>
+          </a:fillRef>
+          <a:effectRef idx="1">
+            <a:schemeClr val="accent1"/>
+          </a:effectRef>
+          <a:fontRef idx="minor">
+            <a:schemeClr val="tx1"/>
+          </a:fontRef>
+        </p:style>
+      </p:cxnSp>
       <p:sp>
         <p:nvSpPr>
-          <p:cNvPr id="111" name="Rounded Rectangle 110"/>
+          <p:cNvPr id="55" name="Rounded Rectangle 54"/>
           <p:cNvSpPr/>
           <p:nvPr/>
         </p:nvSpPr>
         <p:spPr>
           <a:xfrm>
-            <a:off x="1368117" y="5479122"/>
+            <a:off x="1123373" y="5607294"/>
             <a:ext cx="1382766" cy="838200"/>
           </a:xfrm>
           <a:prstGeom prst="roundRect">
@@ -7925,7 +9638,7 @@
                 <a:latin typeface="Calibri" pitchFamily="34" charset="0"/>
                 <a:cs typeface="Calibri" pitchFamily="34" charset="0"/>
               </a:rPr>
-              <a:t>Terminal/IDE</a:t>
+              <a:t>Shell/IDE</a:t>
             </a:r>
           </a:p>
           <a:p>
@@ -7950,19 +9663,469 @@
           </a:p>
         </p:txBody>
       </p:sp>
+      <p:grpSp>
+        <p:nvGrpSpPr>
+          <p:cNvPr id="77" name="Group 76"/>
+          <p:cNvGrpSpPr/>
+          <p:nvPr/>
+        </p:nvGrpSpPr>
+        <p:grpSpPr>
+          <a:xfrm>
+            <a:off x="4681667" y="2919780"/>
+            <a:ext cx="1390877" cy="854964"/>
+            <a:chOff x="7295924" y="1749507"/>
+            <a:chExt cx="1390877" cy="854964"/>
+          </a:xfrm>
+        </p:grpSpPr>
+        <p:grpSp>
+          <p:nvGrpSpPr>
+            <p:cNvPr id="45" name="Group 44"/>
+            <p:cNvGrpSpPr/>
+            <p:nvPr/>
+          </p:nvGrpSpPr>
+          <p:grpSpPr>
+            <a:xfrm>
+              <a:off x="7295924" y="1749507"/>
+              <a:ext cx="1390877" cy="854964"/>
+              <a:chOff x="2761751" y="3156776"/>
+              <a:chExt cx="1612789" cy="854964"/>
+            </a:xfrm>
+          </p:grpSpPr>
+          <p:sp>
+            <p:nvSpPr>
+              <p:cNvPr id="46" name="Flowchart: Decision 74"/>
+              <p:cNvSpPr/>
+              <p:nvPr/>
+            </p:nvSpPr>
+            <p:spPr>
+              <a:xfrm>
+                <a:off x="2761751" y="3156776"/>
+                <a:ext cx="1612789" cy="854964"/>
+              </a:xfrm>
+              <a:prstGeom prst="flowChartDecision">
+                <a:avLst/>
+              </a:prstGeom>
+              <a:solidFill>
+                <a:schemeClr val="bg1"/>
+              </a:solidFill>
+            </p:spPr>
+            <p:style>
+              <a:lnRef idx="2">
+                <a:schemeClr val="accent1">
+                  <a:shade val="50000"/>
+                </a:schemeClr>
+              </a:lnRef>
+              <a:fillRef idx="1">
+                <a:schemeClr val="accent1"/>
+              </a:fillRef>
+              <a:effectRef idx="0">
+                <a:schemeClr val="accent1"/>
+              </a:effectRef>
+              <a:fontRef idx="minor">
+                <a:schemeClr val="lt1"/>
+              </a:fontRef>
+            </p:style>
+            <p:txBody>
+              <a:bodyPr rtlCol="0" anchor="ctr"/>
+              <a:lstStyle/>
+              <a:p>
+                <a:pPr algn="ctr"/>
+                <a:r>
+                  <a:rPr lang="en-US" sz="1100" dirty="0" smtClean="0">
+                    <a:solidFill>
+                      <a:schemeClr val="tx1"/>
+                    </a:solidFill>
+                    <a:latin typeface="Calibri" pitchFamily="34" charset="0"/>
+                    <a:cs typeface="Calibri" pitchFamily="34" charset="0"/>
+                  </a:rPr>
+                  <a:t>Build + test success?</a:t>
+                </a:r>
+                <a:endParaRPr lang="en-US" sz="1100" dirty="0">
+                  <a:solidFill>
+                    <a:srgbClr val="C00000"/>
+                  </a:solidFill>
+                  <a:latin typeface="Calibri" pitchFamily="34" charset="0"/>
+                  <a:cs typeface="Calibri" pitchFamily="34" charset="0"/>
+                </a:endParaRPr>
+              </a:p>
+            </p:txBody>
+          </p:sp>
+          <p:pic>
+            <p:nvPicPr>
+              <p:cNvPr id="47" name="Picture 3" descr="D:\My Documents\ppt\jenkins_logo.png"/>
+              <p:cNvPicPr>
+                <a:picLocks noChangeAspect="1" noChangeArrowheads="1"/>
+              </p:cNvPicPr>
+              <p:nvPr/>
+            </p:nvPicPr>
+            <p:blipFill>
+              <a:blip r:embed="rId2" cstate="screen">
+                <a:extLst>
+                  <a:ext uri="{28A0092B-C50C-407E-A947-70E740481C1C}">
+                    <a14:useLocalDpi xmlns:a14="http://schemas.microsoft.com/office/drawing/2010/main"/>
+                  </a:ext>
+                </a:extLst>
+              </a:blip>
+              <a:srcRect/>
+              <a:stretch>
+                <a:fillRect/>
+              </a:stretch>
+            </p:blipFill>
+            <p:spPr bwMode="auto">
+              <a:xfrm>
+                <a:off x="2942522" y="3445632"/>
+                <a:ext cx="365856" cy="274320"/>
+              </a:xfrm>
+              <a:prstGeom prst="rect">
+                <a:avLst/>
+              </a:prstGeom>
+              <a:noFill/>
+            </p:spPr>
+          </p:pic>
+        </p:grpSp>
+        <p:pic>
+          <p:nvPicPr>
+            <p:cNvPr id="57" name="Picture 2" descr="C:\Users\tanay\AppData\Local\Microsoft\Windows\Temporary Internet Files\Content.IE5\2QBCIC6J\MC900441310[2].png"/>
+            <p:cNvPicPr>
+              <a:picLocks noChangeAspect="1" noChangeArrowheads="1"/>
+            </p:cNvPicPr>
+            <p:nvPr/>
+          </p:nvPicPr>
+          <p:blipFill>
+            <a:blip r:embed="rId4" cstate="screen">
+              <a:extLst>
+                <a:ext uri="{28A0092B-C50C-407E-A947-70E740481C1C}">
+                  <a14:useLocalDpi xmlns:a14="http://schemas.microsoft.com/office/drawing/2010/main"/>
+                </a:ext>
+              </a:extLst>
+            </a:blip>
+            <a:srcRect/>
+            <a:stretch>
+              <a:fillRect/>
+            </a:stretch>
+          </p:blipFill>
+          <p:spPr bwMode="auto">
+            <a:xfrm>
+              <a:off x="8165471" y="2001654"/>
+              <a:ext cx="359682" cy="359682"/>
+            </a:xfrm>
+            <a:prstGeom prst="rect">
+              <a:avLst/>
+            </a:prstGeom>
+            <a:noFill/>
+          </p:spPr>
+        </p:pic>
+      </p:grpSp>
+      <p:grpSp>
+        <p:nvGrpSpPr>
+          <p:cNvPr id="72" name="Group 71"/>
+          <p:cNvGrpSpPr/>
+          <p:nvPr/>
+        </p:nvGrpSpPr>
+        <p:grpSpPr>
+          <a:xfrm>
+            <a:off x="3834654" y="5589977"/>
+            <a:ext cx="1376606" cy="854964"/>
+            <a:chOff x="5553735" y="5650076"/>
+            <a:chExt cx="1376606" cy="854964"/>
+          </a:xfrm>
+        </p:grpSpPr>
+        <p:grpSp>
+          <p:nvGrpSpPr>
+            <p:cNvPr id="48" name="Group 47"/>
+            <p:cNvGrpSpPr/>
+            <p:nvPr/>
+          </p:nvGrpSpPr>
+          <p:grpSpPr>
+            <a:xfrm>
+              <a:off x="5553735" y="5650076"/>
+              <a:ext cx="1376606" cy="854964"/>
+              <a:chOff x="4666305" y="5698920"/>
+              <a:chExt cx="1612789" cy="854964"/>
+            </a:xfrm>
+          </p:grpSpPr>
+          <p:sp>
+            <p:nvSpPr>
+              <p:cNvPr id="49" name="Flowchart: Decision 142"/>
+              <p:cNvSpPr/>
+              <p:nvPr/>
+            </p:nvSpPr>
+            <p:spPr>
+              <a:xfrm>
+                <a:off x="4666305" y="5698920"/>
+                <a:ext cx="1612789" cy="854964"/>
+              </a:xfrm>
+              <a:prstGeom prst="flowChartDecision">
+                <a:avLst/>
+              </a:prstGeom>
+              <a:solidFill>
+                <a:schemeClr val="bg1"/>
+              </a:solidFill>
+            </p:spPr>
+            <p:style>
+              <a:lnRef idx="2">
+                <a:schemeClr val="accent1">
+                  <a:shade val="50000"/>
+                </a:schemeClr>
+              </a:lnRef>
+              <a:fillRef idx="1">
+                <a:schemeClr val="accent1"/>
+              </a:fillRef>
+              <a:effectRef idx="0">
+                <a:schemeClr val="accent1"/>
+              </a:effectRef>
+              <a:fontRef idx="minor">
+                <a:schemeClr val="lt1"/>
+              </a:fontRef>
+            </p:style>
+            <p:txBody>
+              <a:bodyPr rtlCol="0" anchor="ctr"/>
+              <a:lstStyle/>
+              <a:p>
+                <a:pPr algn="ctr"/>
+                <a:r>
+                  <a:rPr lang="en-US" sz="1100" dirty="0" smtClean="0">
+                    <a:solidFill>
+                      <a:schemeClr val="tx1"/>
+                    </a:solidFill>
+                    <a:latin typeface="Calibri" pitchFamily="34" charset="0"/>
+                    <a:cs typeface="Calibri" pitchFamily="34" charset="0"/>
+                  </a:rPr>
+                  <a:t>Review success?</a:t>
+                </a:r>
+                <a:endParaRPr lang="en-US" sz="1100" dirty="0">
+                  <a:solidFill>
+                    <a:srgbClr val="C00000"/>
+                  </a:solidFill>
+                  <a:latin typeface="Calibri" pitchFamily="34" charset="0"/>
+                  <a:cs typeface="Calibri" pitchFamily="34" charset="0"/>
+                </a:endParaRPr>
+              </a:p>
+            </p:txBody>
+          </p:sp>
+          <p:pic>
+            <p:nvPicPr>
+              <p:cNvPr id="50" name="Picture 2" descr="D:\My Documents\ppt\logo_large.png"/>
+              <p:cNvPicPr>
+                <a:picLocks noChangeAspect="1" noChangeArrowheads="1"/>
+              </p:cNvPicPr>
+              <p:nvPr/>
+            </p:nvPicPr>
+            <p:blipFill>
+              <a:blip r:embed="rId3" cstate="screen">
+                <a:extLst>
+                  <a:ext uri="{28A0092B-C50C-407E-A947-70E740481C1C}">
+                    <a14:useLocalDpi xmlns:a14="http://schemas.microsoft.com/office/drawing/2010/main"/>
+                  </a:ext>
+                </a:extLst>
+              </a:blip>
+              <a:srcRect/>
+              <a:stretch>
+                <a:fillRect/>
+              </a:stretch>
+            </p:blipFill>
+            <p:spPr bwMode="auto">
+              <a:xfrm>
+                <a:off x="4849233" y="5984126"/>
+                <a:ext cx="365856" cy="274321"/>
+              </a:xfrm>
+              <a:prstGeom prst="rect">
+                <a:avLst/>
+              </a:prstGeom>
+              <a:noFill/>
+            </p:spPr>
+          </p:pic>
+        </p:grpSp>
+        <p:pic>
+          <p:nvPicPr>
+            <p:cNvPr id="58" name="Picture 2" descr="C:\Users\tanay\AppData\Local\Microsoft\Windows\Temporary Internet Files\Content.IE5\2QBCIC6J\MC900441310[2].png"/>
+            <p:cNvPicPr>
+              <a:picLocks noChangeAspect="1" noChangeArrowheads="1"/>
+            </p:cNvPicPr>
+            <p:nvPr/>
+          </p:nvPicPr>
+          <p:blipFill>
+            <a:blip r:embed="rId4" cstate="screen">
+              <a:extLst>
+                <a:ext uri="{28A0092B-C50C-407E-A947-70E740481C1C}">
+                  <a14:useLocalDpi xmlns:a14="http://schemas.microsoft.com/office/drawing/2010/main"/>
+                </a:ext>
+              </a:extLst>
+            </a:blip>
+            <a:srcRect/>
+            <a:stretch>
+              <a:fillRect/>
+            </a:stretch>
+          </p:blipFill>
+          <p:spPr bwMode="auto">
+            <a:xfrm>
+              <a:off x="6455026" y="5924396"/>
+              <a:ext cx="359682" cy="359682"/>
+            </a:xfrm>
+            <a:prstGeom prst="rect">
+              <a:avLst/>
+            </a:prstGeom>
+            <a:noFill/>
+          </p:spPr>
+        </p:pic>
+      </p:grpSp>
+      <p:grpSp>
+        <p:nvGrpSpPr>
+          <p:cNvPr id="32" name="Group 31"/>
+          <p:cNvGrpSpPr/>
+          <p:nvPr/>
+        </p:nvGrpSpPr>
+        <p:grpSpPr>
+          <a:xfrm>
+            <a:off x="6593060" y="5042033"/>
+            <a:ext cx="1386663" cy="838200"/>
+            <a:chOff x="4464873" y="4599814"/>
+            <a:chExt cx="1643886" cy="838200"/>
+          </a:xfrm>
+        </p:grpSpPr>
+        <p:sp>
+          <p:nvSpPr>
+            <p:cNvPr id="33" name="Rounded Rectangle 32"/>
+            <p:cNvSpPr/>
+            <p:nvPr/>
+          </p:nvSpPr>
+          <p:spPr>
+            <a:xfrm>
+              <a:off x="4464873" y="4599814"/>
+              <a:ext cx="1643886" cy="838200"/>
+            </a:xfrm>
+            <a:prstGeom prst="roundRect">
+              <a:avLst/>
+            </a:prstGeom>
+            <a:solidFill>
+              <a:schemeClr val="bg1"/>
+            </a:solidFill>
+            <a:ln>
+              <a:solidFill>
+                <a:schemeClr val="tx2">
+                  <a:lumMod val="75000"/>
+                </a:schemeClr>
+              </a:solidFill>
+            </a:ln>
+          </p:spPr>
+          <p:style>
+            <a:lnRef idx="2">
+              <a:schemeClr val="accent1">
+                <a:shade val="50000"/>
+              </a:schemeClr>
+            </a:lnRef>
+            <a:fillRef idx="1">
+              <a:schemeClr val="accent1"/>
+            </a:fillRef>
+            <a:effectRef idx="0">
+              <a:schemeClr val="accent1"/>
+            </a:effectRef>
+            <a:fontRef idx="minor">
+              <a:schemeClr val="lt1"/>
+            </a:fontRef>
+          </p:style>
+          <p:txBody>
+            <a:bodyPr rtlCol="0" anchor="t" anchorCtr="0"/>
+            <a:lstStyle/>
+            <a:p>
+              <a:pPr algn="ctr"/>
+              <a:r>
+                <a:rPr lang="en-US" sz="1400" dirty="0" smtClean="0">
+                  <a:solidFill>
+                    <a:srgbClr val="C00000"/>
+                  </a:solidFill>
+                  <a:latin typeface="Calibri" pitchFamily="34" charset="0"/>
+                  <a:cs typeface="Calibri" pitchFamily="34" charset="0"/>
+                </a:rPr>
+                <a:t>ReviewBoard</a:t>
+              </a:r>
+            </a:p>
+            <a:p>
+              <a:pPr algn="ctr"/>
+              <a:r>
+                <a:rPr lang="en-US" sz="1200" dirty="0" smtClean="0">
+                  <a:solidFill>
+                    <a:schemeClr val="tx1"/>
+                  </a:solidFill>
+                  <a:latin typeface="Calibri" pitchFamily="34" charset="0"/>
+                  <a:cs typeface="Calibri" pitchFamily="34" charset="0"/>
+                </a:rPr>
+                <a:t>Review modified</a:t>
+              </a:r>
+            </a:p>
+            <a:p>
+              <a:pPr algn="ctr"/>
+              <a:r>
+                <a:rPr lang="en-US" sz="1200" dirty="0" smtClean="0">
+                  <a:solidFill>
+                    <a:schemeClr val="tx1"/>
+                  </a:solidFill>
+                  <a:latin typeface="Calibri" pitchFamily="34" charset="0"/>
+                  <a:cs typeface="Calibri" pitchFamily="34" charset="0"/>
+                </a:rPr>
+                <a:t>code</a:t>
+              </a:r>
+              <a:endParaRPr lang="en-US" sz="1200" dirty="0">
+                <a:solidFill>
+                  <a:srgbClr val="C00000"/>
+                </a:solidFill>
+                <a:latin typeface="Calibri" pitchFamily="34" charset="0"/>
+                <a:cs typeface="Calibri" pitchFamily="34" charset="0"/>
+              </a:endParaRPr>
+            </a:p>
+          </p:txBody>
+        </p:sp>
+        <p:pic>
+          <p:nvPicPr>
+            <p:cNvPr id="34" name="Picture 2" descr="D:\My Documents\ppt\logo_large.png"/>
+            <p:cNvPicPr>
+              <a:picLocks noChangeAspect="1" noChangeArrowheads="1"/>
+            </p:cNvPicPr>
+            <p:nvPr/>
+          </p:nvPicPr>
+          <p:blipFill>
+            <a:blip r:embed="rId3" cstate="screen">
+              <a:extLst>
+                <a:ext uri="{28A0092B-C50C-407E-A947-70E740481C1C}">
+                  <a14:useLocalDpi xmlns:a14="http://schemas.microsoft.com/office/drawing/2010/main"/>
+                </a:ext>
+              </a:extLst>
+            </a:blip>
+            <a:srcRect/>
+            <a:stretch>
+              <a:fillRect/>
+            </a:stretch>
+          </p:blipFill>
+          <p:spPr bwMode="auto">
+            <a:xfrm>
+              <a:off x="4525124" y="5128179"/>
+              <a:ext cx="365856" cy="274321"/>
+            </a:xfrm>
+            <a:prstGeom prst="rect">
+              <a:avLst/>
+            </a:prstGeom>
+            <a:noFill/>
+          </p:spPr>
+        </p:pic>
+      </p:grpSp>
       <p:cxnSp>
         <p:nvCxnSpPr>
-          <p:cNvPr id="119" name="Straight Arrow Connector 118"/>
-          <p:cNvCxnSpPr/>
+          <p:cNvPr id="100" name="Straight Arrow Connector 99"/>
+          <p:cNvCxnSpPr>
+            <a:stCxn id="91" idx="2"/>
+            <a:endCxn id="27" idx="0"/>
+          </p:cNvCxnSpPr>
           <p:nvPr/>
         </p:nvCxnSpPr>
         <p:spPr>
-          <a:xfrm>
-            <a:off x="2750883" y="2484452"/>
-            <a:ext cx="1132615" cy="0"/>
+          <a:xfrm rot="16200000" flipH="1">
+            <a:off x="3752903" y="3694825"/>
+            <a:ext cx="652985" cy="805837"/>
           </a:xfrm>
-          <a:prstGeom prst="straightConnector1">
-            <a:avLst/>
+          <a:prstGeom prst="bentConnector3">
+            <a:avLst>
+              <a:gd name="adj1" fmla="val 50000"/>
+            </a:avLst>
           </a:prstGeom>
           <a:ln>
             <a:solidFill>
@@ -7988,160 +10151,17 @@
       </p:cxnSp>
       <p:cxnSp>
         <p:nvCxnSpPr>
-          <p:cNvPr id="120" name="Straight Arrow Connector 119"/>
+          <p:cNvPr id="98" name="Straight Arrow Connector 97"/>
           <p:cNvCxnSpPr>
-            <a:endCxn id="111" idx="3"/>
+            <a:stCxn id="46" idx="1"/>
+            <a:endCxn id="91" idx="3"/>
           </p:cNvCxnSpPr>
           <p:nvPr/>
         </p:nvCxnSpPr>
         <p:spPr>
           <a:xfrm flipH="1">
-            <a:off x="2750883" y="5897910"/>
-            <a:ext cx="1071554" cy="312"/>
-          </a:xfrm>
-          <a:prstGeom prst="straightConnector1">
-            <a:avLst/>
-          </a:prstGeom>
-          <a:ln>
-            <a:solidFill>
-              <a:srgbClr val="FF0000"/>
-            </a:solidFill>
-            <a:tailEnd type="arrow"/>
-          </a:ln>
-        </p:spPr>
-        <p:style>
-          <a:lnRef idx="2">
-            <a:schemeClr val="accent1"/>
-          </a:lnRef>
-          <a:fillRef idx="0">
-            <a:schemeClr val="accent1"/>
-          </a:fillRef>
-          <a:effectRef idx="1">
-            <a:schemeClr val="accent1"/>
-          </a:effectRef>
-          <a:fontRef idx="minor">
-            <a:schemeClr val="tx1"/>
-          </a:fontRef>
-        </p:style>
-      </p:cxnSp>
-      <p:cxnSp>
-        <p:nvCxnSpPr>
-          <p:cNvPr id="121" name="Straight Arrow Connector 120"/>
-          <p:cNvCxnSpPr/>
-          <p:nvPr/>
-        </p:nvCxnSpPr>
-        <p:spPr>
-          <a:xfrm>
-            <a:off x="4637406" y="2495940"/>
-            <a:ext cx="906952" cy="0"/>
-          </a:xfrm>
-          <a:prstGeom prst="straightConnector1">
-            <a:avLst/>
-          </a:prstGeom>
-          <a:ln>
-            <a:solidFill>
-              <a:srgbClr val="FF0000"/>
-            </a:solidFill>
-            <a:tailEnd type="arrow"/>
-          </a:ln>
-        </p:spPr>
-        <p:style>
-          <a:lnRef idx="2">
-            <a:schemeClr val="accent1"/>
-          </a:lnRef>
-          <a:fillRef idx="0">
-            <a:schemeClr val="accent1"/>
-          </a:fillRef>
-          <a:effectRef idx="1">
-            <a:schemeClr val="accent1"/>
-          </a:effectRef>
-          <a:fontRef idx="minor">
-            <a:schemeClr val="tx1"/>
-          </a:fontRef>
-        </p:style>
-      </p:cxnSp>
-      <p:cxnSp>
-        <p:nvCxnSpPr>
-          <p:cNvPr id="123" name="Straight Arrow Connector 122"/>
-          <p:cNvCxnSpPr/>
-          <p:nvPr/>
-        </p:nvCxnSpPr>
-        <p:spPr>
-          <a:xfrm>
-            <a:off x="4637406" y="3625219"/>
-            <a:ext cx="906952" cy="0"/>
-          </a:xfrm>
-          <a:prstGeom prst="straightConnector1">
-            <a:avLst/>
-          </a:prstGeom>
-          <a:ln>
-            <a:solidFill>
-              <a:srgbClr val="FF0000"/>
-            </a:solidFill>
-            <a:tailEnd type="arrow"/>
-          </a:ln>
-        </p:spPr>
-        <p:style>
-          <a:lnRef idx="2">
-            <a:schemeClr val="accent1"/>
-          </a:lnRef>
-          <a:fillRef idx="0">
-            <a:schemeClr val="accent1"/>
-          </a:fillRef>
-          <a:effectRef idx="1">
-            <a:schemeClr val="accent1"/>
-          </a:effectRef>
-          <a:fontRef idx="minor">
-            <a:schemeClr val="tx1"/>
-          </a:fontRef>
-        </p:style>
-      </p:cxnSp>
-      <p:cxnSp>
-        <p:nvCxnSpPr>
-          <p:cNvPr id="125" name="Straight Arrow Connector 124"/>
-          <p:cNvCxnSpPr/>
-          <p:nvPr/>
-        </p:nvCxnSpPr>
-        <p:spPr>
-          <a:xfrm>
-            <a:off x="4753170" y="4773053"/>
-            <a:ext cx="906952" cy="0"/>
-          </a:xfrm>
-          <a:prstGeom prst="straightConnector1">
-            <a:avLst/>
-          </a:prstGeom>
-          <a:ln>
-            <a:solidFill>
-              <a:srgbClr val="FF0000"/>
-            </a:solidFill>
-            <a:tailEnd type="arrow"/>
-          </a:ln>
-        </p:spPr>
-        <p:style>
-          <a:lnRef idx="2">
-            <a:schemeClr val="accent1"/>
-          </a:lnRef>
-          <a:fillRef idx="0">
-            <a:schemeClr val="accent1"/>
-          </a:fillRef>
-          <a:effectRef idx="1">
-            <a:schemeClr val="accent1"/>
-          </a:effectRef>
-          <a:fontRef idx="minor">
-            <a:schemeClr val="tx1"/>
-          </a:fontRef>
-        </p:style>
-      </p:cxnSp>
-      <p:cxnSp>
-        <p:nvCxnSpPr>
-          <p:cNvPr id="126" name="Straight Arrow Connector 125"/>
-          <p:cNvCxnSpPr/>
-          <p:nvPr/>
-        </p:nvCxnSpPr>
-        <p:spPr>
-          <a:xfrm>
-            <a:off x="4740958" y="5910121"/>
-            <a:ext cx="906952" cy="0"/>
+            <a:off x="4377358" y="3347262"/>
+            <a:ext cx="304309" cy="4890"/>
           </a:xfrm>
           <a:prstGeom prst="straightConnector1">
             <a:avLst/>
@@ -8170,61 +10190,298 @@
       </p:cxnSp>
       <p:sp>
         <p:nvSpPr>
-          <p:cNvPr id="127" name="Rectangle 126"/>
+          <p:cNvPr id="88" name="Rectangle 87"/>
           <p:cNvSpPr/>
           <p:nvPr/>
         </p:nvSpPr>
         <p:spPr>
           <a:xfrm>
-            <a:off x="0" y="1074568"/>
-            <a:ext cx="9144000" cy="305274"/>
+            <a:off x="2898906" y="1149810"/>
+            <a:ext cx="3267806" cy="400110"/>
           </a:xfrm>
           <a:prstGeom prst="rect">
             <a:avLst/>
           </a:prstGeom>
-          <a:solidFill>
-            <a:schemeClr val="bg1"/>
-          </a:solidFill>
-          <a:ln>
+        </p:spPr>
+        <p:txBody>
+          <a:bodyPr wrap="square">
+            <a:spAutoFit/>
+          </a:bodyPr>
+          <a:lstStyle/>
+          <a:p>
+            <a:pPr algn="ctr"/>
+            <a:r>
+              <a:rPr lang="en-US" sz="2000" dirty="0" smtClean="0">
+                <a:latin typeface="Calibri" pitchFamily="34" charset="0"/>
+                <a:cs typeface="Calibri" pitchFamily="34" charset="0"/>
+              </a:rPr>
+              <a:t>ElectricCommander</a:t>
+            </a:r>
+            <a:endParaRPr lang="en-US" sz="2000" dirty="0">
+              <a:latin typeface="Calibri" pitchFamily="34" charset="0"/>
+              <a:cs typeface="Calibri" pitchFamily="34" charset="0"/>
+            </a:endParaRPr>
+          </a:p>
+        </p:txBody>
+      </p:sp>
+      <p:grpSp>
+        <p:nvGrpSpPr>
+          <p:cNvPr id="80" name="Group 79"/>
+          <p:cNvGrpSpPr/>
+          <p:nvPr/>
+        </p:nvGrpSpPr>
+        <p:grpSpPr>
+          <a:xfrm>
+            <a:off x="2975595" y="1724874"/>
+            <a:ext cx="1389316" cy="838200"/>
+            <a:chOff x="2975595" y="1724874"/>
+            <a:chExt cx="1389316" cy="838200"/>
+          </a:xfrm>
+        </p:grpSpPr>
+        <p:sp>
+          <p:nvSpPr>
+            <p:cNvPr id="15" name="Rounded Rectangle 14"/>
+            <p:cNvSpPr/>
+            <p:nvPr/>
+          </p:nvSpPr>
+          <p:spPr>
+            <a:xfrm>
+              <a:off x="2975595" y="1724874"/>
+              <a:ext cx="1389316" cy="838200"/>
+            </a:xfrm>
+            <a:prstGeom prst="roundRect">
+              <a:avLst/>
+            </a:prstGeom>
             <a:solidFill>
               <a:schemeClr val="bg1"/>
             </a:solidFill>
-          </a:ln>
-          <a:effectLst/>
-        </p:spPr>
-        <p:style>
-          <a:lnRef idx="1">
-            <a:schemeClr val="accent1"/>
-          </a:lnRef>
-          <a:fillRef idx="3">
-            <a:schemeClr val="accent1"/>
-          </a:fillRef>
-          <a:effectRef idx="2">
-            <a:schemeClr val="accent1"/>
-          </a:effectRef>
-          <a:fontRef idx="minor">
-            <a:schemeClr val="lt1"/>
-          </a:fontRef>
-        </p:style>
-        <p:txBody>
-          <a:bodyPr rtlCol="0" anchor="ctr"/>
-          <a:lstStyle/>
-          <a:p>
-            <a:pPr algn="ctr"/>
-            <a:endParaRPr lang="en-US"/>
-          </a:p>
-        </p:txBody>
-      </p:sp>
+            <a:ln>
+              <a:solidFill>
+                <a:schemeClr val="tx2">
+                  <a:lumMod val="75000"/>
+                </a:schemeClr>
+              </a:solidFill>
+            </a:ln>
+          </p:spPr>
+          <p:style>
+            <a:lnRef idx="2">
+              <a:schemeClr val="accent1">
+                <a:shade val="50000"/>
+              </a:schemeClr>
+            </a:lnRef>
+            <a:fillRef idx="1">
+              <a:schemeClr val="accent1"/>
+            </a:fillRef>
+            <a:effectRef idx="0">
+              <a:schemeClr val="accent1"/>
+            </a:effectRef>
+            <a:fontRef idx="minor">
+              <a:schemeClr val="lt1"/>
+            </a:fontRef>
+          </p:style>
+          <p:txBody>
+            <a:bodyPr rtlCol="0" anchor="t" anchorCtr="0"/>
+            <a:lstStyle/>
+            <a:p>
+              <a:pPr algn="ctr"/>
+              <a:r>
+                <a:rPr lang="en-US" sz="1400" dirty="0" smtClean="0">
+                  <a:solidFill>
+                    <a:srgbClr val="C00000"/>
+                  </a:solidFill>
+                  <a:latin typeface="Calibri" pitchFamily="34" charset="0"/>
+                  <a:cs typeface="Calibri" pitchFamily="34" charset="0"/>
+                </a:rPr>
+                <a:t>GitHub</a:t>
+              </a:r>
+            </a:p>
+            <a:p>
+              <a:pPr algn="ctr"/>
+              <a:r>
+                <a:rPr lang="en-US" sz="1200" dirty="0" smtClean="0">
+                  <a:solidFill>
+                    <a:schemeClr val="tx1"/>
+                  </a:solidFill>
+                  <a:latin typeface="Calibri" pitchFamily="34" charset="0"/>
+                  <a:cs typeface="Calibri" pitchFamily="34" charset="0"/>
+                </a:rPr>
+                <a:t>Check out sources overlay deltas</a:t>
+              </a:r>
+              <a:endParaRPr lang="en-US" sz="1200" dirty="0">
+                <a:solidFill>
+                  <a:srgbClr val="C00000"/>
+                </a:solidFill>
+                <a:latin typeface="Calibri" pitchFamily="34" charset="0"/>
+                <a:cs typeface="Calibri" pitchFamily="34" charset="0"/>
+              </a:endParaRPr>
+            </a:p>
+          </p:txBody>
+        </p:sp>
+        <p:pic>
+          <p:nvPicPr>
+            <p:cNvPr id="3" name="Picture 2"/>
+            <p:cNvPicPr>
+              <a:picLocks noChangeAspect="1"/>
+            </p:cNvPicPr>
+            <p:nvPr/>
+          </p:nvPicPr>
+          <p:blipFill>
+            <a:blip r:embed="rId5"/>
+            <a:stretch>
+              <a:fillRect/>
+            </a:stretch>
+          </p:blipFill>
+          <p:spPr>
+            <a:xfrm>
+              <a:off x="3012231" y="1751490"/>
+              <a:ext cx="256302" cy="256302"/>
+            </a:xfrm>
+            <a:prstGeom prst="rect">
+              <a:avLst/>
+            </a:prstGeom>
+          </p:spPr>
+        </p:pic>
+      </p:grpSp>
+      <p:grpSp>
+        <p:nvGrpSpPr>
+          <p:cNvPr id="81" name="Group 80"/>
+          <p:cNvGrpSpPr/>
+          <p:nvPr/>
+        </p:nvGrpSpPr>
+        <p:grpSpPr>
+          <a:xfrm>
+            <a:off x="2975595" y="2933052"/>
+            <a:ext cx="1401763" cy="838200"/>
+            <a:chOff x="2975595" y="3055162"/>
+            <a:chExt cx="1401763" cy="838200"/>
+          </a:xfrm>
+        </p:grpSpPr>
+        <p:sp>
+          <p:nvSpPr>
+            <p:cNvPr id="91" name="Rounded Rectangle 90"/>
+            <p:cNvSpPr/>
+            <p:nvPr/>
+          </p:nvSpPr>
+          <p:spPr>
+            <a:xfrm>
+              <a:off x="2975595" y="3055162"/>
+              <a:ext cx="1401763" cy="838200"/>
+            </a:xfrm>
+            <a:prstGeom prst="roundRect">
+              <a:avLst/>
+            </a:prstGeom>
+            <a:solidFill>
+              <a:schemeClr val="bg1"/>
+            </a:solidFill>
+            <a:ln>
+              <a:solidFill>
+                <a:schemeClr val="tx2">
+                  <a:lumMod val="75000"/>
+                </a:schemeClr>
+              </a:solidFill>
+            </a:ln>
+          </p:spPr>
+          <p:style>
+            <a:lnRef idx="2">
+              <a:schemeClr val="accent1">
+                <a:shade val="50000"/>
+              </a:schemeClr>
+            </a:lnRef>
+            <a:fillRef idx="1">
+              <a:schemeClr val="accent1"/>
+            </a:fillRef>
+            <a:effectRef idx="0">
+              <a:schemeClr val="accent1"/>
+            </a:effectRef>
+            <a:fontRef idx="minor">
+              <a:schemeClr val="lt1"/>
+            </a:fontRef>
+          </p:style>
+          <p:txBody>
+            <a:bodyPr rtlCol="0" anchor="t" anchorCtr="0"/>
+            <a:lstStyle/>
+            <a:p>
+              <a:pPr algn="ctr"/>
+              <a:r>
+                <a:rPr lang="en-US" sz="1400" dirty="0" smtClean="0">
+                  <a:solidFill>
+                    <a:srgbClr val="C00000"/>
+                  </a:solidFill>
+                  <a:latin typeface="Calibri" pitchFamily="34" charset="0"/>
+                  <a:cs typeface="Calibri" pitchFamily="34" charset="0"/>
+                </a:rPr>
+                <a:t>Docker</a:t>
+              </a:r>
+            </a:p>
+            <a:p>
+              <a:pPr algn="ctr"/>
+              <a:r>
+                <a:rPr lang="en-US" sz="1100" dirty="0" smtClean="0">
+                  <a:solidFill>
+                    <a:schemeClr val="tx1"/>
+                  </a:solidFill>
+                  <a:latin typeface="Calibri" pitchFamily="34" charset="0"/>
+                  <a:cs typeface="Calibri" pitchFamily="34" charset="0"/>
+                </a:rPr>
+                <a:t>Deploy DEV environment</a:t>
+              </a:r>
+              <a:endParaRPr lang="en-US" sz="1100" dirty="0">
+                <a:solidFill>
+                  <a:srgbClr val="C00000"/>
+                </a:solidFill>
+                <a:latin typeface="Calibri" pitchFamily="34" charset="0"/>
+                <a:cs typeface="Calibri" pitchFamily="34" charset="0"/>
+              </a:endParaRPr>
+            </a:p>
+          </p:txBody>
+        </p:sp>
+        <p:pic>
+          <p:nvPicPr>
+            <p:cNvPr id="4" name="Picture 3"/>
+            <p:cNvPicPr>
+              <a:picLocks noChangeAspect="1"/>
+            </p:cNvPicPr>
+            <p:nvPr/>
+          </p:nvPicPr>
+          <p:blipFill>
+            <a:blip r:embed="rId6"/>
+            <a:stretch>
+              <a:fillRect/>
+            </a:stretch>
+          </p:blipFill>
+          <p:spPr>
+            <a:xfrm>
+              <a:off x="3018018" y="3104006"/>
+              <a:ext cx="304311" cy="304311"/>
+            </a:xfrm>
+            <a:prstGeom prst="rect">
+              <a:avLst/>
+            </a:prstGeom>
+          </p:spPr>
+        </p:pic>
+      </p:grpSp>
     </p:spTree>
     <p:extLst>
       <p:ext uri="{BB962C8B-B14F-4D97-AF65-F5344CB8AC3E}">
-        <p14:creationId xmlns:p14="http://schemas.microsoft.com/office/powerpoint/2010/main" val="2738694011"/>
+        <p14:creationId xmlns:p14="http://schemas.microsoft.com/office/powerpoint/2010/main" val="139825334"/>
       </p:ext>
     </p:extLst>
   </p:cSld>
   <p:clrMapOvr>
     <a:masterClrMapping/>
   </p:clrMapOvr>
+  <mc:AlternateContent xmlns:mc="http://schemas.openxmlformats.org/markup-compatibility/2006" xmlns:p14="http://schemas.microsoft.com/office/powerpoint/2010/main">
+    <mc:Choice Requires="p14">
+      <p:transition p14:dur="100">
+        <p:cut/>
+      </p:transition>
+    </mc:Choice>
+    <mc:Fallback xmlns="">
+      <p:transition xmlns:p14="http://schemas.microsoft.com/office/powerpoint/2010/main">
+        <p:cut/>
+      </p:transition>
+    </mc:Fallback>
+  </mc:AlternateContent>
   <p:timing>
     <p:tnLst>
       <p:par>
@@ -8259,7 +10516,34 @@
                                           </p:stCondLst>
                                         </p:cTn>
                                         <p:tgtEl>
-                                          <p:spTgt spid="119"/>
+                                          <p:spTgt spid="35"/>
+                                        </p:tgtEl>
+                                        <p:attrNameLst>
+                                          <p:attrName>style.visibility</p:attrName>
+                                        </p:attrNameLst>
+                                      </p:cBhvr>
+                                      <p:to>
+                                        <p:strVal val="visible"/>
+                                      </p:to>
+                                    </p:set>
+                                  </p:childTnLst>
+                                </p:cTn>
+                              </p:par>
+                              <p:par>
+                                <p:cTn id="7" presetID="1" presetClass="entr" presetSubtype="0" fill="hold" nodeType="withEffect">
+                                  <p:stCondLst>
+                                    <p:cond delay="0"/>
+                                  </p:stCondLst>
+                                  <p:childTnLst>
+                                    <p:set>
+                                      <p:cBhvr>
+                                        <p:cTn id="8" dur="1" fill="hold">
+                                          <p:stCondLst>
+                                            <p:cond delay="0"/>
+                                          </p:stCondLst>
+                                        </p:cTn>
+                                        <p:tgtEl>
+                                          <p:spTgt spid="80"/>
                                         </p:tgtEl>
                                         <p:attrNameLst>
                                           <p:attrName>style.visibility</p:attrName>
@@ -8279,32 +10563,32 @@
                     </p:cTn>
                   </p:par>
                   <p:par>
-                    <p:cTn id="7" fill="hold">
+                    <p:cTn id="9" fill="hold">
                       <p:stCondLst>
                         <p:cond delay="indefinite"/>
                       </p:stCondLst>
                       <p:childTnLst>
                         <p:par>
-                          <p:cTn id="8" fill="hold">
+                          <p:cTn id="10" fill="hold">
                             <p:stCondLst>
                               <p:cond delay="0"/>
                             </p:stCondLst>
                             <p:childTnLst>
                               <p:par>
-                                <p:cTn id="9" presetID="1" presetClass="entr" presetSubtype="0" fill="hold" nodeType="clickEffect">
+                                <p:cTn id="11" presetID="1" presetClass="entr" presetSubtype="0" fill="hold" nodeType="clickEffect">
                                   <p:stCondLst>
                                     <p:cond delay="0"/>
                                   </p:stCondLst>
                                   <p:childTnLst>
                                     <p:set>
                                       <p:cBhvr>
-                                        <p:cTn id="10" dur="1" fill="hold">
+                                        <p:cTn id="12" dur="1" fill="hold">
                                           <p:stCondLst>
                                             <p:cond delay="0"/>
                                           </p:stCondLst>
                                         </p:cTn>
                                         <p:tgtEl>
-                                          <p:spTgt spid="121"/>
+                                          <p:spTgt spid="37"/>
                                         </p:tgtEl>
                                         <p:attrNameLst>
                                           <p:attrName>style.visibility</p:attrName>
@@ -8317,26 +10601,8 @@
                                   </p:childTnLst>
                                 </p:cTn>
                               </p:par>
-                            </p:childTnLst>
-                          </p:cTn>
-                        </p:par>
-                      </p:childTnLst>
-                    </p:cTn>
-                  </p:par>
-                  <p:par>
-                    <p:cTn id="11" fill="hold">
-                      <p:stCondLst>
-                        <p:cond delay="indefinite"/>
-                      </p:stCondLst>
-                      <p:childTnLst>
-                        <p:par>
-                          <p:cTn id="12" fill="hold">
-                            <p:stCondLst>
-                              <p:cond delay="0"/>
-                            </p:stCondLst>
-                            <p:childTnLst>
                               <p:par>
-                                <p:cTn id="13" presetID="1" presetClass="entr" presetSubtype="0" fill="hold" nodeType="clickEffect">
+                                <p:cTn id="13" presetID="1" presetClass="entr" presetSubtype="0" fill="hold" nodeType="withEffect">
                                   <p:stCondLst>
                                     <p:cond delay="0"/>
                                   </p:stCondLst>
@@ -8349,7 +10615,7 @@
                                           </p:stCondLst>
                                         </p:cTn>
                                         <p:tgtEl>
-                                          <p:spTgt spid="123"/>
+                                          <p:spTgt spid="20"/>
                                         </p:tgtEl>
                                         <p:attrNameLst>
                                           <p:attrName>style.visibility</p:attrName>
@@ -8394,7 +10660,34 @@
                                           </p:stCondLst>
                                         </p:cTn>
                                         <p:tgtEl>
-                                          <p:spTgt spid="125"/>
+                                          <p:spTgt spid="77"/>
+                                        </p:tgtEl>
+                                        <p:attrNameLst>
+                                          <p:attrName>style.visibility</p:attrName>
+                                        </p:attrNameLst>
+                                      </p:cBhvr>
+                                      <p:to>
+                                        <p:strVal val="visible"/>
+                                      </p:to>
+                                    </p:set>
+                                  </p:childTnLst>
+                                </p:cTn>
+                              </p:par>
+                              <p:par>
+                                <p:cTn id="19" presetID="1" presetClass="entr" presetSubtype="0" fill="hold" nodeType="withEffect">
+                                  <p:stCondLst>
+                                    <p:cond delay="0"/>
+                                  </p:stCondLst>
+                                  <p:childTnLst>
+                                    <p:set>
+                                      <p:cBhvr>
+                                        <p:cTn id="20" dur="1" fill="hold">
+                                          <p:stCondLst>
+                                            <p:cond delay="0"/>
+                                          </p:stCondLst>
+                                        </p:cTn>
+                                        <p:tgtEl>
+                                          <p:spTgt spid="38"/>
                                         </p:tgtEl>
                                         <p:attrNameLst>
                                           <p:attrName>style.visibility</p:attrName>
@@ -8414,32 +10707,59 @@
                     </p:cTn>
                   </p:par>
                   <p:par>
-                    <p:cTn id="19" fill="hold">
+                    <p:cTn id="21" fill="hold">
                       <p:stCondLst>
                         <p:cond delay="indefinite"/>
                       </p:stCondLst>
                       <p:childTnLst>
                         <p:par>
-                          <p:cTn id="20" fill="hold">
+                          <p:cTn id="22" fill="hold">
                             <p:stCondLst>
                               <p:cond delay="0"/>
                             </p:stCondLst>
                             <p:childTnLst>
                               <p:par>
-                                <p:cTn id="21" presetID="1" presetClass="entr" presetSubtype="0" fill="hold" nodeType="clickEffect">
+                                <p:cTn id="23" presetID="1" presetClass="entr" presetSubtype="0" fill="hold" nodeType="clickEffect">
                                   <p:stCondLst>
                                     <p:cond delay="0"/>
                                   </p:stCondLst>
                                   <p:childTnLst>
                                     <p:set>
                                       <p:cBhvr>
-                                        <p:cTn id="22" dur="1" fill="hold">
+                                        <p:cTn id="24" dur="1" fill="hold">
                                           <p:stCondLst>
                                             <p:cond delay="0"/>
                                           </p:stCondLst>
                                         </p:cTn>
                                         <p:tgtEl>
-                                          <p:spTgt spid="126"/>
+                                          <p:spTgt spid="98"/>
+                                        </p:tgtEl>
+                                        <p:attrNameLst>
+                                          <p:attrName>style.visibility</p:attrName>
+                                        </p:attrNameLst>
+                                      </p:cBhvr>
+                                      <p:to>
+                                        <p:strVal val="visible"/>
+                                      </p:to>
+                                    </p:set>
+                                  </p:childTnLst>
+                                </p:cTn>
+                              </p:par>
+                              <p:par>
+                                <p:cTn id="25" presetID="1" presetClass="entr" presetSubtype="0" fill="hold" nodeType="withEffect">
+                                  <p:stCondLst>
+                                    <p:cond delay="0"/>
+                                  </p:stCondLst>
+                                  <p:childTnLst>
+                                    <p:set>
+                                      <p:cBhvr>
+                                        <p:cTn id="26" dur="1" fill="hold">
+                                          <p:stCondLst>
+                                            <p:cond delay="0"/>
+                                          </p:stCondLst>
+                                        </p:cTn>
+                                        <p:tgtEl>
+                                          <p:spTgt spid="81"/>
                                         </p:tgtEl>
                                         <p:attrNameLst>
                                           <p:attrName>style.visibility</p:attrName>
@@ -8459,32 +10779,221 @@
                     </p:cTn>
                   </p:par>
                   <p:par>
-                    <p:cTn id="23" fill="hold">
+                    <p:cTn id="27" fill="hold">
                       <p:stCondLst>
                         <p:cond delay="indefinite"/>
                       </p:stCondLst>
                       <p:childTnLst>
                         <p:par>
-                          <p:cTn id="24" fill="hold">
+                          <p:cTn id="28" fill="hold">
                             <p:stCondLst>
                               <p:cond delay="0"/>
                             </p:stCondLst>
                             <p:childTnLst>
                               <p:par>
-                                <p:cTn id="25" presetID="1" presetClass="entr" presetSubtype="0" fill="hold" nodeType="clickEffect">
+                                <p:cTn id="29" presetID="1" presetClass="entr" presetSubtype="0" fill="hold" nodeType="clickEffect">
                                   <p:stCondLst>
                                     <p:cond delay="0"/>
                                   </p:stCondLst>
                                   <p:childTnLst>
                                     <p:set>
                                       <p:cBhvr>
-                                        <p:cTn id="26" dur="1" fill="hold">
+                                        <p:cTn id="30" dur="1" fill="hold">
                                           <p:stCondLst>
                                             <p:cond delay="0"/>
                                           </p:stCondLst>
                                         </p:cTn>
                                         <p:tgtEl>
-                                          <p:spTgt spid="120"/>
+                                          <p:spTgt spid="100"/>
+                                        </p:tgtEl>
+                                        <p:attrNameLst>
+                                          <p:attrName>style.visibility</p:attrName>
+                                        </p:attrNameLst>
+                                      </p:cBhvr>
+                                      <p:to>
+                                        <p:strVal val="visible"/>
+                                      </p:to>
+                                    </p:set>
+                                  </p:childTnLst>
+                                </p:cTn>
+                              </p:par>
+                              <p:par>
+                                <p:cTn id="31" presetID="1" presetClass="entr" presetSubtype="0" fill="hold" nodeType="withEffect">
+                                  <p:stCondLst>
+                                    <p:cond delay="0"/>
+                                  </p:stCondLst>
+                                  <p:childTnLst>
+                                    <p:set>
+                                      <p:cBhvr>
+                                        <p:cTn id="32" dur="1" fill="hold">
+                                          <p:stCondLst>
+                                            <p:cond delay="0"/>
+                                          </p:stCondLst>
+                                        </p:cTn>
+                                        <p:tgtEl>
+                                          <p:spTgt spid="26"/>
+                                        </p:tgtEl>
+                                        <p:attrNameLst>
+                                          <p:attrName>style.visibility</p:attrName>
+                                        </p:attrNameLst>
+                                      </p:cBhvr>
+                                      <p:to>
+                                        <p:strVal val="visible"/>
+                                      </p:to>
+                                    </p:set>
+                                  </p:childTnLst>
+                                </p:cTn>
+                              </p:par>
+                            </p:childTnLst>
+                          </p:cTn>
+                        </p:par>
+                      </p:childTnLst>
+                    </p:cTn>
+                  </p:par>
+                  <p:par>
+                    <p:cTn id="33" fill="hold">
+                      <p:stCondLst>
+                        <p:cond delay="indefinite"/>
+                      </p:stCondLst>
+                      <p:childTnLst>
+                        <p:par>
+                          <p:cTn id="34" fill="hold">
+                            <p:stCondLst>
+                              <p:cond delay="0"/>
+                            </p:stCondLst>
+                            <p:childTnLst>
+                              <p:par>
+                                <p:cTn id="35" presetID="1" presetClass="entr" presetSubtype="0" fill="hold" nodeType="clickEffect">
+                                  <p:stCondLst>
+                                    <p:cond delay="0"/>
+                                  </p:stCondLst>
+                                  <p:childTnLst>
+                                    <p:set>
+                                      <p:cBhvr>
+                                        <p:cTn id="36" dur="1" fill="hold">
+                                          <p:stCondLst>
+                                            <p:cond delay="0"/>
+                                          </p:stCondLst>
+                                        </p:cTn>
+                                        <p:tgtEl>
+                                          <p:spTgt spid="44"/>
+                                        </p:tgtEl>
+                                        <p:attrNameLst>
+                                          <p:attrName>style.visibility</p:attrName>
+                                        </p:attrNameLst>
+                                      </p:cBhvr>
+                                      <p:to>
+                                        <p:strVal val="visible"/>
+                                      </p:to>
+                                    </p:set>
+                                  </p:childTnLst>
+                                </p:cTn>
+                              </p:par>
+                            </p:childTnLst>
+                          </p:cTn>
+                        </p:par>
+                      </p:childTnLst>
+                    </p:cTn>
+                  </p:par>
+                  <p:par>
+                    <p:cTn id="37" fill="hold">
+                      <p:stCondLst>
+                        <p:cond delay="indefinite"/>
+                      </p:stCondLst>
+                      <p:childTnLst>
+                        <p:par>
+                          <p:cTn id="38" fill="hold">
+                            <p:stCondLst>
+                              <p:cond delay="0"/>
+                            </p:stCondLst>
+                            <p:childTnLst>
+                              <p:par>
+                                <p:cTn id="39" presetID="1" presetClass="entr" presetSubtype="0" fill="hold" nodeType="clickEffect">
+                                  <p:stCondLst>
+                                    <p:cond delay="0"/>
+                                  </p:stCondLst>
+                                  <p:childTnLst>
+                                    <p:set>
+                                      <p:cBhvr>
+                                        <p:cTn id="40" dur="1" fill="hold">
+                                          <p:stCondLst>
+                                            <p:cond delay="0"/>
+                                          </p:stCondLst>
+                                        </p:cTn>
+                                        <p:tgtEl>
+                                          <p:spTgt spid="41"/>
+                                        </p:tgtEl>
+                                        <p:attrNameLst>
+                                          <p:attrName>style.visibility</p:attrName>
+                                        </p:attrNameLst>
+                                      </p:cBhvr>
+                                      <p:to>
+                                        <p:strVal val="visible"/>
+                                      </p:to>
+                                    </p:set>
+                                  </p:childTnLst>
+                                </p:cTn>
+                              </p:par>
+                              <p:par>
+                                <p:cTn id="41" presetID="1" presetClass="entr" presetSubtype="0" fill="hold" nodeType="withEffect">
+                                  <p:stCondLst>
+                                    <p:cond delay="0"/>
+                                  </p:stCondLst>
+                                  <p:childTnLst>
+                                    <p:set>
+                                      <p:cBhvr>
+                                        <p:cTn id="42" dur="1" fill="hold">
+                                          <p:stCondLst>
+                                            <p:cond delay="0"/>
+                                          </p:stCondLst>
+                                        </p:cTn>
+                                        <p:tgtEl>
+                                          <p:spTgt spid="72"/>
+                                        </p:tgtEl>
+                                        <p:attrNameLst>
+                                          <p:attrName>style.visibility</p:attrName>
+                                        </p:attrNameLst>
+                                      </p:cBhvr>
+                                      <p:to>
+                                        <p:strVal val="visible"/>
+                                      </p:to>
+                                    </p:set>
+                                  </p:childTnLst>
+                                </p:cTn>
+                              </p:par>
+                            </p:childTnLst>
+                          </p:cTn>
+                        </p:par>
+                      </p:childTnLst>
+                    </p:cTn>
+                  </p:par>
+                  <p:par>
+                    <p:cTn id="43" fill="hold">
+                      <p:stCondLst>
+                        <p:cond delay="indefinite"/>
+                      </p:stCondLst>
+                      <p:childTnLst>
+                        <p:par>
+                          <p:cTn id="44" fill="hold">
+                            <p:stCondLst>
+                              <p:cond delay="0"/>
+                            </p:stCondLst>
+                            <p:childTnLst>
+                              <p:par>
+                                <p:cTn id="45" presetID="1" presetClass="entr" presetSubtype="0" fill="hold" nodeType="clickEffect">
+                                  <p:stCondLst>
+                                    <p:cond delay="0"/>
+                                  </p:stCondLst>
+                                  <p:childTnLst>
+                                    <p:set>
+                                      <p:cBhvr>
+                                        <p:cTn id="46" dur="1" fill="hold">
+                                          <p:stCondLst>
+                                            <p:cond delay="0"/>
+                                          </p:stCondLst>
+                                        </p:cTn>
+                                        <p:tgtEl>
+                                          <p:spTgt spid="42"/>
                                         </p:tgtEl>
                                         <p:attrNameLst>
                                           <p:attrName>style.visibility</p:attrName>
@@ -8625,13 +11134,6 @@
               </a:rPr>
               <a:t>DEMO</a:t>
             </a:r>
-            <a:endParaRPr lang="en-US" sz="7200" dirty="0" smtClean="0">
-              <a:solidFill>
-                <a:schemeClr val="tx2"/>
-              </a:solidFill>
-              <a:latin typeface="Verdana"/>
-              <a:cs typeface="Verdana"/>
-            </a:endParaRPr>
           </a:p>
         </p:txBody>
       </p:sp>
@@ -8744,7 +11246,7 @@
                 <a:latin typeface="Verdana"/>
                 <a:cs typeface="Verdana"/>
               </a:rPr>
-              <a:t>Conclusion</a:t>
+              <a:t>Thanks!</a:t>
             </a:r>
             <a:endParaRPr lang="en-US" sz="3200" dirty="0">
               <a:latin typeface="Verdana"/>
@@ -8781,50 +11283,6 @@
                 <a:latin typeface="Verdana"/>
                 <a:cs typeface="Verdana"/>
               </a:rPr>
-              <a:t>Consistent </a:t>
-            </a:r>
-            <a:r>
-              <a:rPr lang="en-US" sz="2400" dirty="0" smtClean="0">
-                <a:solidFill>
-                  <a:schemeClr val="tx2"/>
-                </a:solidFill>
-                <a:latin typeface="Verdana"/>
-                <a:cs typeface="Verdana"/>
-              </a:rPr>
-              <a:t>deploy throughout the SDLC means riskless deploy to production</a:t>
-            </a:r>
-          </a:p>
-          <a:p>
-            <a:r>
-              <a:rPr lang="en-US" sz="2400" dirty="0" smtClean="0">
-                <a:solidFill>
-                  <a:schemeClr val="tx2"/>
-                </a:solidFill>
-                <a:latin typeface="Verdana"/>
-                <a:cs typeface="Verdana"/>
-              </a:rPr>
-              <a:t>Docker </a:t>
-            </a:r>
-            <a:r>
-              <a:rPr lang="en-US" sz="2400" dirty="0" smtClean="0">
-                <a:solidFill>
-                  <a:schemeClr val="tx2"/>
-                </a:solidFill>
-                <a:latin typeface="Verdana"/>
-                <a:cs typeface="Verdana"/>
-              </a:rPr>
-              <a:t>is an order of magnitude faster than traditional VM deployments</a:t>
-            </a:r>
-          </a:p>
-          <a:p>
-            <a:r>
-              <a:rPr lang="en-US" sz="2400" dirty="0" smtClean="0">
-                <a:solidFill>
-                  <a:schemeClr val="tx2"/>
-                </a:solidFill>
-                <a:latin typeface="Verdana"/>
-                <a:cs typeface="Verdana"/>
-              </a:rPr>
               <a:t>github.com</a:t>
             </a:r>
             <a:r>
@@ -8847,6 +11305,85 @@
               </a:rPr>
               <a:t>dockercon</a:t>
             </a:r>
+          </a:p>
+          <a:p>
+            <a:endParaRPr lang="en-US" sz="2400" dirty="0">
+              <a:solidFill>
+                <a:schemeClr val="tx2"/>
+              </a:solidFill>
+              <a:latin typeface="Verdana"/>
+              <a:cs typeface="Verdana"/>
+            </a:endParaRPr>
+          </a:p>
+          <a:p>
+            <a:r>
+              <a:rPr lang="en-US" sz="2400" dirty="0" smtClean="0">
+                <a:solidFill>
+                  <a:schemeClr val="tx2"/>
+                </a:solidFill>
+                <a:latin typeface="Verdana"/>
+                <a:cs typeface="Verdana"/>
+              </a:rPr>
+              <a:t>Nikhil: @</a:t>
+            </a:r>
+            <a:r>
+              <a:rPr lang="en-US" sz="2400" dirty="0" err="1" smtClean="0">
+                <a:solidFill>
+                  <a:schemeClr val="tx2"/>
+                </a:solidFill>
+                <a:latin typeface="Verdana"/>
+                <a:cs typeface="Verdana"/>
+              </a:rPr>
+              <a:t>therealnikhil</a:t>
+            </a:r>
+            <a:endParaRPr lang="en-US" sz="2400" dirty="0" smtClean="0">
+              <a:solidFill>
+                <a:schemeClr val="tx2"/>
+              </a:solidFill>
+              <a:latin typeface="Verdana"/>
+              <a:cs typeface="Verdana"/>
+            </a:endParaRPr>
+          </a:p>
+          <a:p>
+            <a:r>
+              <a:rPr lang="en-US" sz="2400" dirty="0" smtClean="0">
+                <a:solidFill>
+                  <a:schemeClr val="tx2"/>
+                </a:solidFill>
+                <a:latin typeface="Verdana"/>
+                <a:cs typeface="Verdana"/>
+              </a:rPr>
+              <a:t>Sid: @Siddhartha90</a:t>
+            </a:r>
+          </a:p>
+          <a:p>
+            <a:r>
+              <a:rPr lang="en-US" sz="2400" dirty="0" smtClean="0">
+                <a:solidFill>
+                  <a:schemeClr val="tx2"/>
+                </a:solidFill>
+                <a:latin typeface="Verdana"/>
+                <a:cs typeface="Verdana"/>
+              </a:rPr>
+              <a:t>Tanay: @</a:t>
+            </a:r>
+            <a:r>
+              <a:rPr lang="en-US" sz="2400" dirty="0" err="1" smtClean="0">
+                <a:solidFill>
+                  <a:schemeClr val="tx2"/>
+                </a:solidFill>
+                <a:latin typeface="Verdana"/>
+                <a:cs typeface="Verdana"/>
+              </a:rPr>
+              <a:t>tanayciousd</a:t>
+            </a:r>
+            <a:endParaRPr lang="en-US" sz="2400" dirty="0" smtClean="0">
+              <a:solidFill>
+                <a:schemeClr val="tx2"/>
+              </a:solidFill>
+              <a:latin typeface="Verdana"/>
+              <a:cs typeface="Verdana"/>
+            </a:endParaRPr>
           </a:p>
           <a:p>
             <a:endParaRPr lang="en-US" sz="2400" dirty="0" smtClean="0">
